--- a/ppts/5 - Model quality.pptx
+++ b/ppts/5 - Model quality.pptx
@@ -5,34 +5,42 @@
     <p:sldMasterId id="2147483648" r:id="rId1"/>
   </p:sldMasterIdLst>
   <p:notesMasterIdLst>
-    <p:notesMasterId r:id="rId19"/>
+    <p:notesMasterId r:id="rId27"/>
   </p:notesMasterIdLst>
   <p:handoutMasterIdLst>
-    <p:handoutMasterId r:id="rId20"/>
+    <p:handoutMasterId r:id="rId28"/>
   </p:handoutMasterIdLst>
   <p:sldIdLst>
     <p:sldId id="256" r:id="rId2"/>
-    <p:sldId id="274" r:id="rId3"/>
-    <p:sldId id="265" r:id="rId4"/>
+    <p:sldId id="284" r:id="rId3"/>
+    <p:sldId id="283" r:id="rId4"/>
     <p:sldId id="266" r:id="rId5"/>
-    <p:sldId id="270" r:id="rId6"/>
-    <p:sldId id="271" r:id="rId7"/>
-    <p:sldId id="272" r:id="rId8"/>
-    <p:sldId id="273" r:id="rId9"/>
-    <p:sldId id="275" r:id="rId10"/>
-    <p:sldId id="276" r:id="rId11"/>
-    <p:sldId id="277" r:id="rId12"/>
-    <p:sldId id="278" r:id="rId13"/>
-    <p:sldId id="279" r:id="rId14"/>
-    <p:sldId id="280" r:id="rId15"/>
-    <p:sldId id="281" r:id="rId16"/>
-    <p:sldId id="282" r:id="rId17"/>
-    <p:sldId id="264" r:id="rId18"/>
+    <p:sldId id="285" r:id="rId6"/>
+    <p:sldId id="265" r:id="rId7"/>
+    <p:sldId id="286" r:id="rId8"/>
+    <p:sldId id="270" r:id="rId9"/>
+    <p:sldId id="271" r:id="rId10"/>
+    <p:sldId id="272" r:id="rId11"/>
+    <p:sldId id="289" r:id="rId12"/>
+    <p:sldId id="290" r:id="rId13"/>
+    <p:sldId id="273" r:id="rId14"/>
+    <p:sldId id="288" r:id="rId15"/>
+    <p:sldId id="291" r:id="rId16"/>
+    <p:sldId id="292" r:id="rId17"/>
+    <p:sldId id="275" r:id="rId18"/>
+    <p:sldId id="276" r:id="rId19"/>
+    <p:sldId id="277" r:id="rId20"/>
+    <p:sldId id="278" r:id="rId21"/>
+    <p:sldId id="279" r:id="rId22"/>
+    <p:sldId id="280" r:id="rId23"/>
+    <p:sldId id="281" r:id="rId24"/>
+    <p:sldId id="282" r:id="rId25"/>
+    <p:sldId id="264" r:id="rId26"/>
   </p:sldIdLst>
   <p:sldSz cx="12192000" cy="6858000"/>
   <p:notesSz cx="6858000" cy="9144000"/>
   <p:custDataLst>
-    <p:tags r:id="rId21"/>
+    <p:tags r:id="rId29"/>
   </p:custDataLst>
   <p:defaultTextStyle>
     <a:defPPr>
@@ -246,7 +254,7 @@
           <a:p>
             <a:fld id="{15E4F5CE-CB34-4A0C-9595-867A2C0DB20E}" type="datetimeFigureOut">
               <a:rPr lang="nl-BE" smtClean="0"/>
-              <a:t>18/04/2024</a:t>
+              <a:t>6/05/2025</a:t>
             </a:fld>
             <a:endParaRPr lang="nl-BE"/>
           </a:p>
@@ -423,7 +431,7 @@
           <a:p>
             <a:fld id="{4D53584B-980D-4F7D-BA36-682FCDF648BB}" type="datetimeFigureOut">
               <a:rPr lang="nl-BE" smtClean="0"/>
-              <a:t>18/04/2024</a:t>
+              <a:t>6/05/2025</a:t>
             </a:fld>
             <a:endParaRPr lang="nl-BE"/>
           </a:p>
@@ -1047,7 +1055,7 @@
           <a:p>
             <a:fld id="{F456E141-11F1-487F-A892-18B8A63336C7}" type="datetime1">
               <a:rPr lang="nl-BE" smtClean="0"/>
-              <a:t>18/04/2024</a:t>
+              <a:t>6/05/2025</a:t>
             </a:fld>
             <a:endParaRPr lang="nl-BE"/>
           </a:p>
@@ -1363,7 +1371,7 @@
           <a:p>
             <a:fld id="{85CAFD92-94F2-4CD0-8A1D-AA3295115CEC}" type="datetime1">
               <a:rPr lang="nl-BE" smtClean="0"/>
-              <a:t>18/04/2024</a:t>
+              <a:t>6/05/2025</a:t>
             </a:fld>
             <a:endParaRPr lang="nl-BE"/>
           </a:p>
@@ -1543,7 +1551,7 @@
           <a:p>
             <a:fld id="{02B84EFA-B363-4043-A12E-44B39EC7D05B}" type="datetime1">
               <a:rPr lang="nl-BE" smtClean="0"/>
-              <a:t>18/04/2024</a:t>
+              <a:t>6/05/2025</a:t>
             </a:fld>
             <a:endParaRPr lang="nl-BE"/>
           </a:p>
@@ -1742,7 +1750,7 @@
           <a:p>
             <a:fld id="{B7AA89A6-C9B9-4556-BC9E-5E3CF3322A33}" type="datetime1">
               <a:rPr lang="nl-BE" smtClean="0"/>
-              <a:t>18/04/2024</a:t>
+              <a:t>6/05/2025</a:t>
             </a:fld>
             <a:endParaRPr lang="nl-BE"/>
           </a:p>
@@ -1993,7 +2001,7 @@
           <a:p>
             <a:fld id="{6CEB42D4-4FBB-465F-AE58-8ADBDBF671C8}" type="datetime1">
               <a:rPr lang="nl-BE" smtClean="0"/>
-              <a:t>18/04/2024</a:t>
+              <a:t>6/05/2025</a:t>
             </a:fld>
             <a:endParaRPr lang="nl-BE"/>
           </a:p>
@@ -2225,7 +2233,7 @@
           <a:p>
             <a:fld id="{64B405D5-C0FD-42E0-9EB1-2670F471B7BB}" type="datetime1">
               <a:rPr lang="nl-BE" smtClean="0"/>
-              <a:t>18/04/2024</a:t>
+              <a:t>6/05/2025</a:t>
             </a:fld>
             <a:endParaRPr lang="nl-BE"/>
           </a:p>
@@ -2592,7 +2600,7 @@
           <a:p>
             <a:fld id="{4CB55C39-C031-448F-A58F-CA88F7B6F786}" type="datetime1">
               <a:rPr lang="nl-BE" smtClean="0"/>
-              <a:t>18/04/2024</a:t>
+              <a:t>6/05/2025</a:t>
             </a:fld>
             <a:endParaRPr lang="nl-BE"/>
           </a:p>
@@ -2710,7 +2718,7 @@
           <a:p>
             <a:fld id="{E29307F5-1DF0-4FFF-91A4-1E1A6A26A94A}" type="datetime1">
               <a:rPr lang="nl-BE" smtClean="0"/>
-              <a:t>18/04/2024</a:t>
+              <a:t>6/05/2025</a:t>
             </a:fld>
             <a:endParaRPr lang="nl-BE"/>
           </a:p>
@@ -2805,7 +2813,7 @@
           <a:p>
             <a:fld id="{00A9168B-A159-4E9D-A6C6-C6786C6AB2EB}" type="datetime1">
               <a:rPr lang="nl-BE" smtClean="0"/>
-              <a:t>18/04/2024</a:t>
+              <a:t>6/05/2025</a:t>
             </a:fld>
             <a:endParaRPr lang="nl-BE"/>
           </a:p>
@@ -3082,7 +3090,7 @@
           <a:p>
             <a:fld id="{E9D22159-AF82-4D23-BC06-D4277BDD9BAD}" type="datetime1">
               <a:rPr lang="nl-BE" smtClean="0"/>
-              <a:t>18/04/2024</a:t>
+              <a:t>6/05/2025</a:t>
             </a:fld>
             <a:endParaRPr lang="nl-BE"/>
           </a:p>
@@ -3335,7 +3343,7 @@
           <a:p>
             <a:fld id="{D08A7014-C292-4E4F-926C-1A31F538B52A}" type="datetime1">
               <a:rPr lang="nl-BE" smtClean="0"/>
-              <a:t>18/04/2024</a:t>
+              <a:t>6/05/2025</a:t>
             </a:fld>
             <a:endParaRPr lang="nl-BE"/>
           </a:p>
@@ -3548,7 +3556,7 @@
           <a:p>
             <a:fld id="{E9CC7161-F687-474C-905A-3CCBBA535086}" type="datetime1">
               <a:rPr lang="nl-BE" smtClean="0"/>
-              <a:t>18/04/2024</a:t>
+              <a:t>6/05/2025</a:t>
             </a:fld>
             <a:endParaRPr lang="nl-BE"/>
           </a:p>
@@ -4261,7 +4269,7 @@
           <p:cNvPr id="2" name="Title 1">
             <a:extLst>
               <a:ext uri="{FF2B5EF4-FFF2-40B4-BE49-F238E27FC236}">
-                <a16:creationId xmlns:a16="http://schemas.microsoft.com/office/drawing/2014/main" id="{00F15011-EC98-5025-6C8A-6EE006CF9011}"/>
+                <a16:creationId xmlns:a16="http://schemas.microsoft.com/office/drawing/2014/main" id="{57D9A6A8-1450-E971-CF1C-5DD0BE928E1F}"/>
               </a:ext>
             </a:extLst>
           </p:cNvPr>
@@ -4278,10 +4286,9 @@
           <a:lstStyle/>
           <a:p>
             <a:r>
-              <a:rPr lang="en-US" dirty="0"/>
-              <a:t>ROC</a:t>
-            </a:r>
-            <a:endParaRPr lang="en-BE" dirty="0"/>
+              <a:rPr lang="en-US" noProof="0" dirty="0"/>
+              <a:t>Sensitivity (recall)</a:t>
+            </a:r>
           </a:p>
         </p:txBody>
       </p:sp>
@@ -4290,7 +4297,7 @@
           <p:cNvPr id="3" name="Content Placeholder 2">
             <a:extLst>
               <a:ext uri="{FF2B5EF4-FFF2-40B4-BE49-F238E27FC236}">
-                <a16:creationId xmlns:a16="http://schemas.microsoft.com/office/drawing/2014/main" id="{6DF1B28D-0CEF-D634-C809-9575BD5A2582}"/>
+                <a16:creationId xmlns:a16="http://schemas.microsoft.com/office/drawing/2014/main" id="{F536E007-F9B3-D41D-9EC6-BE2CC7312B53}"/>
               </a:ext>
             </a:extLst>
           </p:cNvPr>
@@ -4307,51 +4314,27 @@
           <a:lstStyle/>
           <a:p>
             <a:r>
-              <a:rPr lang="en-US" dirty="0"/>
-              <a:t>A receiver operating characteristic (ROC) graph summarizes all the confusion matrices that each threshold produced. To build one, you calculate the sensitivity (or true-positive rate) against the false-positive rate for each threshold value.</a:t>
-            </a:r>
-          </a:p>
-          <a:p>
-            <a:r>
-              <a:rPr lang="en-US" dirty="0"/>
-              <a:t>(0,0): Everything is a cat</a:t>
-            </a:r>
-          </a:p>
-          <a:p>
-            <a:r>
-              <a:rPr lang="en-US" dirty="0"/>
-              <a:t>(1,1): Everything is not a cat</a:t>
-            </a:r>
-          </a:p>
-          <a:p>
-            <a:r>
-              <a:rPr lang="en-US" dirty="0"/>
-              <a:t>(0,1): Best possible model</a:t>
-            </a:r>
-          </a:p>
-          <a:p>
-            <a:r>
-              <a:rPr lang="en-US" dirty="0"/>
-              <a:t>(1,0): Worst possible model</a:t>
-            </a:r>
-          </a:p>
-          <a:p>
-            <a:r>
-              <a:rPr lang="en-US" dirty="0"/>
-              <a:t>Line from (0,0) to (1,1): random classifier</a:t>
-            </a:r>
-          </a:p>
-          <a:p>
-            <a:endParaRPr lang="en-US" dirty="0"/>
-          </a:p>
-          <a:p>
-            <a:endParaRPr lang="en-US" dirty="0"/>
-          </a:p>
-          <a:p>
-            <a:endParaRPr lang="en-US" dirty="0"/>
-          </a:p>
-          <a:p>
-            <a:endParaRPr lang="en-BE" dirty="0"/>
+              <a:rPr lang="en-US" noProof="0" dirty="0"/>
+              <a:t>Sensitivity measures the proportion of actual positive instances that are correctly identified by the model.</a:t>
+            </a:r>
+          </a:p>
+          <a:p>
+            <a:r>
+              <a:rPr lang="en-US" noProof="0" dirty="0"/>
+              <a:t>Sensitivity = TP / (TP + FN)</a:t>
+            </a:r>
+          </a:p>
+          <a:p>
+            <a:r>
+              <a:rPr lang="en-US" noProof="0" dirty="0"/>
+              <a:t>High sensitivity: model is good at identifying positive instances</a:t>
+            </a:r>
+          </a:p>
+          <a:p>
+            <a:r>
+              <a:rPr lang="en-US" noProof="0" dirty="0"/>
+              <a:t>Example: in a medical setting low FN is important as it’s better to have received treatment for an illness you don’t have that to not have treatment for an illness you do have.</a:t>
+            </a:r>
           </a:p>
         </p:txBody>
       </p:sp>
@@ -4360,7 +4343,7 @@
           <p:cNvPr id="4" name="Slide Number Placeholder 3">
             <a:extLst>
               <a:ext uri="{FF2B5EF4-FFF2-40B4-BE49-F238E27FC236}">
-                <a16:creationId xmlns:a16="http://schemas.microsoft.com/office/drawing/2014/main" id="{F65EE2F2-5DAE-53E4-93C8-8C3D6162B1EA}"/>
+                <a16:creationId xmlns:a16="http://schemas.microsoft.com/office/drawing/2014/main" id="{74C4632F-B7AA-558D-BEE3-E4FA2CBBCF3A}"/>
               </a:ext>
             </a:extLst>
           </p:cNvPr>
@@ -4380,6 +4363,1415 @@
               <a:rPr lang="nl-BE" smtClean="0"/>
               <a:pPr/>
               <a:t>10</a:t>
+            </a:fld>
+            <a:endParaRPr lang="nl-BE"/>
+          </a:p>
+        </p:txBody>
+      </p:sp>
+    </p:spTree>
+    <p:extLst>
+      <p:ext uri="{BB962C8B-B14F-4D97-AF65-F5344CB8AC3E}">
+        <p14:creationId xmlns:p14="http://schemas.microsoft.com/office/powerpoint/2010/main" val="3436903314"/>
+      </p:ext>
+    </p:extLst>
+  </p:cSld>
+  <p:clrMapOvr>
+    <a:masterClrMapping/>
+  </p:clrMapOvr>
+</p:sld>
+</file>
+
+<file path=ppt/slides/slide11.xml><?xml version="1.0" encoding="utf-8"?>
+<p:sld xmlns:a="http://schemas.openxmlformats.org/drawingml/2006/main" xmlns:r="http://schemas.openxmlformats.org/officeDocument/2006/relationships" xmlns:p="http://schemas.openxmlformats.org/presentationml/2006/main">
+  <p:cSld>
+    <p:spTree>
+      <p:nvGrpSpPr>
+        <p:cNvPr id="1" name="">
+          <a:extLst>
+            <a:ext uri="{FF2B5EF4-FFF2-40B4-BE49-F238E27FC236}">
+              <a16:creationId xmlns:a16="http://schemas.microsoft.com/office/drawing/2014/main" id="{88B0A7B4-EFF3-E95E-2D8A-65A0DE471CD6}"/>
+            </a:ext>
+          </a:extLst>
+        </p:cNvPr>
+        <p:cNvGrpSpPr/>
+        <p:nvPr/>
+      </p:nvGrpSpPr>
+      <p:grpSpPr>
+        <a:xfrm>
+          <a:off x="0" y="0"/>
+          <a:ext cx="0" cy="0"/>
+          <a:chOff x="0" y="0"/>
+          <a:chExt cx="0" cy="0"/>
+        </a:xfrm>
+      </p:grpSpPr>
+      <p:sp>
+        <p:nvSpPr>
+          <p:cNvPr id="2" name="Title 1">
+            <a:extLst>
+              <a:ext uri="{FF2B5EF4-FFF2-40B4-BE49-F238E27FC236}">
+                <a16:creationId xmlns:a16="http://schemas.microsoft.com/office/drawing/2014/main" id="{BF76921A-6C4F-2719-C3A8-87791B15AFFF}"/>
+              </a:ext>
+            </a:extLst>
+          </p:cNvPr>
+          <p:cNvSpPr>
+            <a:spLocks noGrp="1"/>
+          </p:cNvSpPr>
+          <p:nvPr>
+            <p:ph type="title"/>
+          </p:nvPr>
+        </p:nvSpPr>
+        <p:spPr/>
+        <p:txBody>
+          <a:bodyPr/>
+          <a:lstStyle/>
+          <a:p>
+            <a:r>
+              <a:rPr lang="en-US" noProof="0" dirty="0"/>
+              <a:t>Sensitivity (recall)</a:t>
+            </a:r>
+          </a:p>
+        </p:txBody>
+      </p:sp>
+      <p:sp>
+        <p:nvSpPr>
+          <p:cNvPr id="3" name="Content Placeholder 2">
+            <a:extLst>
+              <a:ext uri="{FF2B5EF4-FFF2-40B4-BE49-F238E27FC236}">
+                <a16:creationId xmlns:a16="http://schemas.microsoft.com/office/drawing/2014/main" id="{B92D5569-D570-E72A-8205-E6419BBD0820}"/>
+              </a:ext>
+            </a:extLst>
+          </p:cNvPr>
+          <p:cNvSpPr>
+            <a:spLocks noGrp="1"/>
+          </p:cNvSpPr>
+          <p:nvPr>
+            <p:ph idx="1"/>
+          </p:nvPr>
+        </p:nvSpPr>
+        <p:spPr>
+          <a:xfrm>
+            <a:off x="582705" y="3428999"/>
+            <a:ext cx="11291048" cy="2747963"/>
+          </a:xfrm>
+        </p:spPr>
+        <p:txBody>
+          <a:bodyPr>
+            <a:normAutofit/>
+          </a:bodyPr>
+          <a:lstStyle/>
+          <a:p>
+            <a:r>
+              <a:rPr lang="en-US" noProof="0" dirty="0"/>
+              <a:t>Left: 0.608, right: 0.841</a:t>
+            </a:r>
+          </a:p>
+          <a:p>
+            <a:r>
+              <a:rPr lang="en-US" dirty="0"/>
+              <a:t>Right is higher. It has more correctly identified cats.</a:t>
+            </a:r>
+          </a:p>
+          <a:p>
+            <a:r>
+              <a:rPr lang="en-US" dirty="0"/>
+              <a:t>Right also called a lot of stuff that wasn’t a cat a cat, but sensitivity doesn’t take that into account.</a:t>
+            </a:r>
+          </a:p>
+          <a:p>
+            <a:r>
+              <a:rPr lang="en-US" dirty="0"/>
+              <a:t>We prefer a false alarm (FP) over a missed case (FN)</a:t>
+            </a:r>
+          </a:p>
+        </p:txBody>
+      </p:sp>
+      <p:sp>
+        <p:nvSpPr>
+          <p:cNvPr id="4" name="Slide Number Placeholder 3">
+            <a:extLst>
+              <a:ext uri="{FF2B5EF4-FFF2-40B4-BE49-F238E27FC236}">
+                <a16:creationId xmlns:a16="http://schemas.microsoft.com/office/drawing/2014/main" id="{9C9E2911-D3A0-F081-E554-4ACBB8FED6FE}"/>
+              </a:ext>
+            </a:extLst>
+          </p:cNvPr>
+          <p:cNvSpPr>
+            <a:spLocks noGrp="1"/>
+          </p:cNvSpPr>
+          <p:nvPr>
+            <p:ph type="sldNum" sz="quarter" idx="12"/>
+          </p:nvPr>
+        </p:nvSpPr>
+        <p:spPr/>
+        <p:txBody>
+          <a:bodyPr/>
+          <a:lstStyle/>
+          <a:p>
+            <a:fld id="{FE1B3154-47D9-4402-8EDB-E791933DC0B9}" type="slidenum">
+              <a:rPr lang="nl-BE" smtClean="0"/>
+              <a:pPr/>
+              <a:t>11</a:t>
+            </a:fld>
+            <a:endParaRPr lang="nl-BE"/>
+          </a:p>
+        </p:txBody>
+      </p:sp>
+      <p:pic>
+        <p:nvPicPr>
+          <p:cNvPr id="6" name="Picture 5" descr="A close-up of a chart&#10;&#10;Description automatically generated">
+            <a:extLst>
+              <a:ext uri="{FF2B5EF4-FFF2-40B4-BE49-F238E27FC236}">
+                <a16:creationId xmlns:a16="http://schemas.microsoft.com/office/drawing/2014/main" id="{DFBF47AB-4184-0A92-CE29-B3A541B75470}"/>
+              </a:ext>
+            </a:extLst>
+          </p:cNvPr>
+          <p:cNvPicPr>
+            <a:picLocks noChangeAspect="1"/>
+          </p:cNvPicPr>
+          <p:nvPr/>
+        </p:nvPicPr>
+        <p:blipFill>
+          <a:blip r:embed="rId2">
+            <a:extLst>
+              <a:ext uri="{28A0092B-C50C-407E-A947-70E740481C1C}">
+                <a14:useLocalDpi xmlns:a14="http://schemas.microsoft.com/office/drawing/2010/main" val="0"/>
+              </a:ext>
+            </a:extLst>
+          </a:blip>
+          <a:stretch>
+            <a:fillRect/>
+          </a:stretch>
+        </p:blipFill>
+        <p:spPr>
+          <a:xfrm>
+            <a:off x="2571258" y="1579525"/>
+            <a:ext cx="7049484" cy="1667108"/>
+          </a:xfrm>
+          <a:prstGeom prst="rect">
+            <a:avLst/>
+          </a:prstGeom>
+        </p:spPr>
+      </p:pic>
+    </p:spTree>
+    <p:extLst>
+      <p:ext uri="{BB962C8B-B14F-4D97-AF65-F5344CB8AC3E}">
+        <p14:creationId xmlns:p14="http://schemas.microsoft.com/office/powerpoint/2010/main" val="972928235"/>
+      </p:ext>
+    </p:extLst>
+  </p:cSld>
+  <p:clrMapOvr>
+    <a:masterClrMapping/>
+  </p:clrMapOvr>
+</p:sld>
+</file>
+
+<file path=ppt/slides/slide12.xml><?xml version="1.0" encoding="utf-8"?>
+<p:sld xmlns:a="http://schemas.openxmlformats.org/drawingml/2006/main" xmlns:r="http://schemas.openxmlformats.org/officeDocument/2006/relationships" xmlns:p="http://schemas.openxmlformats.org/presentationml/2006/main">
+  <p:cSld>
+    <p:spTree>
+      <p:nvGrpSpPr>
+        <p:cNvPr id="1" name=""/>
+        <p:cNvGrpSpPr/>
+        <p:nvPr/>
+      </p:nvGrpSpPr>
+      <p:grpSpPr>
+        <a:xfrm>
+          <a:off x="0" y="0"/>
+          <a:ext cx="0" cy="0"/>
+          <a:chOff x="0" y="0"/>
+          <a:chExt cx="0" cy="0"/>
+        </a:xfrm>
+      </p:grpSpPr>
+      <p:sp>
+        <p:nvSpPr>
+          <p:cNvPr id="2" name="Title 1">
+            <a:extLst>
+              <a:ext uri="{FF2B5EF4-FFF2-40B4-BE49-F238E27FC236}">
+                <a16:creationId xmlns:a16="http://schemas.microsoft.com/office/drawing/2014/main" id="{A974E872-177D-5805-364C-0D880A602F7A}"/>
+              </a:ext>
+            </a:extLst>
+          </p:cNvPr>
+          <p:cNvSpPr>
+            <a:spLocks noGrp="1"/>
+          </p:cNvSpPr>
+          <p:nvPr>
+            <p:ph type="title"/>
+          </p:nvPr>
+        </p:nvSpPr>
+        <p:spPr/>
+        <p:txBody>
+          <a:bodyPr/>
+          <a:lstStyle/>
+          <a:p>
+            <a:r>
+              <a:rPr lang="en-US" dirty="0"/>
+              <a:t>Cat or rat?</a:t>
+            </a:r>
+          </a:p>
+        </p:txBody>
+      </p:sp>
+      <p:sp>
+        <p:nvSpPr>
+          <p:cNvPr id="3" name="Content Placeholder 2">
+            <a:extLst>
+              <a:ext uri="{FF2B5EF4-FFF2-40B4-BE49-F238E27FC236}">
+                <a16:creationId xmlns:a16="http://schemas.microsoft.com/office/drawing/2014/main" id="{8D292C48-5744-A1A0-06A0-7959751EE809}"/>
+              </a:ext>
+            </a:extLst>
+          </p:cNvPr>
+          <p:cNvSpPr>
+            <a:spLocks noGrp="1"/>
+          </p:cNvSpPr>
+          <p:nvPr>
+            <p:ph idx="1"/>
+          </p:nvPr>
+        </p:nvSpPr>
+        <p:spPr>
+          <a:xfrm>
+            <a:off x="582705" y="1550894"/>
+            <a:ext cx="6722221" cy="4626069"/>
+          </a:xfrm>
+        </p:spPr>
+        <p:txBody>
+          <a:bodyPr>
+            <a:normAutofit lnSpcReduction="10000"/>
+          </a:bodyPr>
+          <a:lstStyle/>
+          <a:p>
+            <a:r>
+              <a:rPr lang="en-US" dirty="0"/>
+              <a:t>You find a lovely animal in an alley, but only want to keep it if it’s a cat (not when it’s a rat)</a:t>
+            </a:r>
+          </a:p>
+          <a:p>
+            <a:r>
+              <a:rPr lang="en-US" dirty="0"/>
+              <a:t>The good scenarios:</a:t>
+            </a:r>
+          </a:p>
+          <a:p>
+            <a:pPr lvl="1"/>
+            <a:r>
+              <a:rPr lang="en-US" dirty="0"/>
+              <a:t>TP: It’s a cat and you keep it</a:t>
+            </a:r>
+          </a:p>
+          <a:p>
+            <a:pPr lvl="1"/>
+            <a:r>
+              <a:rPr lang="en-US" dirty="0"/>
+              <a:t>TN: It’s not a cat and it’s exterminated</a:t>
+            </a:r>
+          </a:p>
+          <a:p>
+            <a:r>
+              <a:rPr lang="en-US" dirty="0"/>
+              <a:t>The bad scenarios:</a:t>
+            </a:r>
+          </a:p>
+          <a:p>
+            <a:pPr lvl="1"/>
+            <a:r>
+              <a:rPr lang="en-US" dirty="0"/>
+              <a:t>FP: It’s not a cat and you keep it</a:t>
+            </a:r>
+            <a:br>
+              <a:rPr lang="en-US" dirty="0"/>
+            </a:br>
+            <a:r>
+              <a:rPr lang="en-US" dirty="0"/>
+              <a:t>(can be undone at a later date)</a:t>
+            </a:r>
+          </a:p>
+          <a:p>
+            <a:pPr lvl="1"/>
+            <a:r>
+              <a:rPr lang="en-US" dirty="0"/>
+              <a:t>FN: It’s a cat but it’s exterminated</a:t>
+            </a:r>
+          </a:p>
+          <a:p>
+            <a:pPr lvl="1"/>
+            <a:r>
+              <a:rPr lang="en-US" dirty="0"/>
+              <a:t>(can’t be undone, should be avoided)</a:t>
+            </a:r>
+          </a:p>
+        </p:txBody>
+      </p:sp>
+      <p:sp>
+        <p:nvSpPr>
+          <p:cNvPr id="4" name="Slide Number Placeholder 3">
+            <a:extLst>
+              <a:ext uri="{FF2B5EF4-FFF2-40B4-BE49-F238E27FC236}">
+                <a16:creationId xmlns:a16="http://schemas.microsoft.com/office/drawing/2014/main" id="{7B09F325-865E-44D3-1963-3C6CC1A0F930}"/>
+              </a:ext>
+            </a:extLst>
+          </p:cNvPr>
+          <p:cNvSpPr>
+            <a:spLocks noGrp="1"/>
+          </p:cNvSpPr>
+          <p:nvPr>
+            <p:ph type="sldNum" sz="quarter" idx="12"/>
+          </p:nvPr>
+        </p:nvSpPr>
+        <p:spPr/>
+        <p:txBody>
+          <a:bodyPr/>
+          <a:lstStyle/>
+          <a:p>
+            <a:fld id="{FE1B3154-47D9-4402-8EDB-E791933DC0B9}" type="slidenum">
+              <a:rPr lang="nl-BE" smtClean="0"/>
+              <a:pPr/>
+              <a:t>12</a:t>
+            </a:fld>
+            <a:endParaRPr lang="nl-BE"/>
+          </a:p>
+        </p:txBody>
+      </p:sp>
+      <p:pic>
+        <p:nvPicPr>
+          <p:cNvPr id="6" name="Picture 5" descr="A cat and a white mouse&#10;&#10;AI-generated content may be incorrect.">
+            <a:extLst>
+              <a:ext uri="{FF2B5EF4-FFF2-40B4-BE49-F238E27FC236}">
+                <a16:creationId xmlns:a16="http://schemas.microsoft.com/office/drawing/2014/main" id="{F0442393-3D87-378C-389A-98F5B0E605F6}"/>
+              </a:ext>
+            </a:extLst>
+          </p:cNvPr>
+          <p:cNvPicPr>
+            <a:picLocks noChangeAspect="1"/>
+          </p:cNvPicPr>
+          <p:nvPr/>
+        </p:nvPicPr>
+        <p:blipFill>
+          <a:blip r:embed="rId2" cstate="print">
+            <a:extLst>
+              <a:ext uri="{28A0092B-C50C-407E-A947-70E740481C1C}">
+                <a14:useLocalDpi xmlns:a14="http://schemas.microsoft.com/office/drawing/2010/main" val="0"/>
+              </a:ext>
+            </a:extLst>
+          </a:blip>
+          <a:srcRect l="21225"/>
+          <a:stretch/>
+        </p:blipFill>
+        <p:spPr>
+          <a:xfrm>
+            <a:off x="7726166" y="2662805"/>
+            <a:ext cx="4465834" cy="2967433"/>
+          </a:xfrm>
+          <a:prstGeom prst="rect">
+            <a:avLst/>
+          </a:prstGeom>
+        </p:spPr>
+      </p:pic>
+    </p:spTree>
+    <p:extLst>
+      <p:ext uri="{BB962C8B-B14F-4D97-AF65-F5344CB8AC3E}">
+        <p14:creationId xmlns:p14="http://schemas.microsoft.com/office/powerpoint/2010/main" val="2973811712"/>
+      </p:ext>
+    </p:extLst>
+  </p:cSld>
+  <p:clrMapOvr>
+    <a:masterClrMapping/>
+  </p:clrMapOvr>
+</p:sld>
+</file>
+
+<file path=ppt/slides/slide13.xml><?xml version="1.0" encoding="utf-8"?>
+<p:sld xmlns:a="http://schemas.openxmlformats.org/drawingml/2006/main" xmlns:r="http://schemas.openxmlformats.org/officeDocument/2006/relationships" xmlns:p="http://schemas.openxmlformats.org/presentationml/2006/main">
+  <p:cSld>
+    <p:spTree>
+      <p:nvGrpSpPr>
+        <p:cNvPr id="1" name=""/>
+        <p:cNvGrpSpPr/>
+        <p:nvPr/>
+      </p:nvGrpSpPr>
+      <p:grpSpPr>
+        <a:xfrm>
+          <a:off x="0" y="0"/>
+          <a:ext cx="0" cy="0"/>
+          <a:chOff x="0" y="0"/>
+          <a:chExt cx="0" cy="0"/>
+        </a:xfrm>
+      </p:grpSpPr>
+      <p:sp>
+        <p:nvSpPr>
+          <p:cNvPr id="2" name="Title 1">
+            <a:extLst>
+              <a:ext uri="{FF2B5EF4-FFF2-40B4-BE49-F238E27FC236}">
+                <a16:creationId xmlns:a16="http://schemas.microsoft.com/office/drawing/2014/main" id="{E6A1CEE7-7579-5228-6F1A-E4B7EA08E11D}"/>
+              </a:ext>
+            </a:extLst>
+          </p:cNvPr>
+          <p:cNvSpPr>
+            <a:spLocks noGrp="1"/>
+          </p:cNvSpPr>
+          <p:nvPr>
+            <p:ph type="title"/>
+          </p:nvPr>
+        </p:nvSpPr>
+        <p:spPr/>
+        <p:txBody>
+          <a:bodyPr/>
+          <a:lstStyle/>
+          <a:p>
+            <a:r>
+              <a:rPr lang="en-US" dirty="0"/>
+              <a:t>Specificity</a:t>
+            </a:r>
+            <a:endParaRPr lang="en-BE" dirty="0"/>
+          </a:p>
+        </p:txBody>
+      </p:sp>
+      <p:sp>
+        <p:nvSpPr>
+          <p:cNvPr id="3" name="Content Placeholder 2">
+            <a:extLst>
+              <a:ext uri="{FF2B5EF4-FFF2-40B4-BE49-F238E27FC236}">
+                <a16:creationId xmlns:a16="http://schemas.microsoft.com/office/drawing/2014/main" id="{A5D15E2F-55A9-F791-482E-6A1C20F26E23}"/>
+              </a:ext>
+            </a:extLst>
+          </p:cNvPr>
+          <p:cNvSpPr>
+            <a:spLocks noGrp="1"/>
+          </p:cNvSpPr>
+          <p:nvPr>
+            <p:ph idx="1"/>
+          </p:nvPr>
+        </p:nvSpPr>
+        <p:spPr/>
+        <p:txBody>
+          <a:bodyPr>
+            <a:normAutofit/>
+          </a:bodyPr>
+          <a:lstStyle/>
+          <a:p>
+            <a:r>
+              <a:rPr lang="en-US" dirty="0"/>
+              <a:t>True negative rate, the opposite of sensitivity</a:t>
+            </a:r>
+          </a:p>
+          <a:p>
+            <a:r>
+              <a:rPr lang="en-US" dirty="0"/>
+              <a:t>Specificity = TN / (TN + FP)</a:t>
+            </a:r>
+          </a:p>
+          <a:p>
+            <a:r>
+              <a:rPr lang="en-US" dirty="0"/>
+              <a:t>High specificity: model is good at finding negative instances</a:t>
+            </a:r>
+          </a:p>
+          <a:p>
+            <a:r>
+              <a:rPr lang="en-US" dirty="0"/>
+              <a:t>A false positive (saying the patient has cancer when they don’t) could lead to unnecessary treatment, which might be invasive or harmful.</a:t>
+            </a:r>
+          </a:p>
+          <a:p>
+            <a:r>
+              <a:rPr lang="en-US" dirty="0"/>
+              <a:t>So:</a:t>
+            </a:r>
+          </a:p>
+          <a:p>
+            <a:pPr lvl="1"/>
+            <a:r>
+              <a:rPr lang="en-US" dirty="0"/>
+              <a:t>You want to be sure someone truly has the disease before taking drastic action.</a:t>
+            </a:r>
+          </a:p>
+          <a:p>
+            <a:pPr lvl="1"/>
+            <a:r>
+              <a:rPr lang="en-US" dirty="0"/>
+              <a:t>It’s better to miss a few real cases than to wrongly treat healthy people.</a:t>
+            </a:r>
+          </a:p>
+          <a:p>
+            <a:endParaRPr lang="en-US" dirty="0"/>
+          </a:p>
+        </p:txBody>
+      </p:sp>
+      <p:sp>
+        <p:nvSpPr>
+          <p:cNvPr id="4" name="Slide Number Placeholder 3">
+            <a:extLst>
+              <a:ext uri="{FF2B5EF4-FFF2-40B4-BE49-F238E27FC236}">
+                <a16:creationId xmlns:a16="http://schemas.microsoft.com/office/drawing/2014/main" id="{FF700763-7816-8F01-2008-F770026678E7}"/>
+              </a:ext>
+            </a:extLst>
+          </p:cNvPr>
+          <p:cNvSpPr>
+            <a:spLocks noGrp="1"/>
+          </p:cNvSpPr>
+          <p:nvPr>
+            <p:ph type="sldNum" sz="quarter" idx="12"/>
+          </p:nvPr>
+        </p:nvSpPr>
+        <p:spPr/>
+        <p:txBody>
+          <a:bodyPr/>
+          <a:lstStyle/>
+          <a:p>
+            <a:fld id="{FE1B3154-47D9-4402-8EDB-E791933DC0B9}" type="slidenum">
+              <a:rPr lang="nl-BE" smtClean="0"/>
+              <a:pPr/>
+              <a:t>13</a:t>
+            </a:fld>
+            <a:endParaRPr lang="nl-BE"/>
+          </a:p>
+        </p:txBody>
+      </p:sp>
+    </p:spTree>
+    <p:extLst>
+      <p:ext uri="{BB962C8B-B14F-4D97-AF65-F5344CB8AC3E}">
+        <p14:creationId xmlns:p14="http://schemas.microsoft.com/office/powerpoint/2010/main" val="618549634"/>
+      </p:ext>
+    </p:extLst>
+  </p:cSld>
+  <p:clrMapOvr>
+    <a:masterClrMapping/>
+  </p:clrMapOvr>
+</p:sld>
+</file>
+
+<file path=ppt/slides/slide14.xml><?xml version="1.0" encoding="utf-8"?>
+<p:sld xmlns:a="http://schemas.openxmlformats.org/drawingml/2006/main" xmlns:r="http://schemas.openxmlformats.org/officeDocument/2006/relationships" xmlns:p="http://schemas.openxmlformats.org/presentationml/2006/main">
+  <p:cSld>
+    <p:spTree>
+      <p:nvGrpSpPr>
+        <p:cNvPr id="1" name="">
+          <a:extLst>
+            <a:ext uri="{FF2B5EF4-FFF2-40B4-BE49-F238E27FC236}">
+              <a16:creationId xmlns:a16="http://schemas.microsoft.com/office/drawing/2014/main" id="{FD1C1B14-C8D9-53B8-8616-0DF2C7D00D83}"/>
+            </a:ext>
+          </a:extLst>
+        </p:cNvPr>
+        <p:cNvGrpSpPr/>
+        <p:nvPr/>
+      </p:nvGrpSpPr>
+      <p:grpSpPr>
+        <a:xfrm>
+          <a:off x="0" y="0"/>
+          <a:ext cx="0" cy="0"/>
+          <a:chOff x="0" y="0"/>
+          <a:chExt cx="0" cy="0"/>
+        </a:xfrm>
+      </p:grpSpPr>
+      <p:sp>
+        <p:nvSpPr>
+          <p:cNvPr id="2" name="Title 1">
+            <a:extLst>
+              <a:ext uri="{FF2B5EF4-FFF2-40B4-BE49-F238E27FC236}">
+                <a16:creationId xmlns:a16="http://schemas.microsoft.com/office/drawing/2014/main" id="{BA27F78C-912C-EB56-45E6-29EAFE333BEF}"/>
+              </a:ext>
+            </a:extLst>
+          </p:cNvPr>
+          <p:cNvSpPr>
+            <a:spLocks noGrp="1"/>
+          </p:cNvSpPr>
+          <p:nvPr>
+            <p:ph type="title"/>
+          </p:nvPr>
+        </p:nvSpPr>
+        <p:spPr/>
+        <p:txBody>
+          <a:bodyPr/>
+          <a:lstStyle/>
+          <a:p>
+            <a:r>
+              <a:rPr lang="en-US" dirty="0"/>
+              <a:t>Specificity</a:t>
+            </a:r>
+            <a:endParaRPr lang="en-US" noProof="0" dirty="0"/>
+          </a:p>
+        </p:txBody>
+      </p:sp>
+      <p:sp>
+        <p:nvSpPr>
+          <p:cNvPr id="3" name="Content Placeholder 2">
+            <a:extLst>
+              <a:ext uri="{FF2B5EF4-FFF2-40B4-BE49-F238E27FC236}">
+                <a16:creationId xmlns:a16="http://schemas.microsoft.com/office/drawing/2014/main" id="{AE85B141-46A9-CAFB-0BB1-41460846C444}"/>
+              </a:ext>
+            </a:extLst>
+          </p:cNvPr>
+          <p:cNvSpPr>
+            <a:spLocks noGrp="1"/>
+          </p:cNvSpPr>
+          <p:nvPr>
+            <p:ph idx="1"/>
+          </p:nvPr>
+        </p:nvSpPr>
+        <p:spPr>
+          <a:xfrm>
+            <a:off x="582705" y="3428999"/>
+            <a:ext cx="11291048" cy="2747963"/>
+          </a:xfrm>
+        </p:spPr>
+        <p:txBody>
+          <a:bodyPr>
+            <a:normAutofit/>
+          </a:bodyPr>
+          <a:lstStyle/>
+          <a:p>
+            <a:r>
+              <a:rPr lang="en-US" noProof="0" dirty="0"/>
+              <a:t>Left: 0.646, right: 0.185</a:t>
+            </a:r>
+          </a:p>
+          <a:p>
+            <a:r>
+              <a:rPr lang="en-US" dirty="0"/>
+              <a:t>Left is higher. It has less wrongfully identified cats.</a:t>
+            </a:r>
+          </a:p>
+          <a:p>
+            <a:r>
+              <a:rPr lang="en-US" dirty="0"/>
+              <a:t>Left also missed a lot of actual cats (FN, 69) but was better at finding the actual not cats (42 vs 12 on the right).</a:t>
+            </a:r>
+          </a:p>
+          <a:p>
+            <a:r>
+              <a:rPr lang="en-US" dirty="0"/>
+              <a:t>We prefer a missed case (FN) over a false alarm (FP) </a:t>
+            </a:r>
+          </a:p>
+        </p:txBody>
+      </p:sp>
+      <p:sp>
+        <p:nvSpPr>
+          <p:cNvPr id="4" name="Slide Number Placeholder 3">
+            <a:extLst>
+              <a:ext uri="{FF2B5EF4-FFF2-40B4-BE49-F238E27FC236}">
+                <a16:creationId xmlns:a16="http://schemas.microsoft.com/office/drawing/2014/main" id="{54BDD00B-7229-FC44-83E6-17DB588616FB}"/>
+              </a:ext>
+            </a:extLst>
+          </p:cNvPr>
+          <p:cNvSpPr>
+            <a:spLocks noGrp="1"/>
+          </p:cNvSpPr>
+          <p:nvPr>
+            <p:ph type="sldNum" sz="quarter" idx="12"/>
+          </p:nvPr>
+        </p:nvSpPr>
+        <p:spPr/>
+        <p:txBody>
+          <a:bodyPr/>
+          <a:lstStyle/>
+          <a:p>
+            <a:fld id="{FE1B3154-47D9-4402-8EDB-E791933DC0B9}" type="slidenum">
+              <a:rPr lang="nl-BE" smtClean="0"/>
+              <a:pPr/>
+              <a:t>14</a:t>
+            </a:fld>
+            <a:endParaRPr lang="nl-BE"/>
+          </a:p>
+        </p:txBody>
+      </p:sp>
+      <p:pic>
+        <p:nvPicPr>
+          <p:cNvPr id="6" name="Picture 5" descr="A close-up of a chart&#10;&#10;Description automatically generated">
+            <a:extLst>
+              <a:ext uri="{FF2B5EF4-FFF2-40B4-BE49-F238E27FC236}">
+                <a16:creationId xmlns:a16="http://schemas.microsoft.com/office/drawing/2014/main" id="{0BBD4223-7DDE-EDB3-F625-6A09963A5120}"/>
+              </a:ext>
+            </a:extLst>
+          </p:cNvPr>
+          <p:cNvPicPr>
+            <a:picLocks noChangeAspect="1"/>
+          </p:cNvPicPr>
+          <p:nvPr/>
+        </p:nvPicPr>
+        <p:blipFill>
+          <a:blip r:embed="rId2">
+            <a:extLst>
+              <a:ext uri="{28A0092B-C50C-407E-A947-70E740481C1C}">
+                <a14:useLocalDpi xmlns:a14="http://schemas.microsoft.com/office/drawing/2010/main" val="0"/>
+              </a:ext>
+            </a:extLst>
+          </a:blip>
+          <a:stretch>
+            <a:fillRect/>
+          </a:stretch>
+        </p:blipFill>
+        <p:spPr>
+          <a:xfrm>
+            <a:off x="2571258" y="1579525"/>
+            <a:ext cx="7049484" cy="1667108"/>
+          </a:xfrm>
+          <a:prstGeom prst="rect">
+            <a:avLst/>
+          </a:prstGeom>
+        </p:spPr>
+      </p:pic>
+    </p:spTree>
+    <p:extLst>
+      <p:ext uri="{BB962C8B-B14F-4D97-AF65-F5344CB8AC3E}">
+        <p14:creationId xmlns:p14="http://schemas.microsoft.com/office/powerpoint/2010/main" val="4235068551"/>
+      </p:ext>
+    </p:extLst>
+  </p:cSld>
+  <p:clrMapOvr>
+    <a:masterClrMapping/>
+  </p:clrMapOvr>
+</p:sld>
+</file>
+
+<file path=ppt/slides/slide15.xml><?xml version="1.0" encoding="utf-8"?>
+<p:sld xmlns:a="http://schemas.openxmlformats.org/drawingml/2006/main" xmlns:r="http://schemas.openxmlformats.org/officeDocument/2006/relationships" xmlns:p="http://schemas.openxmlformats.org/presentationml/2006/main">
+  <p:cSld>
+    <p:spTree>
+      <p:nvGrpSpPr>
+        <p:cNvPr id="1" name=""/>
+        <p:cNvGrpSpPr/>
+        <p:nvPr/>
+      </p:nvGrpSpPr>
+      <p:grpSpPr>
+        <a:xfrm>
+          <a:off x="0" y="0"/>
+          <a:ext cx="0" cy="0"/>
+          <a:chOff x="0" y="0"/>
+          <a:chExt cx="0" cy="0"/>
+        </a:xfrm>
+      </p:grpSpPr>
+      <p:sp>
+        <p:nvSpPr>
+          <p:cNvPr id="2" name="Title 1">
+            <a:extLst>
+              <a:ext uri="{FF2B5EF4-FFF2-40B4-BE49-F238E27FC236}">
+                <a16:creationId xmlns:a16="http://schemas.microsoft.com/office/drawing/2014/main" id="{EEBEB2E9-9E4D-F2F4-23F8-AD16066051C6}"/>
+              </a:ext>
+            </a:extLst>
+          </p:cNvPr>
+          <p:cNvSpPr>
+            <a:spLocks noGrp="1"/>
+          </p:cNvSpPr>
+          <p:nvPr>
+            <p:ph type="title"/>
+          </p:nvPr>
+        </p:nvSpPr>
+        <p:spPr/>
+        <p:txBody>
+          <a:bodyPr/>
+          <a:lstStyle/>
+          <a:p>
+            <a:r>
+              <a:rPr lang="en-US" dirty="0"/>
+              <a:t>Good or bad snake?</a:t>
+            </a:r>
+          </a:p>
+        </p:txBody>
+      </p:sp>
+      <p:sp>
+        <p:nvSpPr>
+          <p:cNvPr id="3" name="Content Placeholder 2">
+            <a:extLst>
+              <a:ext uri="{FF2B5EF4-FFF2-40B4-BE49-F238E27FC236}">
+                <a16:creationId xmlns:a16="http://schemas.microsoft.com/office/drawing/2014/main" id="{04705330-7D5A-08A4-DEAB-62038B51ECC1}"/>
+              </a:ext>
+            </a:extLst>
+          </p:cNvPr>
+          <p:cNvSpPr>
+            <a:spLocks noGrp="1"/>
+          </p:cNvSpPr>
+          <p:nvPr>
+            <p:ph idx="1"/>
+          </p:nvPr>
+        </p:nvSpPr>
+        <p:spPr>
+          <a:xfrm>
+            <a:off x="582705" y="1550894"/>
+            <a:ext cx="7503057" cy="4626069"/>
+          </a:xfrm>
+        </p:spPr>
+        <p:txBody>
+          <a:bodyPr>
+            <a:normAutofit/>
+          </a:bodyPr>
+          <a:lstStyle/>
+          <a:p>
+            <a:r>
+              <a:rPr lang="en-US" dirty="0"/>
+              <a:t>You find a lovely snake in an alley, but only want to keep it if it’s safe (not poisonous)</a:t>
+            </a:r>
+          </a:p>
+          <a:p>
+            <a:r>
+              <a:rPr lang="en-US" dirty="0"/>
+              <a:t>The good scenarios:</a:t>
+            </a:r>
+          </a:p>
+          <a:p>
+            <a:pPr lvl="1"/>
+            <a:r>
+              <a:rPr lang="en-US" dirty="0"/>
+              <a:t>TP: It’s safe and you keep it</a:t>
+            </a:r>
+          </a:p>
+          <a:p>
+            <a:pPr lvl="1"/>
+            <a:r>
+              <a:rPr lang="en-US" dirty="0"/>
+              <a:t>TN: It’s poisonous and it’s exterminated</a:t>
+            </a:r>
+          </a:p>
+          <a:p>
+            <a:r>
+              <a:rPr lang="en-US" dirty="0"/>
+              <a:t>The bad scenarios:</a:t>
+            </a:r>
+          </a:p>
+          <a:p>
+            <a:pPr lvl="1"/>
+            <a:r>
+              <a:rPr lang="en-US" dirty="0"/>
+              <a:t>FP: It’s poisonous and you keep it</a:t>
+            </a:r>
+            <a:br>
+              <a:rPr lang="en-US" dirty="0"/>
+            </a:br>
+            <a:r>
+              <a:rPr lang="en-US" dirty="0"/>
+              <a:t>(you die)</a:t>
+            </a:r>
+          </a:p>
+          <a:p>
+            <a:pPr lvl="1"/>
+            <a:r>
+              <a:rPr lang="en-US" dirty="0"/>
+              <a:t>FN: It’s safe but it’s exterminated</a:t>
+            </a:r>
+          </a:p>
+          <a:p>
+            <a:pPr lvl="1"/>
+            <a:r>
+              <a:rPr lang="en-US" dirty="0"/>
+              <a:t>(a pity, but you live to see another day)</a:t>
+            </a:r>
+          </a:p>
+        </p:txBody>
+      </p:sp>
+      <p:sp>
+        <p:nvSpPr>
+          <p:cNvPr id="4" name="Slide Number Placeholder 3">
+            <a:extLst>
+              <a:ext uri="{FF2B5EF4-FFF2-40B4-BE49-F238E27FC236}">
+                <a16:creationId xmlns:a16="http://schemas.microsoft.com/office/drawing/2014/main" id="{F935A8EF-9C54-09F3-8F65-8BA0E83CB32F}"/>
+              </a:ext>
+            </a:extLst>
+          </p:cNvPr>
+          <p:cNvSpPr>
+            <a:spLocks noGrp="1"/>
+          </p:cNvSpPr>
+          <p:nvPr>
+            <p:ph type="sldNum" sz="quarter" idx="12"/>
+          </p:nvPr>
+        </p:nvSpPr>
+        <p:spPr/>
+        <p:txBody>
+          <a:bodyPr/>
+          <a:lstStyle/>
+          <a:p>
+            <a:fld id="{FE1B3154-47D9-4402-8EDB-E791933DC0B9}" type="slidenum">
+              <a:rPr lang="nl-BE" smtClean="0"/>
+              <a:pPr/>
+              <a:t>15</a:t>
+            </a:fld>
+            <a:endParaRPr lang="nl-BE"/>
+          </a:p>
+        </p:txBody>
+      </p:sp>
+      <p:pic>
+        <p:nvPicPr>
+          <p:cNvPr id="6" name="Picture 5" descr="A snake with its mouth open&#10;&#10;AI-generated content may be incorrect.">
+            <a:extLst>
+              <a:ext uri="{FF2B5EF4-FFF2-40B4-BE49-F238E27FC236}">
+                <a16:creationId xmlns:a16="http://schemas.microsoft.com/office/drawing/2014/main" id="{95004469-0FCE-183A-9436-AFD749BDF08C}"/>
+              </a:ext>
+            </a:extLst>
+          </p:cNvPr>
+          <p:cNvPicPr>
+            <a:picLocks noChangeAspect="1"/>
+          </p:cNvPicPr>
+          <p:nvPr/>
+        </p:nvPicPr>
+        <p:blipFill>
+          <a:blip r:embed="rId2" cstate="print">
+            <a:extLst>
+              <a:ext uri="{28A0092B-C50C-407E-A947-70E740481C1C}">
+                <a14:useLocalDpi xmlns:a14="http://schemas.microsoft.com/office/drawing/2010/main" val="0"/>
+              </a:ext>
+            </a:extLst>
+          </a:blip>
+          <a:stretch>
+            <a:fillRect/>
+          </a:stretch>
+        </p:blipFill>
+        <p:spPr>
+          <a:xfrm>
+            <a:off x="8085762" y="1550894"/>
+            <a:ext cx="3903602" cy="5095982"/>
+          </a:xfrm>
+          <a:prstGeom prst="rect">
+            <a:avLst/>
+          </a:prstGeom>
+        </p:spPr>
+      </p:pic>
+    </p:spTree>
+    <p:extLst>
+      <p:ext uri="{BB962C8B-B14F-4D97-AF65-F5344CB8AC3E}">
+        <p14:creationId xmlns:p14="http://schemas.microsoft.com/office/powerpoint/2010/main" val="1188926978"/>
+      </p:ext>
+    </p:extLst>
+  </p:cSld>
+  <p:clrMapOvr>
+    <a:masterClrMapping/>
+  </p:clrMapOvr>
+</p:sld>
+</file>
+
+<file path=ppt/slides/slide16.xml><?xml version="1.0" encoding="utf-8"?>
+<p:sld xmlns:a="http://schemas.openxmlformats.org/drawingml/2006/main" xmlns:r="http://schemas.openxmlformats.org/officeDocument/2006/relationships" xmlns:p="http://schemas.openxmlformats.org/presentationml/2006/main">
+  <p:cSld>
+    <p:spTree>
+      <p:nvGrpSpPr>
+        <p:cNvPr id="1" name=""/>
+        <p:cNvGrpSpPr/>
+        <p:nvPr/>
+      </p:nvGrpSpPr>
+      <p:grpSpPr>
+        <a:xfrm>
+          <a:off x="0" y="0"/>
+          <a:ext cx="0" cy="0"/>
+          <a:chOff x="0" y="0"/>
+          <a:chExt cx="0" cy="0"/>
+        </a:xfrm>
+      </p:grpSpPr>
+      <p:sp>
+        <p:nvSpPr>
+          <p:cNvPr id="2" name="Title 1">
+            <a:extLst>
+              <a:ext uri="{FF2B5EF4-FFF2-40B4-BE49-F238E27FC236}">
+                <a16:creationId xmlns:a16="http://schemas.microsoft.com/office/drawing/2014/main" id="{3E22EDB2-012B-2ABC-66F5-8670CB1CAFC1}"/>
+              </a:ext>
+            </a:extLst>
+          </p:cNvPr>
+          <p:cNvSpPr>
+            <a:spLocks noGrp="1"/>
+          </p:cNvSpPr>
+          <p:nvPr>
+            <p:ph type="title"/>
+          </p:nvPr>
+        </p:nvSpPr>
+        <p:spPr/>
+        <p:txBody>
+          <a:bodyPr/>
+          <a:lstStyle/>
+          <a:p>
+            <a:r>
+              <a:rPr lang="en-US" dirty="0"/>
+              <a:t>Tot </a:t>
+            </a:r>
+            <a:r>
+              <a:rPr lang="en-US"/>
+              <a:t>hier</a:t>
+            </a:r>
+          </a:p>
+        </p:txBody>
+      </p:sp>
+      <p:sp>
+        <p:nvSpPr>
+          <p:cNvPr id="3" name="Content Placeholder 2">
+            <a:extLst>
+              <a:ext uri="{FF2B5EF4-FFF2-40B4-BE49-F238E27FC236}">
+                <a16:creationId xmlns:a16="http://schemas.microsoft.com/office/drawing/2014/main" id="{3BA505ED-3A08-3B92-3BF1-D3B3F02DDE77}"/>
+              </a:ext>
+            </a:extLst>
+          </p:cNvPr>
+          <p:cNvSpPr>
+            <a:spLocks noGrp="1"/>
+          </p:cNvSpPr>
+          <p:nvPr>
+            <p:ph idx="1"/>
+          </p:nvPr>
+        </p:nvSpPr>
+        <p:spPr/>
+        <p:txBody>
+          <a:bodyPr/>
+          <a:lstStyle/>
+          <a:p>
+            <a:endParaRPr lang="en-US"/>
+          </a:p>
+        </p:txBody>
+      </p:sp>
+      <p:sp>
+        <p:nvSpPr>
+          <p:cNvPr id="4" name="Slide Number Placeholder 3">
+            <a:extLst>
+              <a:ext uri="{FF2B5EF4-FFF2-40B4-BE49-F238E27FC236}">
+                <a16:creationId xmlns:a16="http://schemas.microsoft.com/office/drawing/2014/main" id="{C8C328F3-52F0-2A5A-01C7-2E6EB4540BAF}"/>
+              </a:ext>
+            </a:extLst>
+          </p:cNvPr>
+          <p:cNvSpPr>
+            <a:spLocks noGrp="1"/>
+          </p:cNvSpPr>
+          <p:nvPr>
+            <p:ph type="sldNum" sz="quarter" idx="12"/>
+          </p:nvPr>
+        </p:nvSpPr>
+        <p:spPr/>
+        <p:txBody>
+          <a:bodyPr/>
+          <a:lstStyle/>
+          <a:p>
+            <a:fld id="{FE1B3154-47D9-4402-8EDB-E791933DC0B9}" type="slidenum">
+              <a:rPr lang="nl-BE" smtClean="0"/>
+              <a:pPr/>
+              <a:t>16</a:t>
+            </a:fld>
+            <a:endParaRPr lang="nl-BE"/>
+          </a:p>
+        </p:txBody>
+      </p:sp>
+    </p:spTree>
+    <p:extLst>
+      <p:ext uri="{BB962C8B-B14F-4D97-AF65-F5344CB8AC3E}">
+        <p14:creationId xmlns:p14="http://schemas.microsoft.com/office/powerpoint/2010/main" val="1588211674"/>
+      </p:ext>
+    </p:extLst>
+  </p:cSld>
+  <p:clrMapOvr>
+    <a:masterClrMapping/>
+  </p:clrMapOvr>
+</p:sld>
+</file>
+
+<file path=ppt/slides/slide17.xml><?xml version="1.0" encoding="utf-8"?>
+<p:sld xmlns:a="http://schemas.openxmlformats.org/drawingml/2006/main" xmlns:r="http://schemas.openxmlformats.org/officeDocument/2006/relationships" xmlns:p="http://schemas.openxmlformats.org/presentationml/2006/main">
+  <p:cSld>
+    <p:spTree>
+      <p:nvGrpSpPr>
+        <p:cNvPr id="1" name=""/>
+        <p:cNvGrpSpPr/>
+        <p:nvPr/>
+      </p:nvGrpSpPr>
+      <p:grpSpPr>
+        <a:xfrm>
+          <a:off x="0" y="0"/>
+          <a:ext cx="0" cy="0"/>
+          <a:chOff x="0" y="0"/>
+          <a:chExt cx="0" cy="0"/>
+        </a:xfrm>
+      </p:grpSpPr>
+      <p:sp>
+        <p:nvSpPr>
+          <p:cNvPr id="2" name="Title 1">
+            <a:extLst>
+              <a:ext uri="{FF2B5EF4-FFF2-40B4-BE49-F238E27FC236}">
+                <a16:creationId xmlns:a16="http://schemas.microsoft.com/office/drawing/2014/main" id="{308769E7-FCD7-C9A8-280C-E9A3FF039CB5}"/>
+              </a:ext>
+            </a:extLst>
+          </p:cNvPr>
+          <p:cNvSpPr>
+            <a:spLocks noGrp="1"/>
+          </p:cNvSpPr>
+          <p:nvPr>
+            <p:ph type="title"/>
+          </p:nvPr>
+        </p:nvSpPr>
+        <p:spPr/>
+        <p:txBody>
+          <a:bodyPr/>
+          <a:lstStyle/>
+          <a:p>
+            <a:r>
+              <a:rPr lang="en-US" dirty="0"/>
+              <a:t>Thresholds</a:t>
+            </a:r>
+            <a:endParaRPr lang="en-BE" dirty="0"/>
+          </a:p>
+        </p:txBody>
+      </p:sp>
+      <p:sp>
+        <p:nvSpPr>
+          <p:cNvPr id="3" name="Content Placeholder 2">
+            <a:extLst>
+              <a:ext uri="{FF2B5EF4-FFF2-40B4-BE49-F238E27FC236}">
+                <a16:creationId xmlns:a16="http://schemas.microsoft.com/office/drawing/2014/main" id="{5C8A3F3C-4A29-49F1-8308-A030F6FA249F}"/>
+              </a:ext>
+            </a:extLst>
+          </p:cNvPr>
+          <p:cNvSpPr>
+            <a:spLocks noGrp="1"/>
+          </p:cNvSpPr>
+          <p:nvPr>
+            <p:ph idx="1"/>
+          </p:nvPr>
+        </p:nvSpPr>
+        <p:spPr/>
+        <p:txBody>
+          <a:bodyPr>
+            <a:normAutofit fontScale="92500"/>
+          </a:bodyPr>
+          <a:lstStyle/>
+          <a:p>
+            <a:r>
+              <a:rPr lang="en-US" dirty="0"/>
+              <a:t>Basic models (decision trees, random forests, …) return a binary classifier. More advanced models (</a:t>
+            </a:r>
+            <a:r>
+              <a:rPr lang="en-US" dirty="0" err="1"/>
+              <a:t>XGBoost</a:t>
+            </a:r>
+            <a:r>
+              <a:rPr lang="en-US" dirty="0"/>
+              <a:t>, linear learner, …) tend to give a probability</a:t>
+            </a:r>
+          </a:p>
+          <a:p>
+            <a:r>
+              <a:rPr lang="en-US" dirty="0"/>
+              <a:t>Example:</a:t>
+            </a:r>
+          </a:p>
+          <a:p>
+            <a:endParaRPr lang="en-US" dirty="0"/>
+          </a:p>
+          <a:p>
+            <a:endParaRPr lang="en-US" dirty="0"/>
+          </a:p>
+          <a:p>
+            <a:r>
+              <a:rPr lang="en-US" dirty="0"/>
+              <a:t>You may state an animal is a cat if the probability of “cat” is higher than all other animals. But what if we upload a bus “cat” is 0,00021% and “dog” is 0,00018%?</a:t>
+            </a:r>
+          </a:p>
+          <a:p>
+            <a:r>
+              <a:rPr lang="en-US" dirty="0"/>
+              <a:t>Changing the thresholds is an easy way of changing sensitivity and specificity. Could we make a graph of the different settings to choose the best one?</a:t>
+            </a:r>
+          </a:p>
+        </p:txBody>
+      </p:sp>
+      <p:sp>
+        <p:nvSpPr>
+          <p:cNvPr id="4" name="Slide Number Placeholder 3">
+            <a:extLst>
+              <a:ext uri="{FF2B5EF4-FFF2-40B4-BE49-F238E27FC236}">
+                <a16:creationId xmlns:a16="http://schemas.microsoft.com/office/drawing/2014/main" id="{9AFE9974-BE59-F426-4022-D9C39B2F268F}"/>
+              </a:ext>
+            </a:extLst>
+          </p:cNvPr>
+          <p:cNvSpPr>
+            <a:spLocks noGrp="1"/>
+          </p:cNvSpPr>
+          <p:nvPr>
+            <p:ph type="sldNum" sz="quarter" idx="12"/>
+          </p:nvPr>
+        </p:nvSpPr>
+        <p:spPr/>
+        <p:txBody>
+          <a:bodyPr/>
+          <a:lstStyle/>
+          <a:p>
+            <a:fld id="{FE1B3154-47D9-4402-8EDB-E791933DC0B9}" type="slidenum">
+              <a:rPr lang="nl-BE" smtClean="0"/>
+              <a:pPr/>
+              <a:t>17</a:t>
+            </a:fld>
+            <a:endParaRPr lang="nl-BE"/>
+          </a:p>
+        </p:txBody>
+      </p:sp>
+      <p:pic>
+        <p:nvPicPr>
+          <p:cNvPr id="6" name="Picture 5">
+            <a:extLst>
+              <a:ext uri="{FF2B5EF4-FFF2-40B4-BE49-F238E27FC236}">
+                <a16:creationId xmlns:a16="http://schemas.microsoft.com/office/drawing/2014/main" id="{926ECD8F-7F12-0022-B089-FA1F911A26D9}"/>
+              </a:ext>
+            </a:extLst>
+          </p:cNvPr>
+          <p:cNvPicPr>
+            <a:picLocks noChangeAspect="1"/>
+          </p:cNvPicPr>
+          <p:nvPr/>
+        </p:nvPicPr>
+        <p:blipFill>
+          <a:blip r:embed="rId2"/>
+          <a:stretch>
+            <a:fillRect/>
+          </a:stretch>
+        </p:blipFill>
+        <p:spPr>
+          <a:xfrm>
+            <a:off x="2484133" y="2480187"/>
+            <a:ext cx="1481636" cy="1310977"/>
+          </a:xfrm>
+          <a:prstGeom prst="rect">
+            <a:avLst/>
+          </a:prstGeom>
+        </p:spPr>
+      </p:pic>
+    </p:spTree>
+    <p:extLst>
+      <p:ext uri="{BB962C8B-B14F-4D97-AF65-F5344CB8AC3E}">
+        <p14:creationId xmlns:p14="http://schemas.microsoft.com/office/powerpoint/2010/main" val="704414762"/>
+      </p:ext>
+    </p:extLst>
+  </p:cSld>
+  <p:clrMapOvr>
+    <a:masterClrMapping/>
+  </p:clrMapOvr>
+</p:sld>
+</file>
+
+<file path=ppt/slides/slide18.xml><?xml version="1.0" encoding="utf-8"?>
+<p:sld xmlns:a="http://schemas.openxmlformats.org/drawingml/2006/main" xmlns:r="http://schemas.openxmlformats.org/officeDocument/2006/relationships" xmlns:p="http://schemas.openxmlformats.org/presentationml/2006/main">
+  <p:cSld>
+    <p:spTree>
+      <p:nvGrpSpPr>
+        <p:cNvPr id="1" name=""/>
+        <p:cNvGrpSpPr/>
+        <p:nvPr/>
+      </p:nvGrpSpPr>
+      <p:grpSpPr>
+        <a:xfrm>
+          <a:off x="0" y="0"/>
+          <a:ext cx="0" cy="0"/>
+          <a:chOff x="0" y="0"/>
+          <a:chExt cx="0" cy="0"/>
+        </a:xfrm>
+      </p:grpSpPr>
+      <p:sp>
+        <p:nvSpPr>
+          <p:cNvPr id="2" name="Title 1">
+            <a:extLst>
+              <a:ext uri="{FF2B5EF4-FFF2-40B4-BE49-F238E27FC236}">
+                <a16:creationId xmlns:a16="http://schemas.microsoft.com/office/drawing/2014/main" id="{00F15011-EC98-5025-6C8A-6EE006CF9011}"/>
+              </a:ext>
+            </a:extLst>
+          </p:cNvPr>
+          <p:cNvSpPr>
+            <a:spLocks noGrp="1"/>
+          </p:cNvSpPr>
+          <p:nvPr>
+            <p:ph type="title"/>
+          </p:nvPr>
+        </p:nvSpPr>
+        <p:spPr/>
+        <p:txBody>
+          <a:bodyPr/>
+          <a:lstStyle/>
+          <a:p>
+            <a:r>
+              <a:rPr lang="en-US" dirty="0"/>
+              <a:t>ROC</a:t>
+            </a:r>
+            <a:endParaRPr lang="en-BE" dirty="0"/>
+          </a:p>
+        </p:txBody>
+      </p:sp>
+      <p:sp>
+        <p:nvSpPr>
+          <p:cNvPr id="3" name="Content Placeholder 2">
+            <a:extLst>
+              <a:ext uri="{FF2B5EF4-FFF2-40B4-BE49-F238E27FC236}">
+                <a16:creationId xmlns:a16="http://schemas.microsoft.com/office/drawing/2014/main" id="{6DF1B28D-0CEF-D634-C809-9575BD5A2582}"/>
+              </a:ext>
+            </a:extLst>
+          </p:cNvPr>
+          <p:cNvSpPr>
+            <a:spLocks noGrp="1"/>
+          </p:cNvSpPr>
+          <p:nvPr>
+            <p:ph idx="1"/>
+          </p:nvPr>
+        </p:nvSpPr>
+        <p:spPr/>
+        <p:txBody>
+          <a:bodyPr/>
+          <a:lstStyle/>
+          <a:p>
+            <a:r>
+              <a:rPr lang="en-US" dirty="0"/>
+              <a:t>A receiver operating characteristic (ROC) graph summarizes all the confusion matrices that each threshold produced. To build one, you calculate the sensitivity (or true-positive rate) against the false-positive rate for each threshold value.</a:t>
+            </a:r>
+          </a:p>
+          <a:p>
+            <a:r>
+              <a:rPr lang="en-US" dirty="0"/>
+              <a:t>(0,0): Everything is a cat</a:t>
+            </a:r>
+          </a:p>
+          <a:p>
+            <a:r>
+              <a:rPr lang="en-US" dirty="0"/>
+              <a:t>(1,1): Everything is not a cat</a:t>
+            </a:r>
+          </a:p>
+          <a:p>
+            <a:r>
+              <a:rPr lang="en-US" dirty="0"/>
+              <a:t>(0,1): Best possible model</a:t>
+            </a:r>
+          </a:p>
+          <a:p>
+            <a:r>
+              <a:rPr lang="en-US" dirty="0"/>
+              <a:t>(1,0): Worst possible model</a:t>
+            </a:r>
+          </a:p>
+          <a:p>
+            <a:r>
+              <a:rPr lang="en-US" dirty="0"/>
+              <a:t>Line from (0,0) to (1,1): random classifier</a:t>
+            </a:r>
+          </a:p>
+          <a:p>
+            <a:endParaRPr lang="en-US" dirty="0"/>
+          </a:p>
+          <a:p>
+            <a:endParaRPr lang="en-US" dirty="0"/>
+          </a:p>
+          <a:p>
+            <a:endParaRPr lang="en-US" dirty="0"/>
+          </a:p>
+          <a:p>
+            <a:endParaRPr lang="en-BE" dirty="0"/>
+          </a:p>
+        </p:txBody>
+      </p:sp>
+      <p:sp>
+        <p:nvSpPr>
+          <p:cNvPr id="4" name="Slide Number Placeholder 3">
+            <a:extLst>
+              <a:ext uri="{FF2B5EF4-FFF2-40B4-BE49-F238E27FC236}">
+                <a16:creationId xmlns:a16="http://schemas.microsoft.com/office/drawing/2014/main" id="{F65EE2F2-5DAE-53E4-93C8-8C3D6162B1EA}"/>
+              </a:ext>
+            </a:extLst>
+          </p:cNvPr>
+          <p:cNvSpPr>
+            <a:spLocks noGrp="1"/>
+          </p:cNvSpPr>
+          <p:nvPr>
+            <p:ph type="sldNum" sz="quarter" idx="12"/>
+          </p:nvPr>
+        </p:nvSpPr>
+        <p:spPr/>
+        <p:txBody>
+          <a:bodyPr/>
+          <a:lstStyle/>
+          <a:p>
+            <a:fld id="{FE1B3154-47D9-4402-8EDB-E791933DC0B9}" type="slidenum">
+              <a:rPr lang="nl-BE" smtClean="0"/>
+              <a:pPr/>
+              <a:t>18</a:t>
             </a:fld>
             <a:endParaRPr lang="nl-BE"/>
           </a:p>
@@ -4435,7 +5827,7 @@
         </p:nvSpPr>
         <p:spPr>
           <a:xfrm rot="279578">
-            <a:off x="1520575" y="4811847"/>
+            <a:off x="1900719" y="4790534"/>
             <a:ext cx="2883546" cy="400110"/>
           </a:xfrm>
           <a:prstGeom prst="rect">
@@ -4642,7 +6034,7 @@
 </p:sld>
 </file>
 
-<file path=ppt/slides/slide11.xml><?xml version="1.0" encoding="utf-8"?>
+<file path=ppt/slides/slide19.xml><?xml version="1.0" encoding="utf-8"?>
 <p:sld xmlns:a="http://schemas.openxmlformats.org/drawingml/2006/main" xmlns:r="http://schemas.openxmlformats.org/officeDocument/2006/relationships" xmlns:p="http://schemas.openxmlformats.org/presentationml/2006/main">
   <p:cSld>
     <p:spTree>
@@ -4778,7 +6170,7 @@
             <a:fld id="{FE1B3154-47D9-4402-8EDB-E791933DC0B9}" type="slidenum">
               <a:rPr lang="nl-BE" smtClean="0"/>
               <a:pPr/>
-              <a:t>11</a:t>
+              <a:t>19</a:t>
             </a:fld>
             <a:endParaRPr lang="nl-BE"/>
           </a:p>
@@ -4788,1043 +6180,6 @@
     <p:extLst>
       <p:ext uri="{BB962C8B-B14F-4D97-AF65-F5344CB8AC3E}">
         <p14:creationId xmlns:p14="http://schemas.microsoft.com/office/powerpoint/2010/main" val="2496219675"/>
-      </p:ext>
-    </p:extLst>
-  </p:cSld>
-  <p:clrMapOvr>
-    <a:masterClrMapping/>
-  </p:clrMapOvr>
-</p:sld>
-</file>
-
-<file path=ppt/slides/slide12.xml><?xml version="1.0" encoding="utf-8"?>
-<p:sld xmlns:a="http://schemas.openxmlformats.org/drawingml/2006/main" xmlns:r="http://schemas.openxmlformats.org/officeDocument/2006/relationships" xmlns:p="http://schemas.openxmlformats.org/presentationml/2006/main">
-  <p:cSld>
-    <p:spTree>
-      <p:nvGrpSpPr>
-        <p:cNvPr id="1" name=""/>
-        <p:cNvGrpSpPr/>
-        <p:nvPr/>
-      </p:nvGrpSpPr>
-      <p:grpSpPr>
-        <a:xfrm>
-          <a:off x="0" y="0"/>
-          <a:ext cx="0" cy="0"/>
-          <a:chOff x="0" y="0"/>
-          <a:chExt cx="0" cy="0"/>
-        </a:xfrm>
-      </p:grpSpPr>
-      <p:sp>
-        <p:nvSpPr>
-          <p:cNvPr id="2" name="Title 1">
-            <a:extLst>
-              <a:ext uri="{FF2B5EF4-FFF2-40B4-BE49-F238E27FC236}">
-                <a16:creationId xmlns:a16="http://schemas.microsoft.com/office/drawing/2014/main" id="{ED68A05F-345E-20F1-49A6-43F7B78B1C6A}"/>
-              </a:ext>
-            </a:extLst>
-          </p:cNvPr>
-          <p:cNvSpPr>
-            <a:spLocks noGrp="1"/>
-          </p:cNvSpPr>
-          <p:nvPr>
-            <p:ph type="title"/>
-          </p:nvPr>
-        </p:nvSpPr>
-        <p:spPr/>
-        <p:txBody>
-          <a:bodyPr/>
-          <a:lstStyle/>
-          <a:p>
-            <a:r>
-              <a:rPr lang="en-US" dirty="0"/>
-              <a:t>AUC-ROC</a:t>
-            </a:r>
-            <a:endParaRPr lang="en-BE" dirty="0"/>
-          </a:p>
-        </p:txBody>
-      </p:sp>
-      <p:sp>
-        <p:nvSpPr>
-          <p:cNvPr id="3" name="Content Placeholder 2">
-            <a:extLst>
-              <a:ext uri="{FF2B5EF4-FFF2-40B4-BE49-F238E27FC236}">
-                <a16:creationId xmlns:a16="http://schemas.microsoft.com/office/drawing/2014/main" id="{70813DF3-E7AA-0255-C19D-26D8BB353D37}"/>
-              </a:ext>
-            </a:extLst>
-          </p:cNvPr>
-          <p:cNvSpPr>
-            <a:spLocks noGrp="1"/>
-          </p:cNvSpPr>
-          <p:nvPr>
-            <p:ph idx="1"/>
-          </p:nvPr>
-        </p:nvSpPr>
-        <p:spPr/>
-        <p:txBody>
-          <a:bodyPr/>
-          <a:lstStyle/>
-          <a:p>
-            <a:r>
-              <a:rPr lang="en-US" dirty="0"/>
-              <a:t>Suppose you have a new dataset and created some ROC-curves for different models. What easy way is there to see which is the better model?</a:t>
-            </a:r>
-          </a:p>
-          <a:p>
-            <a:r>
-              <a:rPr lang="en-US" dirty="0"/>
-              <a:t>Measure the area under the curve! Bigger means further from diagonal, means better.</a:t>
-            </a:r>
-          </a:p>
-          <a:p>
-            <a:pPr lvl="1"/>
-            <a:r>
-              <a:rPr lang="en-US" dirty="0"/>
-              <a:t>A percentage of 100% would be an ROC-curve that fills the entire surface, a perfect model.</a:t>
-            </a:r>
-          </a:p>
-          <a:p>
-            <a:pPr lvl="1"/>
-            <a:r>
-              <a:rPr lang="en-US" dirty="0"/>
-              <a:t>A percentage of 50% would be an ROC-curve that exactly follows the diagonal, which is the worst model possible (a random estimator).</a:t>
-            </a:r>
-          </a:p>
-          <a:p>
-            <a:pPr lvl="1"/>
-            <a:r>
-              <a:rPr lang="en-US" dirty="0"/>
-              <a:t>A percentage of 0% would be another perfect model with bad labeling.</a:t>
-            </a:r>
-            <a:endParaRPr lang="en-BE" dirty="0"/>
-          </a:p>
-        </p:txBody>
-      </p:sp>
-      <p:sp>
-        <p:nvSpPr>
-          <p:cNvPr id="4" name="Slide Number Placeholder 3">
-            <a:extLst>
-              <a:ext uri="{FF2B5EF4-FFF2-40B4-BE49-F238E27FC236}">
-                <a16:creationId xmlns:a16="http://schemas.microsoft.com/office/drawing/2014/main" id="{ED689F03-5968-41E6-DB7E-9561A1575202}"/>
-              </a:ext>
-            </a:extLst>
-          </p:cNvPr>
-          <p:cNvSpPr>
-            <a:spLocks noGrp="1"/>
-          </p:cNvSpPr>
-          <p:nvPr>
-            <p:ph type="sldNum" sz="quarter" idx="12"/>
-          </p:nvPr>
-        </p:nvSpPr>
-        <p:spPr/>
-        <p:txBody>
-          <a:bodyPr/>
-          <a:lstStyle/>
-          <a:p>
-            <a:fld id="{FE1B3154-47D9-4402-8EDB-E791933DC0B9}" type="slidenum">
-              <a:rPr lang="nl-BE" smtClean="0"/>
-              <a:pPr/>
-              <a:t>12</a:t>
-            </a:fld>
-            <a:endParaRPr lang="nl-BE"/>
-          </a:p>
-        </p:txBody>
-      </p:sp>
-    </p:spTree>
-    <p:extLst>
-      <p:ext uri="{BB962C8B-B14F-4D97-AF65-F5344CB8AC3E}">
-        <p14:creationId xmlns:p14="http://schemas.microsoft.com/office/powerpoint/2010/main" val="3501524635"/>
-      </p:ext>
-    </p:extLst>
-  </p:cSld>
-  <p:clrMapOvr>
-    <a:masterClrMapping/>
-  </p:clrMapOvr>
-</p:sld>
-</file>
-
-<file path=ppt/slides/slide13.xml><?xml version="1.0" encoding="utf-8"?>
-<p:sld xmlns:a="http://schemas.openxmlformats.org/drawingml/2006/main" xmlns:r="http://schemas.openxmlformats.org/officeDocument/2006/relationships" xmlns:p="http://schemas.openxmlformats.org/presentationml/2006/main">
-  <p:cSld>
-    <p:spTree>
-      <p:nvGrpSpPr>
-        <p:cNvPr id="1" name=""/>
-        <p:cNvGrpSpPr/>
-        <p:nvPr/>
-      </p:nvGrpSpPr>
-      <p:grpSpPr>
-        <a:xfrm>
-          <a:off x="0" y="0"/>
-          <a:ext cx="0" cy="0"/>
-          <a:chOff x="0" y="0"/>
-          <a:chExt cx="0" cy="0"/>
-        </a:xfrm>
-      </p:grpSpPr>
-      <p:sp>
-        <p:nvSpPr>
-          <p:cNvPr id="2" name="Title 1">
-            <a:extLst>
-              <a:ext uri="{FF2B5EF4-FFF2-40B4-BE49-F238E27FC236}">
-                <a16:creationId xmlns:a16="http://schemas.microsoft.com/office/drawing/2014/main" id="{93E08A30-A807-D1FC-12E3-6E1CE6C8E8AA}"/>
-              </a:ext>
-            </a:extLst>
-          </p:cNvPr>
-          <p:cNvSpPr>
-            <a:spLocks noGrp="1"/>
-          </p:cNvSpPr>
-          <p:nvPr>
-            <p:ph type="title"/>
-          </p:nvPr>
-        </p:nvSpPr>
-        <p:spPr/>
-        <p:txBody>
-          <a:bodyPr/>
-          <a:lstStyle/>
-          <a:p>
-            <a:r>
-              <a:rPr lang="en-US" dirty="0"/>
-              <a:t>Accuracy</a:t>
-            </a:r>
-            <a:endParaRPr lang="en-BE" dirty="0"/>
-          </a:p>
-        </p:txBody>
-      </p:sp>
-      <p:sp>
-        <p:nvSpPr>
-          <p:cNvPr id="3" name="Content Placeholder 2">
-            <a:extLst>
-              <a:ext uri="{FF2B5EF4-FFF2-40B4-BE49-F238E27FC236}">
-                <a16:creationId xmlns:a16="http://schemas.microsoft.com/office/drawing/2014/main" id="{0A0706C8-6384-7EBF-E3A8-A7409F0FB661}"/>
-              </a:ext>
-            </a:extLst>
-          </p:cNvPr>
-          <p:cNvSpPr>
-            <a:spLocks noGrp="1"/>
-          </p:cNvSpPr>
-          <p:nvPr>
-            <p:ph idx="1"/>
-          </p:nvPr>
-        </p:nvSpPr>
-        <p:spPr/>
-        <p:txBody>
-          <a:bodyPr/>
-          <a:lstStyle/>
-          <a:p>
-            <a:r>
-              <a:rPr lang="en-US" dirty="0"/>
-              <a:t>Sensitivity and specificity only look at two of the values of the confusion matrix</a:t>
-            </a:r>
-          </a:p>
-          <a:p>
-            <a:r>
-              <a:rPr lang="nl-BE" dirty="0" err="1"/>
-              <a:t>Accuracy</a:t>
-            </a:r>
-            <a:r>
-              <a:rPr lang="nl-BE" dirty="0"/>
-              <a:t> looks at </a:t>
-            </a:r>
-            <a:r>
-              <a:rPr lang="nl-BE" dirty="0" err="1"/>
-              <a:t>all</a:t>
-            </a:r>
-            <a:r>
-              <a:rPr lang="nl-BE" dirty="0"/>
-              <a:t> </a:t>
-            </a:r>
-            <a:r>
-              <a:rPr lang="nl-BE" dirty="0" err="1"/>
-              <a:t>four</a:t>
-            </a:r>
-            <a:endParaRPr lang="nl-BE" dirty="0"/>
-          </a:p>
-          <a:p>
-            <a:endParaRPr lang="nl-BE" dirty="0"/>
-          </a:p>
-          <a:p>
-            <a:r>
-              <a:rPr lang="nl-BE" dirty="0" err="1"/>
-              <a:t>Accuracy</a:t>
-            </a:r>
-            <a:r>
-              <a:rPr lang="nl-BE" dirty="0"/>
-              <a:t> = (TP + TN) / (TP + TN + FP + FN)</a:t>
-            </a:r>
-          </a:p>
-          <a:p>
-            <a:endParaRPr lang="en-US" dirty="0"/>
-          </a:p>
-          <a:p>
-            <a:r>
-              <a:rPr lang="en-US" dirty="0"/>
-              <a:t>It’s a good general matrix, but tends to miss low specificity</a:t>
-            </a:r>
-            <a:endParaRPr lang="en-BE" dirty="0"/>
-          </a:p>
-          <a:p>
-            <a:endParaRPr lang="en-BE" dirty="0"/>
-          </a:p>
-        </p:txBody>
-      </p:sp>
-      <p:sp>
-        <p:nvSpPr>
-          <p:cNvPr id="4" name="Slide Number Placeholder 3">
-            <a:extLst>
-              <a:ext uri="{FF2B5EF4-FFF2-40B4-BE49-F238E27FC236}">
-                <a16:creationId xmlns:a16="http://schemas.microsoft.com/office/drawing/2014/main" id="{CF9E3B5C-CCF8-8339-6B70-6F8D78CDB081}"/>
-              </a:ext>
-            </a:extLst>
-          </p:cNvPr>
-          <p:cNvSpPr>
-            <a:spLocks noGrp="1"/>
-          </p:cNvSpPr>
-          <p:nvPr>
-            <p:ph type="sldNum" sz="quarter" idx="12"/>
-          </p:nvPr>
-        </p:nvSpPr>
-        <p:spPr/>
-        <p:txBody>
-          <a:bodyPr/>
-          <a:lstStyle/>
-          <a:p>
-            <a:fld id="{FE1B3154-47D9-4402-8EDB-E791933DC0B9}" type="slidenum">
-              <a:rPr lang="nl-BE" smtClean="0"/>
-              <a:pPr/>
-              <a:t>13</a:t>
-            </a:fld>
-            <a:endParaRPr lang="nl-BE"/>
-          </a:p>
-        </p:txBody>
-      </p:sp>
-    </p:spTree>
-    <p:extLst>
-      <p:ext uri="{BB962C8B-B14F-4D97-AF65-F5344CB8AC3E}">
-        <p14:creationId xmlns:p14="http://schemas.microsoft.com/office/powerpoint/2010/main" val="1772747308"/>
-      </p:ext>
-    </p:extLst>
-  </p:cSld>
-  <p:clrMapOvr>
-    <a:masterClrMapping/>
-  </p:clrMapOvr>
-</p:sld>
-</file>
-
-<file path=ppt/slides/slide14.xml><?xml version="1.0" encoding="utf-8"?>
-<p:sld xmlns:a="http://schemas.openxmlformats.org/drawingml/2006/main" xmlns:r="http://schemas.openxmlformats.org/officeDocument/2006/relationships" xmlns:p="http://schemas.openxmlformats.org/presentationml/2006/main">
-  <p:cSld>
-    <p:spTree>
-      <p:nvGrpSpPr>
-        <p:cNvPr id="1" name=""/>
-        <p:cNvGrpSpPr/>
-        <p:nvPr/>
-      </p:nvGrpSpPr>
-      <p:grpSpPr>
-        <a:xfrm>
-          <a:off x="0" y="0"/>
-          <a:ext cx="0" cy="0"/>
-          <a:chOff x="0" y="0"/>
-          <a:chExt cx="0" cy="0"/>
-        </a:xfrm>
-      </p:grpSpPr>
-      <p:sp>
-        <p:nvSpPr>
-          <p:cNvPr id="2" name="Title 1">
-            <a:extLst>
-              <a:ext uri="{FF2B5EF4-FFF2-40B4-BE49-F238E27FC236}">
-                <a16:creationId xmlns:a16="http://schemas.microsoft.com/office/drawing/2014/main" id="{C08C960F-6265-49ED-B530-DC5EA94EB175}"/>
-              </a:ext>
-            </a:extLst>
-          </p:cNvPr>
-          <p:cNvSpPr>
-            <a:spLocks noGrp="1"/>
-          </p:cNvSpPr>
-          <p:nvPr>
-            <p:ph type="title"/>
-          </p:nvPr>
-        </p:nvSpPr>
-        <p:spPr/>
-        <p:txBody>
-          <a:bodyPr/>
-          <a:lstStyle/>
-          <a:p>
-            <a:r>
-              <a:rPr lang="en-US" dirty="0"/>
-              <a:t>Precision and F1-score</a:t>
-            </a:r>
-            <a:endParaRPr lang="en-BE" dirty="0"/>
-          </a:p>
-        </p:txBody>
-      </p:sp>
-      <p:sp>
-        <p:nvSpPr>
-          <p:cNvPr id="3" name="Content Placeholder 2">
-            <a:extLst>
-              <a:ext uri="{FF2B5EF4-FFF2-40B4-BE49-F238E27FC236}">
-                <a16:creationId xmlns:a16="http://schemas.microsoft.com/office/drawing/2014/main" id="{808D2754-2268-3DC9-59CF-FC7CF45FB83B}"/>
-              </a:ext>
-            </a:extLst>
-          </p:cNvPr>
-          <p:cNvSpPr>
-            <a:spLocks noGrp="1"/>
-          </p:cNvSpPr>
-          <p:nvPr>
-            <p:ph idx="1"/>
-          </p:nvPr>
-        </p:nvSpPr>
-        <p:spPr/>
-        <p:txBody>
-          <a:bodyPr/>
-          <a:lstStyle/>
-          <a:p>
-            <a:r>
-              <a:rPr lang="en-US" dirty="0"/>
-              <a:t>When false positives are a problem, precision is a good metric</a:t>
-            </a:r>
-          </a:p>
-          <a:p>
-            <a:r>
-              <a:rPr lang="en-US" dirty="0"/>
-              <a:t>Precision = TP / (TP + FP)</a:t>
-            </a:r>
-          </a:p>
-          <a:p>
-            <a:endParaRPr lang="en-US" dirty="0"/>
-          </a:p>
-          <a:p>
-            <a:r>
-              <a:rPr lang="en-US" dirty="0"/>
-              <a:t>F1-score (or F-measure or balanced F-score) calculates the harmonic mean of precision and sensitivity</a:t>
-            </a:r>
-          </a:p>
-          <a:p>
-            <a:r>
-              <a:rPr lang="en-US" dirty="0"/>
-              <a:t>Good for both balanced and imbalanced datasets</a:t>
-            </a:r>
-          </a:p>
-          <a:p>
-            <a:r>
-              <a:rPr lang="en-US" dirty="0"/>
-              <a:t>F1 = (2* precision * sensitivity) / (precision + sensitivity)</a:t>
-            </a:r>
-            <a:endParaRPr lang="en-BE" dirty="0"/>
-          </a:p>
-        </p:txBody>
-      </p:sp>
-      <p:sp>
-        <p:nvSpPr>
-          <p:cNvPr id="4" name="Slide Number Placeholder 3">
-            <a:extLst>
-              <a:ext uri="{FF2B5EF4-FFF2-40B4-BE49-F238E27FC236}">
-                <a16:creationId xmlns:a16="http://schemas.microsoft.com/office/drawing/2014/main" id="{E7E061C0-C0A9-501E-8E68-C5A5E4B9A6EE}"/>
-              </a:ext>
-            </a:extLst>
-          </p:cNvPr>
-          <p:cNvSpPr>
-            <a:spLocks noGrp="1"/>
-          </p:cNvSpPr>
-          <p:nvPr>
-            <p:ph type="sldNum" sz="quarter" idx="12"/>
-          </p:nvPr>
-        </p:nvSpPr>
-        <p:spPr/>
-        <p:txBody>
-          <a:bodyPr/>
-          <a:lstStyle/>
-          <a:p>
-            <a:fld id="{FE1B3154-47D9-4402-8EDB-E791933DC0B9}" type="slidenum">
-              <a:rPr lang="nl-BE" smtClean="0"/>
-              <a:pPr/>
-              <a:t>14</a:t>
-            </a:fld>
-            <a:endParaRPr lang="nl-BE"/>
-          </a:p>
-        </p:txBody>
-      </p:sp>
-    </p:spTree>
-    <p:extLst>
-      <p:ext uri="{BB962C8B-B14F-4D97-AF65-F5344CB8AC3E}">
-        <p14:creationId xmlns:p14="http://schemas.microsoft.com/office/powerpoint/2010/main" val="2154656350"/>
-      </p:ext>
-    </p:extLst>
-  </p:cSld>
-  <p:clrMapOvr>
-    <a:masterClrMapping/>
-  </p:clrMapOvr>
-</p:sld>
-</file>
-
-<file path=ppt/slides/slide15.xml><?xml version="1.0" encoding="utf-8"?>
-<p:sld xmlns:a="http://schemas.openxmlformats.org/drawingml/2006/main" xmlns:r="http://schemas.openxmlformats.org/officeDocument/2006/relationships" xmlns:p="http://schemas.openxmlformats.org/presentationml/2006/main">
-  <p:cSld>
-    <p:spTree>
-      <p:nvGrpSpPr>
-        <p:cNvPr id="1" name=""/>
-        <p:cNvGrpSpPr/>
-        <p:nvPr/>
-      </p:nvGrpSpPr>
-      <p:grpSpPr>
-        <a:xfrm>
-          <a:off x="0" y="0"/>
-          <a:ext cx="0" cy="0"/>
-          <a:chOff x="0" y="0"/>
-          <a:chExt cx="0" cy="0"/>
-        </a:xfrm>
-      </p:grpSpPr>
-      <p:sp>
-        <p:nvSpPr>
-          <p:cNvPr id="2" name="Title 1">
-            <a:extLst>
-              <a:ext uri="{FF2B5EF4-FFF2-40B4-BE49-F238E27FC236}">
-                <a16:creationId xmlns:a16="http://schemas.microsoft.com/office/drawing/2014/main" id="{ECC81C39-0D63-AA62-2BF1-08DCD9128EE3}"/>
-              </a:ext>
-            </a:extLst>
-          </p:cNvPr>
-          <p:cNvSpPr>
-            <a:spLocks noGrp="1"/>
-          </p:cNvSpPr>
-          <p:nvPr>
-            <p:ph type="title"/>
-          </p:nvPr>
-        </p:nvSpPr>
-        <p:spPr/>
-        <p:txBody>
-          <a:bodyPr/>
-          <a:lstStyle/>
-          <a:p>
-            <a:r>
-              <a:rPr lang="en-US" dirty="0"/>
-              <a:t>Summary</a:t>
-            </a:r>
-            <a:endParaRPr lang="en-BE" dirty="0"/>
-          </a:p>
-        </p:txBody>
-      </p:sp>
-      <p:sp>
-        <p:nvSpPr>
-          <p:cNvPr id="3" name="Content Placeholder 2">
-            <a:extLst>
-              <a:ext uri="{FF2B5EF4-FFF2-40B4-BE49-F238E27FC236}">
-                <a16:creationId xmlns:a16="http://schemas.microsoft.com/office/drawing/2014/main" id="{3BA7D1D4-29F8-91EB-B2F6-3AFD78833B5E}"/>
-              </a:ext>
-            </a:extLst>
-          </p:cNvPr>
-          <p:cNvSpPr>
-            <a:spLocks noGrp="1"/>
-          </p:cNvSpPr>
-          <p:nvPr>
-            <p:ph idx="1"/>
-          </p:nvPr>
-        </p:nvSpPr>
-        <p:spPr/>
-        <p:txBody>
-          <a:bodyPr>
-            <a:normAutofit fontScale="92500" lnSpcReduction="20000"/>
-          </a:bodyPr>
-          <a:lstStyle/>
-          <a:p>
-            <a:r>
-              <a:rPr lang="en-US" dirty="0"/>
-              <a:t>Sensitivity (or recall): find positive instances</a:t>
-            </a:r>
-          </a:p>
-          <a:p>
-            <a:pPr lvl="1"/>
-            <a:r>
-              <a:rPr lang="en-US" noProof="0" dirty="0"/>
-              <a:t>Sensitivity = TP / (TP + FN)</a:t>
-            </a:r>
-          </a:p>
-          <a:p>
-            <a:r>
-              <a:rPr lang="en-US" dirty="0"/>
-              <a:t>Specificity: find negative instances</a:t>
-            </a:r>
-          </a:p>
-          <a:p>
-            <a:pPr lvl="1"/>
-            <a:r>
-              <a:rPr lang="en-US" dirty="0"/>
-              <a:t>Specificity = TN / (TN + FP)</a:t>
-            </a:r>
-          </a:p>
-          <a:p>
-            <a:r>
-              <a:rPr lang="en-US" dirty="0"/>
-              <a:t>ROC: alter thresholds, draw curve</a:t>
-            </a:r>
-          </a:p>
-          <a:p>
-            <a:r>
-              <a:rPr lang="en-US" dirty="0"/>
-              <a:t>AUC-ROC: Area under said curve (as percentage)</a:t>
-            </a:r>
-          </a:p>
-          <a:p>
-            <a:r>
-              <a:rPr lang="en-US" dirty="0"/>
-              <a:t>Accuracy: Use all the metrices</a:t>
-            </a:r>
-          </a:p>
-          <a:p>
-            <a:pPr lvl="1"/>
-            <a:r>
-              <a:rPr lang="nl-BE" dirty="0" err="1"/>
-              <a:t>Accuracy</a:t>
-            </a:r>
-            <a:r>
-              <a:rPr lang="nl-BE" dirty="0"/>
-              <a:t> = TP + TN / (TP + TN + FP + FN)</a:t>
-            </a:r>
-          </a:p>
-          <a:p>
-            <a:r>
-              <a:rPr lang="en-US" dirty="0"/>
-              <a:t>Precision: use when false positives are a problem</a:t>
-            </a:r>
-          </a:p>
-          <a:p>
-            <a:pPr lvl="1"/>
-            <a:r>
-              <a:rPr lang="en-US" dirty="0"/>
-              <a:t>Precision = TP / (TP + FP)</a:t>
-            </a:r>
-          </a:p>
-          <a:p>
-            <a:r>
-              <a:rPr lang="en-US" dirty="0"/>
-              <a:t>F1-score: use on imbalanced datasets</a:t>
-            </a:r>
-          </a:p>
-          <a:p>
-            <a:pPr lvl="1"/>
-            <a:r>
-              <a:rPr lang="en-US" dirty="0"/>
-              <a:t>F1 = (2* precision * sensitivity) / (precision + sensitivity)</a:t>
-            </a:r>
-            <a:endParaRPr lang="en-BE" dirty="0"/>
-          </a:p>
-          <a:p>
-            <a:pPr lvl="1"/>
-            <a:endParaRPr lang="en-US" dirty="0"/>
-          </a:p>
-          <a:p>
-            <a:pPr lvl="1"/>
-            <a:endParaRPr lang="en-US" dirty="0"/>
-          </a:p>
-          <a:p>
-            <a:pPr lvl="1"/>
-            <a:endParaRPr lang="en-US" dirty="0"/>
-          </a:p>
-          <a:p>
-            <a:endParaRPr lang="en-US" dirty="0"/>
-          </a:p>
-          <a:p>
-            <a:pPr lvl="1"/>
-            <a:endParaRPr lang="en-BE" dirty="0"/>
-          </a:p>
-        </p:txBody>
-      </p:sp>
-      <p:sp>
-        <p:nvSpPr>
-          <p:cNvPr id="4" name="Slide Number Placeholder 3">
-            <a:extLst>
-              <a:ext uri="{FF2B5EF4-FFF2-40B4-BE49-F238E27FC236}">
-                <a16:creationId xmlns:a16="http://schemas.microsoft.com/office/drawing/2014/main" id="{D5137C31-E7FF-4FD4-4AAB-4F770102BF50}"/>
-              </a:ext>
-            </a:extLst>
-          </p:cNvPr>
-          <p:cNvSpPr>
-            <a:spLocks noGrp="1"/>
-          </p:cNvSpPr>
-          <p:nvPr>
-            <p:ph type="sldNum" sz="quarter" idx="12"/>
-          </p:nvPr>
-        </p:nvSpPr>
-        <p:spPr/>
-        <p:txBody>
-          <a:bodyPr/>
-          <a:lstStyle/>
-          <a:p>
-            <a:fld id="{FE1B3154-47D9-4402-8EDB-E791933DC0B9}" type="slidenum">
-              <a:rPr lang="nl-BE" smtClean="0"/>
-              <a:pPr/>
-              <a:t>15</a:t>
-            </a:fld>
-            <a:endParaRPr lang="nl-BE"/>
-          </a:p>
-        </p:txBody>
-      </p:sp>
-    </p:spTree>
-    <p:extLst>
-      <p:ext uri="{BB962C8B-B14F-4D97-AF65-F5344CB8AC3E}">
-        <p14:creationId xmlns:p14="http://schemas.microsoft.com/office/powerpoint/2010/main" val="4286074907"/>
-      </p:ext>
-    </p:extLst>
-  </p:cSld>
-  <p:clrMapOvr>
-    <a:masterClrMapping/>
-  </p:clrMapOvr>
-</p:sld>
-</file>
-
-<file path=ppt/slides/slide16.xml><?xml version="1.0" encoding="utf-8"?>
-<p:sld xmlns:a="http://schemas.openxmlformats.org/drawingml/2006/main" xmlns:r="http://schemas.openxmlformats.org/officeDocument/2006/relationships" xmlns:p="http://schemas.openxmlformats.org/presentationml/2006/main">
-  <p:cSld>
-    <p:spTree>
-      <p:nvGrpSpPr>
-        <p:cNvPr id="1" name=""/>
-        <p:cNvGrpSpPr/>
-        <p:nvPr/>
-      </p:nvGrpSpPr>
-      <p:grpSpPr>
-        <a:xfrm>
-          <a:off x="0" y="0"/>
-          <a:ext cx="0" cy="0"/>
-          <a:chOff x="0" y="0"/>
-          <a:chExt cx="0" cy="0"/>
-        </a:xfrm>
-      </p:grpSpPr>
-      <p:sp>
-        <p:nvSpPr>
-          <p:cNvPr id="2" name="Title 1">
-            <a:extLst>
-              <a:ext uri="{FF2B5EF4-FFF2-40B4-BE49-F238E27FC236}">
-                <a16:creationId xmlns:a16="http://schemas.microsoft.com/office/drawing/2014/main" id="{A790AACE-70E8-20BE-2F0B-0EF7642D42BC}"/>
-              </a:ext>
-            </a:extLst>
-          </p:cNvPr>
-          <p:cNvSpPr>
-            <a:spLocks noGrp="1"/>
-          </p:cNvSpPr>
-          <p:nvPr>
-            <p:ph type="title"/>
-          </p:nvPr>
-        </p:nvSpPr>
-        <p:spPr/>
-        <p:txBody>
-          <a:bodyPr/>
-          <a:lstStyle/>
-          <a:p>
-            <a:r>
-              <a:rPr lang="en-US" dirty="0"/>
-              <a:t>Regression</a:t>
-            </a:r>
-            <a:endParaRPr lang="en-BE" dirty="0"/>
-          </a:p>
-        </p:txBody>
-      </p:sp>
-      <p:sp>
-        <p:nvSpPr>
-          <p:cNvPr id="3" name="Content Placeholder 2">
-            <a:extLst>
-              <a:ext uri="{FF2B5EF4-FFF2-40B4-BE49-F238E27FC236}">
-                <a16:creationId xmlns:a16="http://schemas.microsoft.com/office/drawing/2014/main" id="{3FC9587D-6194-15D6-5965-604D5EF8067A}"/>
-              </a:ext>
-            </a:extLst>
-          </p:cNvPr>
-          <p:cNvSpPr>
-            <a:spLocks noGrp="1"/>
-          </p:cNvSpPr>
-          <p:nvPr>
-            <p:ph idx="1"/>
-          </p:nvPr>
-        </p:nvSpPr>
-        <p:spPr/>
-        <p:txBody>
-          <a:bodyPr/>
-          <a:lstStyle/>
-          <a:p>
-            <a:r>
-              <a:rPr lang="en-US" dirty="0"/>
-              <a:t>Just to be clear: all these metrics only work when doing </a:t>
-            </a:r>
-            <a:r>
-              <a:rPr lang="en-US" b="1" dirty="0"/>
-              <a:t>classification</a:t>
-            </a:r>
-          </a:p>
-          <a:p>
-            <a:pPr lvl="1"/>
-            <a:r>
-              <a:rPr lang="en-US" dirty="0"/>
-              <a:t>“Is it going to be good or bad weather?”</a:t>
-            </a:r>
-          </a:p>
-          <a:p>
-            <a:pPr lvl="1"/>
-            <a:r>
-              <a:rPr lang="en-US" dirty="0"/>
-              <a:t>“Can I win the tour de Flanders for amateurs?”</a:t>
-            </a:r>
-          </a:p>
-          <a:p>
-            <a:pPr lvl="1"/>
-            <a:r>
-              <a:rPr lang="en-US" dirty="0"/>
-              <a:t>“How many years would it take for this student to graduate?”</a:t>
-            </a:r>
-          </a:p>
-          <a:p>
-            <a:r>
-              <a:rPr lang="en-US" dirty="0"/>
-              <a:t>When doing regression…</a:t>
-            </a:r>
-          </a:p>
-          <a:p>
-            <a:pPr lvl="1"/>
-            <a:r>
-              <a:rPr lang="en-US" dirty="0"/>
-              <a:t>“What will the temperature be?”</a:t>
-            </a:r>
-          </a:p>
-          <a:p>
-            <a:pPr lvl="1"/>
-            <a:r>
-              <a:rPr lang="en-US" dirty="0"/>
-              <a:t>“Which position could I get in the </a:t>
-            </a:r>
-            <a:r>
-              <a:rPr lang="en-US" dirty="0" err="1"/>
-              <a:t>the</a:t>
-            </a:r>
-            <a:r>
-              <a:rPr lang="en-US" dirty="0"/>
-              <a:t> tour de Flanders for amateurs?”</a:t>
-            </a:r>
-          </a:p>
-          <a:p>
-            <a:pPr lvl="1"/>
-            <a:r>
-              <a:rPr lang="en-US" dirty="0"/>
-              <a:t>“What are the odds of this student graduating in three years?”</a:t>
-            </a:r>
-          </a:p>
-          <a:p>
-            <a:r>
-              <a:rPr lang="en-US" dirty="0"/>
-              <a:t>Use </a:t>
-            </a:r>
-            <a:r>
-              <a:rPr lang="en-US" b="1" dirty="0"/>
-              <a:t>RMSE</a:t>
-            </a:r>
-          </a:p>
-          <a:p>
-            <a:pPr lvl="1"/>
-            <a:endParaRPr lang="en-US" dirty="0"/>
-          </a:p>
-        </p:txBody>
-      </p:sp>
-      <p:sp>
-        <p:nvSpPr>
-          <p:cNvPr id="4" name="Slide Number Placeholder 3">
-            <a:extLst>
-              <a:ext uri="{FF2B5EF4-FFF2-40B4-BE49-F238E27FC236}">
-                <a16:creationId xmlns:a16="http://schemas.microsoft.com/office/drawing/2014/main" id="{7B5D2132-5542-34EC-4A0C-AD769B61666F}"/>
-              </a:ext>
-            </a:extLst>
-          </p:cNvPr>
-          <p:cNvSpPr>
-            <a:spLocks noGrp="1"/>
-          </p:cNvSpPr>
-          <p:nvPr>
-            <p:ph type="sldNum" sz="quarter" idx="12"/>
-          </p:nvPr>
-        </p:nvSpPr>
-        <p:spPr/>
-        <p:txBody>
-          <a:bodyPr/>
-          <a:lstStyle/>
-          <a:p>
-            <a:fld id="{FE1B3154-47D9-4402-8EDB-E791933DC0B9}" type="slidenum">
-              <a:rPr lang="nl-BE" smtClean="0"/>
-              <a:pPr/>
-              <a:t>16</a:t>
-            </a:fld>
-            <a:endParaRPr lang="nl-BE"/>
-          </a:p>
-        </p:txBody>
-      </p:sp>
-    </p:spTree>
-    <p:extLst>
-      <p:ext uri="{BB962C8B-B14F-4D97-AF65-F5344CB8AC3E}">
-        <p14:creationId xmlns:p14="http://schemas.microsoft.com/office/powerpoint/2010/main" val="4149284701"/>
-      </p:ext>
-    </p:extLst>
-  </p:cSld>
-  <p:clrMapOvr>
-    <a:masterClrMapping/>
-  </p:clrMapOvr>
-</p:sld>
-</file>
-
-<file path=ppt/slides/slide17.xml><?xml version="1.0" encoding="utf-8"?>
-<p:sld xmlns:a="http://schemas.openxmlformats.org/drawingml/2006/main" xmlns:r="http://schemas.openxmlformats.org/officeDocument/2006/relationships" xmlns:p="http://schemas.openxmlformats.org/presentationml/2006/main">
-  <p:cSld>
-    <p:spTree>
-      <p:nvGrpSpPr>
-        <p:cNvPr id="1" name=""/>
-        <p:cNvGrpSpPr/>
-        <p:nvPr/>
-      </p:nvGrpSpPr>
-      <p:grpSpPr>
-        <a:xfrm>
-          <a:off x="0" y="0"/>
-          <a:ext cx="0" cy="0"/>
-          <a:chOff x="0" y="0"/>
-          <a:chExt cx="0" cy="0"/>
-        </a:xfrm>
-      </p:grpSpPr>
-      <p:sp>
-        <p:nvSpPr>
-          <p:cNvPr id="2" name="Title 1">
-            <a:extLst>
-              <a:ext uri="{FF2B5EF4-FFF2-40B4-BE49-F238E27FC236}">
-                <a16:creationId xmlns:a16="http://schemas.microsoft.com/office/drawing/2014/main" id="{BF7A78C4-C4BE-99E7-0493-7FE5E6BC77A9}"/>
-              </a:ext>
-            </a:extLst>
-          </p:cNvPr>
-          <p:cNvSpPr>
-            <a:spLocks noGrp="1"/>
-          </p:cNvSpPr>
-          <p:nvPr>
-            <p:ph type="title"/>
-          </p:nvPr>
-        </p:nvSpPr>
-        <p:spPr/>
-        <p:txBody>
-          <a:bodyPr/>
-          <a:lstStyle/>
-          <a:p>
-            <a:r>
-              <a:rPr lang="en-US" noProof="0" dirty="0"/>
-              <a:t>Back to work!</a:t>
-            </a:r>
-          </a:p>
-        </p:txBody>
-      </p:sp>
-      <p:sp>
-        <p:nvSpPr>
-          <p:cNvPr id="3" name="Content Placeholder 2">
-            <a:extLst>
-              <a:ext uri="{FF2B5EF4-FFF2-40B4-BE49-F238E27FC236}">
-                <a16:creationId xmlns:a16="http://schemas.microsoft.com/office/drawing/2014/main" id="{8487C3BB-B905-041F-DA54-DFCBE1308979}"/>
-              </a:ext>
-            </a:extLst>
-          </p:cNvPr>
-          <p:cNvSpPr>
-            <a:spLocks noGrp="1"/>
-          </p:cNvSpPr>
-          <p:nvPr>
-            <p:ph idx="1"/>
-          </p:nvPr>
-        </p:nvSpPr>
-        <p:spPr/>
-        <p:txBody>
-          <a:bodyPr/>
-          <a:lstStyle/>
-          <a:p>
-            <a:r>
-              <a:rPr lang="en-US" noProof="0" dirty="0"/>
-              <a:t>As said before, this slide is available as a notebook.</a:t>
-            </a:r>
-            <a:endParaRPr lang="en-US" dirty="0"/>
-          </a:p>
-          <a:p>
-            <a:r>
-              <a:rPr lang="en-US" noProof="0" dirty="0"/>
-              <a:t>After that we’ll use </a:t>
-            </a:r>
-            <a:r>
-              <a:rPr lang="en-US" noProof="0" dirty="0" err="1"/>
-              <a:t>PyCaret</a:t>
-            </a:r>
-            <a:endParaRPr lang="en-US" noProof="0" dirty="0"/>
-          </a:p>
-          <a:p>
-            <a:pPr lvl="1"/>
-            <a:r>
-              <a:rPr lang="en-US" dirty="0"/>
-              <a:t>Give it some data</a:t>
-            </a:r>
-          </a:p>
-          <a:p>
-            <a:pPr lvl="1"/>
-            <a:r>
-              <a:rPr lang="en-US" dirty="0" err="1"/>
-              <a:t>PyCaret</a:t>
-            </a:r>
-            <a:r>
-              <a:rPr lang="en-US" dirty="0"/>
-              <a:t> creates a bunch of models for us</a:t>
-            </a:r>
-          </a:p>
-          <a:p>
-            <a:pPr lvl="1"/>
-            <a:r>
-              <a:rPr lang="en-US" noProof="0" dirty="0"/>
-              <a:t>We check the parameters an</a:t>
-            </a:r>
-            <a:r>
-              <a:rPr lang="en-US" dirty="0"/>
-              <a:t>d decide which we want to use</a:t>
-            </a:r>
-          </a:p>
-          <a:p>
-            <a:r>
-              <a:rPr lang="en-US" noProof="0" dirty="0"/>
-              <a:t>But first we need to install </a:t>
-            </a:r>
-            <a:r>
-              <a:rPr lang="en-US" dirty="0" err="1"/>
-              <a:t>PyCaret</a:t>
-            </a:r>
-            <a:r>
-              <a:rPr lang="en-US" dirty="0"/>
-              <a:t>, which </a:t>
-            </a:r>
-            <a:r>
-              <a:rPr lang="en-US"/>
-              <a:t>is tricky</a:t>
-            </a:r>
-            <a:endParaRPr lang="en-US" noProof="0" dirty="0"/>
-          </a:p>
-        </p:txBody>
-      </p:sp>
-      <p:sp>
-        <p:nvSpPr>
-          <p:cNvPr id="4" name="Slide Number Placeholder 3">
-            <a:extLst>
-              <a:ext uri="{FF2B5EF4-FFF2-40B4-BE49-F238E27FC236}">
-                <a16:creationId xmlns:a16="http://schemas.microsoft.com/office/drawing/2014/main" id="{A3571C44-5A20-711E-E4EE-D612FD858ED3}"/>
-              </a:ext>
-            </a:extLst>
-          </p:cNvPr>
-          <p:cNvSpPr>
-            <a:spLocks noGrp="1"/>
-          </p:cNvSpPr>
-          <p:nvPr>
-            <p:ph type="sldNum" sz="quarter" idx="12"/>
-          </p:nvPr>
-        </p:nvSpPr>
-        <p:spPr/>
-        <p:txBody>
-          <a:bodyPr/>
-          <a:lstStyle/>
-          <a:p>
-            <a:fld id="{FE1B3154-47D9-4402-8EDB-E791933DC0B9}" type="slidenum">
-              <a:rPr lang="nl-BE" smtClean="0"/>
-              <a:pPr/>
-              <a:t>17</a:t>
-            </a:fld>
-            <a:endParaRPr lang="nl-BE"/>
-          </a:p>
-        </p:txBody>
-      </p:sp>
-    </p:spTree>
-    <p:extLst>
-      <p:ext uri="{BB962C8B-B14F-4D97-AF65-F5344CB8AC3E}">
-        <p14:creationId xmlns:p14="http://schemas.microsoft.com/office/powerpoint/2010/main" val="659858190"/>
       </p:ext>
     </p:extLst>
   </p:cSld>
@@ -5856,7 +6211,7 @@
           <p:cNvPr id="2" name="Title 1">
             <a:extLst>
               <a:ext uri="{FF2B5EF4-FFF2-40B4-BE49-F238E27FC236}">
-                <a16:creationId xmlns:a16="http://schemas.microsoft.com/office/drawing/2014/main" id="{6AB1F122-48AD-4A7F-8700-C05918EC1F8E}"/>
+                <a16:creationId xmlns:a16="http://schemas.microsoft.com/office/drawing/2014/main" id="{3D333990-E3F9-94F7-2292-B94D8B0F6CF6}"/>
               </a:ext>
             </a:extLst>
           </p:cNvPr>
@@ -5874,9 +6229,8 @@
           <a:p>
             <a:r>
               <a:rPr lang="en-US" dirty="0"/>
-              <a:t>Disclaimer</a:t>
-            </a:r>
-            <a:endParaRPr lang="en-BE" dirty="0"/>
+              <a:t>Model types</a:t>
+            </a:r>
           </a:p>
         </p:txBody>
       </p:sp>
@@ -5885,7 +6239,7 @@
           <p:cNvPr id="3" name="Content Placeholder 2">
             <a:extLst>
               <a:ext uri="{FF2B5EF4-FFF2-40B4-BE49-F238E27FC236}">
-                <a16:creationId xmlns:a16="http://schemas.microsoft.com/office/drawing/2014/main" id="{2528691D-4339-1DE2-FC70-85E68CBD58A4}"/>
+                <a16:creationId xmlns:a16="http://schemas.microsoft.com/office/drawing/2014/main" id="{09291801-43E2-7914-BFFF-E3A0D453B306}"/>
               </a:ext>
             </a:extLst>
           </p:cNvPr>
@@ -5899,7 +6253,7 @@
         <p:spPr>
           <a:xfrm>
             <a:off x="582705" y="1550894"/>
-            <a:ext cx="6866059" cy="4626069"/>
+            <a:ext cx="5562342" cy="4626069"/>
           </a:xfrm>
         </p:spPr>
         <p:txBody>
@@ -5908,13 +6262,7 @@
           <a:p>
             <a:r>
               <a:rPr lang="en-US" dirty="0"/>
-              <a:t>This ppt is a summary of a notebook</a:t>
-            </a:r>
-          </a:p>
-          <a:p>
-            <a:r>
-              <a:rPr lang="en-US" dirty="0"/>
-              <a:t>Don’t study this ppt, but study the notebook</a:t>
+              <a:t>When doing machine learning, there are two types of model:</a:t>
             </a:r>
           </a:p>
           <a:p>
@@ -5923,9 +6271,46 @@
           <a:p>
             <a:r>
               <a:rPr lang="en-US" dirty="0"/>
-              <a:t>It has more (and nicer) examples</a:t>
-            </a:r>
-            <a:endParaRPr lang="en-BE" dirty="0"/>
+              <a:t>Classification</a:t>
+            </a:r>
+          </a:p>
+          <a:p>
+            <a:pPr lvl="1"/>
+            <a:r>
+              <a:rPr lang="en-US" dirty="0"/>
+              <a:t>Student will pass/fail (binary)</a:t>
+            </a:r>
+          </a:p>
+          <a:p>
+            <a:pPr lvl="1"/>
+            <a:r>
+              <a:rPr lang="en-US" dirty="0"/>
+              <a:t>Weather will be bad/fine/good/very good</a:t>
+            </a:r>
+          </a:p>
+          <a:p>
+            <a:r>
+              <a:rPr lang="en-US" dirty="0"/>
+              <a:t>Regression</a:t>
+            </a:r>
+          </a:p>
+          <a:p>
+            <a:pPr lvl="1"/>
+            <a:r>
+              <a:rPr lang="en-US" dirty="0"/>
+              <a:t>Student will have 72%</a:t>
+            </a:r>
+          </a:p>
+          <a:p>
+            <a:pPr lvl="1"/>
+            <a:r>
+              <a:rPr lang="en-US" dirty="0"/>
+              <a:t>Temperature will be 25°</a:t>
+            </a:r>
+          </a:p>
+          <a:p>
+            <a:pPr lvl="1"/>
+            <a:endParaRPr lang="en-US" dirty="0"/>
           </a:p>
         </p:txBody>
       </p:sp>
@@ -5934,7 +6319,7 @@
           <p:cNvPr id="4" name="Slide Number Placeholder 3">
             <a:extLst>
               <a:ext uri="{FF2B5EF4-FFF2-40B4-BE49-F238E27FC236}">
-                <a16:creationId xmlns:a16="http://schemas.microsoft.com/office/drawing/2014/main" id="{35C5B76C-BA04-E3FE-A1CF-B44B6A7FF526}"/>
+                <a16:creationId xmlns:a16="http://schemas.microsoft.com/office/drawing/2014/main" id="{106C47CF-2C12-8343-79E2-42A8BB21B3F3}"/>
               </a:ext>
             </a:extLst>
           </p:cNvPr>
@@ -5961,10 +6346,10 @@
       </p:sp>
       <p:pic>
         <p:nvPicPr>
-          <p:cNvPr id="6" name="Picture 5" descr="A yellow triangle with a exclamation mark&#10;&#10;Description automatically generated">
+          <p:cNvPr id="8" name="Picture 7" descr="A graph of a function&#10;&#10;AI-generated content may be incorrect.">
             <a:extLst>
               <a:ext uri="{FF2B5EF4-FFF2-40B4-BE49-F238E27FC236}">
-                <a16:creationId xmlns:a16="http://schemas.microsoft.com/office/drawing/2014/main" id="{92735EA2-6365-72F3-4556-3BF1178AA699}"/>
+                <a16:creationId xmlns:a16="http://schemas.microsoft.com/office/drawing/2014/main" id="{EA7A106F-866E-BA35-D69E-0A0B06D4E573}"/>
               </a:ext>
             </a:extLst>
           </p:cNvPr>
@@ -5987,8 +6372,8 @@
         </p:blipFill>
         <p:spPr>
           <a:xfrm>
-            <a:off x="7799295" y="1806528"/>
-            <a:ext cx="3810000" cy="4114800"/>
+            <a:off x="6145047" y="2235926"/>
+            <a:ext cx="5728706" cy="3188830"/>
           </a:xfrm>
           <a:prstGeom prst="rect">
             <a:avLst/>
@@ -5998,7 +6383,1044 @@
     </p:spTree>
     <p:extLst>
       <p:ext uri="{BB962C8B-B14F-4D97-AF65-F5344CB8AC3E}">
-        <p14:creationId xmlns:p14="http://schemas.microsoft.com/office/powerpoint/2010/main" val="3824086052"/>
+        <p14:creationId xmlns:p14="http://schemas.microsoft.com/office/powerpoint/2010/main" val="1076656951"/>
+      </p:ext>
+    </p:extLst>
+  </p:cSld>
+  <p:clrMapOvr>
+    <a:masterClrMapping/>
+  </p:clrMapOvr>
+</p:sld>
+</file>
+
+<file path=ppt/slides/slide20.xml><?xml version="1.0" encoding="utf-8"?>
+<p:sld xmlns:a="http://schemas.openxmlformats.org/drawingml/2006/main" xmlns:r="http://schemas.openxmlformats.org/officeDocument/2006/relationships" xmlns:p="http://schemas.openxmlformats.org/presentationml/2006/main">
+  <p:cSld>
+    <p:spTree>
+      <p:nvGrpSpPr>
+        <p:cNvPr id="1" name=""/>
+        <p:cNvGrpSpPr/>
+        <p:nvPr/>
+      </p:nvGrpSpPr>
+      <p:grpSpPr>
+        <a:xfrm>
+          <a:off x="0" y="0"/>
+          <a:ext cx="0" cy="0"/>
+          <a:chOff x="0" y="0"/>
+          <a:chExt cx="0" cy="0"/>
+        </a:xfrm>
+      </p:grpSpPr>
+      <p:sp>
+        <p:nvSpPr>
+          <p:cNvPr id="2" name="Title 1">
+            <a:extLst>
+              <a:ext uri="{FF2B5EF4-FFF2-40B4-BE49-F238E27FC236}">
+                <a16:creationId xmlns:a16="http://schemas.microsoft.com/office/drawing/2014/main" id="{ED68A05F-345E-20F1-49A6-43F7B78B1C6A}"/>
+              </a:ext>
+            </a:extLst>
+          </p:cNvPr>
+          <p:cNvSpPr>
+            <a:spLocks noGrp="1"/>
+          </p:cNvSpPr>
+          <p:nvPr>
+            <p:ph type="title"/>
+          </p:nvPr>
+        </p:nvSpPr>
+        <p:spPr/>
+        <p:txBody>
+          <a:bodyPr/>
+          <a:lstStyle/>
+          <a:p>
+            <a:r>
+              <a:rPr lang="en-US" dirty="0"/>
+              <a:t>AUC-ROC</a:t>
+            </a:r>
+            <a:endParaRPr lang="en-BE" dirty="0"/>
+          </a:p>
+        </p:txBody>
+      </p:sp>
+      <p:sp>
+        <p:nvSpPr>
+          <p:cNvPr id="3" name="Content Placeholder 2">
+            <a:extLst>
+              <a:ext uri="{FF2B5EF4-FFF2-40B4-BE49-F238E27FC236}">
+                <a16:creationId xmlns:a16="http://schemas.microsoft.com/office/drawing/2014/main" id="{70813DF3-E7AA-0255-C19D-26D8BB353D37}"/>
+              </a:ext>
+            </a:extLst>
+          </p:cNvPr>
+          <p:cNvSpPr>
+            <a:spLocks noGrp="1"/>
+          </p:cNvSpPr>
+          <p:nvPr>
+            <p:ph idx="1"/>
+          </p:nvPr>
+        </p:nvSpPr>
+        <p:spPr/>
+        <p:txBody>
+          <a:bodyPr/>
+          <a:lstStyle/>
+          <a:p>
+            <a:r>
+              <a:rPr lang="en-US" dirty="0"/>
+              <a:t>Suppose you have a new dataset and created some ROC-curves for different models. What easy way is there to see which is the better model?</a:t>
+            </a:r>
+          </a:p>
+          <a:p>
+            <a:r>
+              <a:rPr lang="en-US" dirty="0"/>
+              <a:t>Measure the area under the curve! Bigger means further from diagonal, means better.</a:t>
+            </a:r>
+          </a:p>
+          <a:p>
+            <a:pPr lvl="1"/>
+            <a:r>
+              <a:rPr lang="en-US" dirty="0"/>
+              <a:t>A percentage of 100% would be an ROC-curve that fills the entire surface, a perfect model.</a:t>
+            </a:r>
+          </a:p>
+          <a:p>
+            <a:pPr lvl="1"/>
+            <a:r>
+              <a:rPr lang="en-US" dirty="0"/>
+              <a:t>A percentage of 50% would be an ROC-curve that exactly follows the diagonal, which is the worst model possible (a random estimator).</a:t>
+            </a:r>
+          </a:p>
+          <a:p>
+            <a:pPr lvl="1"/>
+            <a:r>
+              <a:rPr lang="en-US" dirty="0"/>
+              <a:t>A percentage of 0% would be another perfect model with bad labeling.</a:t>
+            </a:r>
+            <a:endParaRPr lang="en-BE" dirty="0"/>
+          </a:p>
+        </p:txBody>
+      </p:sp>
+      <p:sp>
+        <p:nvSpPr>
+          <p:cNvPr id="4" name="Slide Number Placeholder 3">
+            <a:extLst>
+              <a:ext uri="{FF2B5EF4-FFF2-40B4-BE49-F238E27FC236}">
+                <a16:creationId xmlns:a16="http://schemas.microsoft.com/office/drawing/2014/main" id="{ED689F03-5968-41E6-DB7E-9561A1575202}"/>
+              </a:ext>
+            </a:extLst>
+          </p:cNvPr>
+          <p:cNvSpPr>
+            <a:spLocks noGrp="1"/>
+          </p:cNvSpPr>
+          <p:nvPr>
+            <p:ph type="sldNum" sz="quarter" idx="12"/>
+          </p:nvPr>
+        </p:nvSpPr>
+        <p:spPr/>
+        <p:txBody>
+          <a:bodyPr/>
+          <a:lstStyle/>
+          <a:p>
+            <a:fld id="{FE1B3154-47D9-4402-8EDB-E791933DC0B9}" type="slidenum">
+              <a:rPr lang="nl-BE" smtClean="0"/>
+              <a:pPr/>
+              <a:t>20</a:t>
+            </a:fld>
+            <a:endParaRPr lang="nl-BE"/>
+          </a:p>
+        </p:txBody>
+      </p:sp>
+    </p:spTree>
+    <p:extLst>
+      <p:ext uri="{BB962C8B-B14F-4D97-AF65-F5344CB8AC3E}">
+        <p14:creationId xmlns:p14="http://schemas.microsoft.com/office/powerpoint/2010/main" val="3501524635"/>
+      </p:ext>
+    </p:extLst>
+  </p:cSld>
+  <p:clrMapOvr>
+    <a:masterClrMapping/>
+  </p:clrMapOvr>
+</p:sld>
+</file>
+
+<file path=ppt/slides/slide21.xml><?xml version="1.0" encoding="utf-8"?>
+<p:sld xmlns:a="http://schemas.openxmlformats.org/drawingml/2006/main" xmlns:r="http://schemas.openxmlformats.org/officeDocument/2006/relationships" xmlns:p="http://schemas.openxmlformats.org/presentationml/2006/main">
+  <p:cSld>
+    <p:spTree>
+      <p:nvGrpSpPr>
+        <p:cNvPr id="1" name=""/>
+        <p:cNvGrpSpPr/>
+        <p:nvPr/>
+      </p:nvGrpSpPr>
+      <p:grpSpPr>
+        <a:xfrm>
+          <a:off x="0" y="0"/>
+          <a:ext cx="0" cy="0"/>
+          <a:chOff x="0" y="0"/>
+          <a:chExt cx="0" cy="0"/>
+        </a:xfrm>
+      </p:grpSpPr>
+      <p:sp>
+        <p:nvSpPr>
+          <p:cNvPr id="2" name="Title 1">
+            <a:extLst>
+              <a:ext uri="{FF2B5EF4-FFF2-40B4-BE49-F238E27FC236}">
+                <a16:creationId xmlns:a16="http://schemas.microsoft.com/office/drawing/2014/main" id="{93E08A30-A807-D1FC-12E3-6E1CE6C8E8AA}"/>
+              </a:ext>
+            </a:extLst>
+          </p:cNvPr>
+          <p:cNvSpPr>
+            <a:spLocks noGrp="1"/>
+          </p:cNvSpPr>
+          <p:nvPr>
+            <p:ph type="title"/>
+          </p:nvPr>
+        </p:nvSpPr>
+        <p:spPr/>
+        <p:txBody>
+          <a:bodyPr/>
+          <a:lstStyle/>
+          <a:p>
+            <a:r>
+              <a:rPr lang="en-US" dirty="0"/>
+              <a:t>Accuracy</a:t>
+            </a:r>
+            <a:endParaRPr lang="en-BE" dirty="0"/>
+          </a:p>
+        </p:txBody>
+      </p:sp>
+      <p:sp>
+        <p:nvSpPr>
+          <p:cNvPr id="3" name="Content Placeholder 2">
+            <a:extLst>
+              <a:ext uri="{FF2B5EF4-FFF2-40B4-BE49-F238E27FC236}">
+                <a16:creationId xmlns:a16="http://schemas.microsoft.com/office/drawing/2014/main" id="{0A0706C8-6384-7EBF-E3A8-A7409F0FB661}"/>
+              </a:ext>
+            </a:extLst>
+          </p:cNvPr>
+          <p:cNvSpPr>
+            <a:spLocks noGrp="1"/>
+          </p:cNvSpPr>
+          <p:nvPr>
+            <p:ph idx="1"/>
+          </p:nvPr>
+        </p:nvSpPr>
+        <p:spPr/>
+        <p:txBody>
+          <a:bodyPr/>
+          <a:lstStyle/>
+          <a:p>
+            <a:r>
+              <a:rPr lang="en-US" dirty="0"/>
+              <a:t>Sensitivity and specificity only look at two of the values of the confusion matrix</a:t>
+            </a:r>
+          </a:p>
+          <a:p>
+            <a:r>
+              <a:rPr lang="nl-BE" dirty="0" err="1"/>
+              <a:t>Accuracy</a:t>
+            </a:r>
+            <a:r>
+              <a:rPr lang="nl-BE" dirty="0"/>
+              <a:t> looks at </a:t>
+            </a:r>
+            <a:r>
+              <a:rPr lang="nl-BE" dirty="0" err="1"/>
+              <a:t>all</a:t>
+            </a:r>
+            <a:r>
+              <a:rPr lang="nl-BE" dirty="0"/>
+              <a:t> </a:t>
+            </a:r>
+            <a:r>
+              <a:rPr lang="nl-BE" dirty="0" err="1"/>
+              <a:t>four</a:t>
+            </a:r>
+            <a:endParaRPr lang="nl-BE" dirty="0"/>
+          </a:p>
+          <a:p>
+            <a:endParaRPr lang="nl-BE" dirty="0"/>
+          </a:p>
+          <a:p>
+            <a:r>
+              <a:rPr lang="nl-BE" dirty="0" err="1"/>
+              <a:t>Accuracy</a:t>
+            </a:r>
+            <a:r>
+              <a:rPr lang="nl-BE" dirty="0"/>
+              <a:t> = (TP + TN) / (TP + TN + FP + FN)</a:t>
+            </a:r>
+          </a:p>
+          <a:p>
+            <a:endParaRPr lang="en-US" dirty="0"/>
+          </a:p>
+          <a:p>
+            <a:r>
+              <a:rPr lang="en-US" dirty="0"/>
+              <a:t>It’s a good general matrix, but tends to miss low specificity</a:t>
+            </a:r>
+            <a:endParaRPr lang="en-BE" dirty="0"/>
+          </a:p>
+          <a:p>
+            <a:endParaRPr lang="en-BE" dirty="0"/>
+          </a:p>
+        </p:txBody>
+      </p:sp>
+      <p:sp>
+        <p:nvSpPr>
+          <p:cNvPr id="4" name="Slide Number Placeholder 3">
+            <a:extLst>
+              <a:ext uri="{FF2B5EF4-FFF2-40B4-BE49-F238E27FC236}">
+                <a16:creationId xmlns:a16="http://schemas.microsoft.com/office/drawing/2014/main" id="{CF9E3B5C-CCF8-8339-6B70-6F8D78CDB081}"/>
+              </a:ext>
+            </a:extLst>
+          </p:cNvPr>
+          <p:cNvSpPr>
+            <a:spLocks noGrp="1"/>
+          </p:cNvSpPr>
+          <p:nvPr>
+            <p:ph type="sldNum" sz="quarter" idx="12"/>
+          </p:nvPr>
+        </p:nvSpPr>
+        <p:spPr/>
+        <p:txBody>
+          <a:bodyPr/>
+          <a:lstStyle/>
+          <a:p>
+            <a:fld id="{FE1B3154-47D9-4402-8EDB-E791933DC0B9}" type="slidenum">
+              <a:rPr lang="nl-BE" smtClean="0"/>
+              <a:pPr/>
+              <a:t>21</a:t>
+            </a:fld>
+            <a:endParaRPr lang="nl-BE"/>
+          </a:p>
+        </p:txBody>
+      </p:sp>
+    </p:spTree>
+    <p:extLst>
+      <p:ext uri="{BB962C8B-B14F-4D97-AF65-F5344CB8AC3E}">
+        <p14:creationId xmlns:p14="http://schemas.microsoft.com/office/powerpoint/2010/main" val="1772747308"/>
+      </p:ext>
+    </p:extLst>
+  </p:cSld>
+  <p:clrMapOvr>
+    <a:masterClrMapping/>
+  </p:clrMapOvr>
+</p:sld>
+</file>
+
+<file path=ppt/slides/slide22.xml><?xml version="1.0" encoding="utf-8"?>
+<p:sld xmlns:a="http://schemas.openxmlformats.org/drawingml/2006/main" xmlns:r="http://schemas.openxmlformats.org/officeDocument/2006/relationships" xmlns:p="http://schemas.openxmlformats.org/presentationml/2006/main">
+  <p:cSld>
+    <p:spTree>
+      <p:nvGrpSpPr>
+        <p:cNvPr id="1" name=""/>
+        <p:cNvGrpSpPr/>
+        <p:nvPr/>
+      </p:nvGrpSpPr>
+      <p:grpSpPr>
+        <a:xfrm>
+          <a:off x="0" y="0"/>
+          <a:ext cx="0" cy="0"/>
+          <a:chOff x="0" y="0"/>
+          <a:chExt cx="0" cy="0"/>
+        </a:xfrm>
+      </p:grpSpPr>
+      <p:sp>
+        <p:nvSpPr>
+          <p:cNvPr id="2" name="Title 1">
+            <a:extLst>
+              <a:ext uri="{FF2B5EF4-FFF2-40B4-BE49-F238E27FC236}">
+                <a16:creationId xmlns:a16="http://schemas.microsoft.com/office/drawing/2014/main" id="{C08C960F-6265-49ED-B530-DC5EA94EB175}"/>
+              </a:ext>
+            </a:extLst>
+          </p:cNvPr>
+          <p:cNvSpPr>
+            <a:spLocks noGrp="1"/>
+          </p:cNvSpPr>
+          <p:nvPr>
+            <p:ph type="title"/>
+          </p:nvPr>
+        </p:nvSpPr>
+        <p:spPr/>
+        <p:txBody>
+          <a:bodyPr/>
+          <a:lstStyle/>
+          <a:p>
+            <a:r>
+              <a:rPr lang="en-US" dirty="0"/>
+              <a:t>Precision and F1-score</a:t>
+            </a:r>
+            <a:endParaRPr lang="en-BE" dirty="0"/>
+          </a:p>
+        </p:txBody>
+      </p:sp>
+      <p:sp>
+        <p:nvSpPr>
+          <p:cNvPr id="3" name="Content Placeholder 2">
+            <a:extLst>
+              <a:ext uri="{FF2B5EF4-FFF2-40B4-BE49-F238E27FC236}">
+                <a16:creationId xmlns:a16="http://schemas.microsoft.com/office/drawing/2014/main" id="{808D2754-2268-3DC9-59CF-FC7CF45FB83B}"/>
+              </a:ext>
+            </a:extLst>
+          </p:cNvPr>
+          <p:cNvSpPr>
+            <a:spLocks noGrp="1"/>
+          </p:cNvSpPr>
+          <p:nvPr>
+            <p:ph idx="1"/>
+          </p:nvPr>
+        </p:nvSpPr>
+        <p:spPr/>
+        <p:txBody>
+          <a:bodyPr/>
+          <a:lstStyle/>
+          <a:p>
+            <a:r>
+              <a:rPr lang="en-US" dirty="0"/>
+              <a:t>When false positives are a problem, precision is a good metric</a:t>
+            </a:r>
+          </a:p>
+          <a:p>
+            <a:r>
+              <a:rPr lang="en-US" dirty="0"/>
+              <a:t>Precision = TP / (TP + FP)</a:t>
+            </a:r>
+          </a:p>
+          <a:p>
+            <a:endParaRPr lang="en-US" dirty="0"/>
+          </a:p>
+          <a:p>
+            <a:r>
+              <a:rPr lang="en-US" dirty="0"/>
+              <a:t>F1-score (or F-measure or balanced F-score) calculates the harmonic mean of precision and sensitivity</a:t>
+            </a:r>
+          </a:p>
+          <a:p>
+            <a:r>
+              <a:rPr lang="en-US" dirty="0"/>
+              <a:t>Good for both balanced and imbalanced datasets</a:t>
+            </a:r>
+          </a:p>
+          <a:p>
+            <a:r>
+              <a:rPr lang="en-US" dirty="0"/>
+              <a:t>F1 = (2* precision * sensitivity) / (precision + sensitivity)</a:t>
+            </a:r>
+            <a:endParaRPr lang="en-BE" dirty="0"/>
+          </a:p>
+        </p:txBody>
+      </p:sp>
+      <p:sp>
+        <p:nvSpPr>
+          <p:cNvPr id="4" name="Slide Number Placeholder 3">
+            <a:extLst>
+              <a:ext uri="{FF2B5EF4-FFF2-40B4-BE49-F238E27FC236}">
+                <a16:creationId xmlns:a16="http://schemas.microsoft.com/office/drawing/2014/main" id="{E7E061C0-C0A9-501E-8E68-C5A5E4B9A6EE}"/>
+              </a:ext>
+            </a:extLst>
+          </p:cNvPr>
+          <p:cNvSpPr>
+            <a:spLocks noGrp="1"/>
+          </p:cNvSpPr>
+          <p:nvPr>
+            <p:ph type="sldNum" sz="quarter" idx="12"/>
+          </p:nvPr>
+        </p:nvSpPr>
+        <p:spPr/>
+        <p:txBody>
+          <a:bodyPr/>
+          <a:lstStyle/>
+          <a:p>
+            <a:fld id="{FE1B3154-47D9-4402-8EDB-E791933DC0B9}" type="slidenum">
+              <a:rPr lang="nl-BE" smtClean="0"/>
+              <a:pPr/>
+              <a:t>22</a:t>
+            </a:fld>
+            <a:endParaRPr lang="nl-BE"/>
+          </a:p>
+        </p:txBody>
+      </p:sp>
+    </p:spTree>
+    <p:extLst>
+      <p:ext uri="{BB962C8B-B14F-4D97-AF65-F5344CB8AC3E}">
+        <p14:creationId xmlns:p14="http://schemas.microsoft.com/office/powerpoint/2010/main" val="2154656350"/>
+      </p:ext>
+    </p:extLst>
+  </p:cSld>
+  <p:clrMapOvr>
+    <a:masterClrMapping/>
+  </p:clrMapOvr>
+</p:sld>
+</file>
+
+<file path=ppt/slides/slide23.xml><?xml version="1.0" encoding="utf-8"?>
+<p:sld xmlns:a="http://schemas.openxmlformats.org/drawingml/2006/main" xmlns:r="http://schemas.openxmlformats.org/officeDocument/2006/relationships" xmlns:p="http://schemas.openxmlformats.org/presentationml/2006/main">
+  <p:cSld>
+    <p:spTree>
+      <p:nvGrpSpPr>
+        <p:cNvPr id="1" name=""/>
+        <p:cNvGrpSpPr/>
+        <p:nvPr/>
+      </p:nvGrpSpPr>
+      <p:grpSpPr>
+        <a:xfrm>
+          <a:off x="0" y="0"/>
+          <a:ext cx="0" cy="0"/>
+          <a:chOff x="0" y="0"/>
+          <a:chExt cx="0" cy="0"/>
+        </a:xfrm>
+      </p:grpSpPr>
+      <p:sp>
+        <p:nvSpPr>
+          <p:cNvPr id="2" name="Title 1">
+            <a:extLst>
+              <a:ext uri="{FF2B5EF4-FFF2-40B4-BE49-F238E27FC236}">
+                <a16:creationId xmlns:a16="http://schemas.microsoft.com/office/drawing/2014/main" id="{ECC81C39-0D63-AA62-2BF1-08DCD9128EE3}"/>
+              </a:ext>
+            </a:extLst>
+          </p:cNvPr>
+          <p:cNvSpPr>
+            <a:spLocks noGrp="1"/>
+          </p:cNvSpPr>
+          <p:nvPr>
+            <p:ph type="title"/>
+          </p:nvPr>
+        </p:nvSpPr>
+        <p:spPr/>
+        <p:txBody>
+          <a:bodyPr/>
+          <a:lstStyle/>
+          <a:p>
+            <a:r>
+              <a:rPr lang="en-US" dirty="0"/>
+              <a:t>Summary</a:t>
+            </a:r>
+            <a:endParaRPr lang="en-BE" dirty="0"/>
+          </a:p>
+        </p:txBody>
+      </p:sp>
+      <p:sp>
+        <p:nvSpPr>
+          <p:cNvPr id="3" name="Content Placeholder 2">
+            <a:extLst>
+              <a:ext uri="{FF2B5EF4-FFF2-40B4-BE49-F238E27FC236}">
+                <a16:creationId xmlns:a16="http://schemas.microsoft.com/office/drawing/2014/main" id="{3BA7D1D4-29F8-91EB-B2F6-3AFD78833B5E}"/>
+              </a:ext>
+            </a:extLst>
+          </p:cNvPr>
+          <p:cNvSpPr>
+            <a:spLocks noGrp="1"/>
+          </p:cNvSpPr>
+          <p:nvPr>
+            <p:ph idx="1"/>
+          </p:nvPr>
+        </p:nvSpPr>
+        <p:spPr/>
+        <p:txBody>
+          <a:bodyPr>
+            <a:normAutofit fontScale="92500" lnSpcReduction="20000"/>
+          </a:bodyPr>
+          <a:lstStyle/>
+          <a:p>
+            <a:r>
+              <a:rPr lang="en-US" dirty="0"/>
+              <a:t>Sensitivity (or recall): find positive instances</a:t>
+            </a:r>
+          </a:p>
+          <a:p>
+            <a:pPr lvl="1"/>
+            <a:r>
+              <a:rPr lang="en-US" noProof="0" dirty="0"/>
+              <a:t>Sensitivity = TP / (TP + FN)</a:t>
+            </a:r>
+          </a:p>
+          <a:p>
+            <a:r>
+              <a:rPr lang="en-US" dirty="0"/>
+              <a:t>Specificity: find negative instances</a:t>
+            </a:r>
+          </a:p>
+          <a:p>
+            <a:pPr lvl="1"/>
+            <a:r>
+              <a:rPr lang="en-US" dirty="0"/>
+              <a:t>Specificity = TN / (TN + FP)</a:t>
+            </a:r>
+          </a:p>
+          <a:p>
+            <a:r>
+              <a:rPr lang="en-US" dirty="0"/>
+              <a:t>ROC: alter thresholds, draw curve</a:t>
+            </a:r>
+          </a:p>
+          <a:p>
+            <a:r>
+              <a:rPr lang="en-US" dirty="0"/>
+              <a:t>AUC-ROC: Area under said curve (as percentage)</a:t>
+            </a:r>
+          </a:p>
+          <a:p>
+            <a:r>
+              <a:rPr lang="en-US" dirty="0"/>
+              <a:t>Accuracy: Use all the metrices</a:t>
+            </a:r>
+          </a:p>
+          <a:p>
+            <a:pPr lvl="1"/>
+            <a:r>
+              <a:rPr lang="nl-BE" dirty="0" err="1"/>
+              <a:t>Accuracy</a:t>
+            </a:r>
+            <a:r>
+              <a:rPr lang="nl-BE" dirty="0"/>
+              <a:t> = TP + TN / (TP + TN + FP + FN)</a:t>
+            </a:r>
+          </a:p>
+          <a:p>
+            <a:r>
+              <a:rPr lang="en-US" dirty="0"/>
+              <a:t>Precision: use when false positives are a problem</a:t>
+            </a:r>
+          </a:p>
+          <a:p>
+            <a:pPr lvl="1"/>
+            <a:r>
+              <a:rPr lang="en-US" dirty="0"/>
+              <a:t>Precision = TP / (TP + FP)</a:t>
+            </a:r>
+          </a:p>
+          <a:p>
+            <a:r>
+              <a:rPr lang="en-US" dirty="0"/>
+              <a:t>F1-score: use on imbalanced datasets</a:t>
+            </a:r>
+          </a:p>
+          <a:p>
+            <a:pPr lvl="1"/>
+            <a:r>
+              <a:rPr lang="en-US" dirty="0"/>
+              <a:t>F1 = (2* precision * sensitivity) / (precision + sensitivity)</a:t>
+            </a:r>
+            <a:endParaRPr lang="en-BE" dirty="0"/>
+          </a:p>
+          <a:p>
+            <a:pPr lvl="1"/>
+            <a:endParaRPr lang="en-US" dirty="0"/>
+          </a:p>
+          <a:p>
+            <a:pPr lvl="1"/>
+            <a:endParaRPr lang="en-US" dirty="0"/>
+          </a:p>
+          <a:p>
+            <a:pPr lvl="1"/>
+            <a:endParaRPr lang="en-US" dirty="0"/>
+          </a:p>
+          <a:p>
+            <a:endParaRPr lang="en-US" dirty="0"/>
+          </a:p>
+          <a:p>
+            <a:pPr lvl="1"/>
+            <a:endParaRPr lang="en-BE" dirty="0"/>
+          </a:p>
+        </p:txBody>
+      </p:sp>
+      <p:sp>
+        <p:nvSpPr>
+          <p:cNvPr id="4" name="Slide Number Placeholder 3">
+            <a:extLst>
+              <a:ext uri="{FF2B5EF4-FFF2-40B4-BE49-F238E27FC236}">
+                <a16:creationId xmlns:a16="http://schemas.microsoft.com/office/drawing/2014/main" id="{D5137C31-E7FF-4FD4-4AAB-4F770102BF50}"/>
+              </a:ext>
+            </a:extLst>
+          </p:cNvPr>
+          <p:cNvSpPr>
+            <a:spLocks noGrp="1"/>
+          </p:cNvSpPr>
+          <p:nvPr>
+            <p:ph type="sldNum" sz="quarter" idx="12"/>
+          </p:nvPr>
+        </p:nvSpPr>
+        <p:spPr/>
+        <p:txBody>
+          <a:bodyPr/>
+          <a:lstStyle/>
+          <a:p>
+            <a:fld id="{FE1B3154-47D9-4402-8EDB-E791933DC0B9}" type="slidenum">
+              <a:rPr lang="nl-BE" smtClean="0"/>
+              <a:pPr/>
+              <a:t>23</a:t>
+            </a:fld>
+            <a:endParaRPr lang="nl-BE"/>
+          </a:p>
+        </p:txBody>
+      </p:sp>
+    </p:spTree>
+    <p:extLst>
+      <p:ext uri="{BB962C8B-B14F-4D97-AF65-F5344CB8AC3E}">
+        <p14:creationId xmlns:p14="http://schemas.microsoft.com/office/powerpoint/2010/main" val="4286074907"/>
+      </p:ext>
+    </p:extLst>
+  </p:cSld>
+  <p:clrMapOvr>
+    <a:masterClrMapping/>
+  </p:clrMapOvr>
+</p:sld>
+</file>
+
+<file path=ppt/slides/slide24.xml><?xml version="1.0" encoding="utf-8"?>
+<p:sld xmlns:a="http://schemas.openxmlformats.org/drawingml/2006/main" xmlns:r="http://schemas.openxmlformats.org/officeDocument/2006/relationships" xmlns:p="http://schemas.openxmlformats.org/presentationml/2006/main">
+  <p:cSld>
+    <p:spTree>
+      <p:nvGrpSpPr>
+        <p:cNvPr id="1" name=""/>
+        <p:cNvGrpSpPr/>
+        <p:nvPr/>
+      </p:nvGrpSpPr>
+      <p:grpSpPr>
+        <a:xfrm>
+          <a:off x="0" y="0"/>
+          <a:ext cx="0" cy="0"/>
+          <a:chOff x="0" y="0"/>
+          <a:chExt cx="0" cy="0"/>
+        </a:xfrm>
+      </p:grpSpPr>
+      <p:sp>
+        <p:nvSpPr>
+          <p:cNvPr id="2" name="Title 1">
+            <a:extLst>
+              <a:ext uri="{FF2B5EF4-FFF2-40B4-BE49-F238E27FC236}">
+                <a16:creationId xmlns:a16="http://schemas.microsoft.com/office/drawing/2014/main" id="{A790AACE-70E8-20BE-2F0B-0EF7642D42BC}"/>
+              </a:ext>
+            </a:extLst>
+          </p:cNvPr>
+          <p:cNvSpPr>
+            <a:spLocks noGrp="1"/>
+          </p:cNvSpPr>
+          <p:nvPr>
+            <p:ph type="title"/>
+          </p:nvPr>
+        </p:nvSpPr>
+        <p:spPr/>
+        <p:txBody>
+          <a:bodyPr/>
+          <a:lstStyle/>
+          <a:p>
+            <a:r>
+              <a:rPr lang="en-US" dirty="0"/>
+              <a:t>Regression</a:t>
+            </a:r>
+            <a:endParaRPr lang="en-BE" dirty="0"/>
+          </a:p>
+        </p:txBody>
+      </p:sp>
+      <p:sp>
+        <p:nvSpPr>
+          <p:cNvPr id="3" name="Content Placeholder 2">
+            <a:extLst>
+              <a:ext uri="{FF2B5EF4-FFF2-40B4-BE49-F238E27FC236}">
+                <a16:creationId xmlns:a16="http://schemas.microsoft.com/office/drawing/2014/main" id="{3FC9587D-6194-15D6-5965-604D5EF8067A}"/>
+              </a:ext>
+            </a:extLst>
+          </p:cNvPr>
+          <p:cNvSpPr>
+            <a:spLocks noGrp="1"/>
+          </p:cNvSpPr>
+          <p:nvPr>
+            <p:ph idx="1"/>
+          </p:nvPr>
+        </p:nvSpPr>
+        <p:spPr/>
+        <p:txBody>
+          <a:bodyPr/>
+          <a:lstStyle/>
+          <a:p>
+            <a:r>
+              <a:rPr lang="en-US" dirty="0"/>
+              <a:t>Just to be clear: all these metrics only work when doing </a:t>
+            </a:r>
+            <a:r>
+              <a:rPr lang="en-US" b="1" dirty="0"/>
+              <a:t>classification</a:t>
+            </a:r>
+          </a:p>
+          <a:p>
+            <a:pPr lvl="1"/>
+            <a:r>
+              <a:rPr lang="en-US" dirty="0"/>
+              <a:t>“Is it going to be good or bad weather?”</a:t>
+            </a:r>
+          </a:p>
+          <a:p>
+            <a:pPr lvl="1"/>
+            <a:r>
+              <a:rPr lang="en-US" dirty="0"/>
+              <a:t>“Can I win the tour de Flanders for amateurs?”</a:t>
+            </a:r>
+          </a:p>
+          <a:p>
+            <a:pPr lvl="1"/>
+            <a:r>
+              <a:rPr lang="en-US" dirty="0"/>
+              <a:t>“How many years would it take for this student to graduate?”</a:t>
+            </a:r>
+          </a:p>
+          <a:p>
+            <a:r>
+              <a:rPr lang="en-US" dirty="0"/>
+              <a:t>When doing regression…</a:t>
+            </a:r>
+          </a:p>
+          <a:p>
+            <a:pPr lvl="1"/>
+            <a:r>
+              <a:rPr lang="en-US" dirty="0"/>
+              <a:t>“What will the temperature be?”</a:t>
+            </a:r>
+          </a:p>
+          <a:p>
+            <a:pPr lvl="1"/>
+            <a:r>
+              <a:rPr lang="en-US" dirty="0"/>
+              <a:t>“Which position could I get in the </a:t>
+            </a:r>
+            <a:r>
+              <a:rPr lang="en-US" dirty="0" err="1"/>
+              <a:t>the</a:t>
+            </a:r>
+            <a:r>
+              <a:rPr lang="en-US" dirty="0"/>
+              <a:t> tour de Flanders for amateurs?”</a:t>
+            </a:r>
+          </a:p>
+          <a:p>
+            <a:pPr lvl="1"/>
+            <a:r>
+              <a:rPr lang="en-US" dirty="0"/>
+              <a:t>“What are the odds of this student graduating in three years?”</a:t>
+            </a:r>
+          </a:p>
+          <a:p>
+            <a:r>
+              <a:rPr lang="en-US" dirty="0"/>
+              <a:t>Use </a:t>
+            </a:r>
+            <a:r>
+              <a:rPr lang="en-US" b="1" dirty="0"/>
+              <a:t>RMSE</a:t>
+            </a:r>
+          </a:p>
+          <a:p>
+            <a:pPr lvl="1"/>
+            <a:endParaRPr lang="en-US" dirty="0"/>
+          </a:p>
+        </p:txBody>
+      </p:sp>
+      <p:sp>
+        <p:nvSpPr>
+          <p:cNvPr id="4" name="Slide Number Placeholder 3">
+            <a:extLst>
+              <a:ext uri="{FF2B5EF4-FFF2-40B4-BE49-F238E27FC236}">
+                <a16:creationId xmlns:a16="http://schemas.microsoft.com/office/drawing/2014/main" id="{7B5D2132-5542-34EC-4A0C-AD769B61666F}"/>
+              </a:ext>
+            </a:extLst>
+          </p:cNvPr>
+          <p:cNvSpPr>
+            <a:spLocks noGrp="1"/>
+          </p:cNvSpPr>
+          <p:nvPr>
+            <p:ph type="sldNum" sz="quarter" idx="12"/>
+          </p:nvPr>
+        </p:nvSpPr>
+        <p:spPr/>
+        <p:txBody>
+          <a:bodyPr/>
+          <a:lstStyle/>
+          <a:p>
+            <a:fld id="{FE1B3154-47D9-4402-8EDB-E791933DC0B9}" type="slidenum">
+              <a:rPr lang="nl-BE" smtClean="0"/>
+              <a:pPr/>
+              <a:t>24</a:t>
+            </a:fld>
+            <a:endParaRPr lang="nl-BE"/>
+          </a:p>
+        </p:txBody>
+      </p:sp>
+    </p:spTree>
+    <p:extLst>
+      <p:ext uri="{BB962C8B-B14F-4D97-AF65-F5344CB8AC3E}">
+        <p14:creationId xmlns:p14="http://schemas.microsoft.com/office/powerpoint/2010/main" val="4149284701"/>
+      </p:ext>
+    </p:extLst>
+  </p:cSld>
+  <p:clrMapOvr>
+    <a:masterClrMapping/>
+  </p:clrMapOvr>
+</p:sld>
+</file>
+
+<file path=ppt/slides/slide25.xml><?xml version="1.0" encoding="utf-8"?>
+<p:sld xmlns:a="http://schemas.openxmlformats.org/drawingml/2006/main" xmlns:r="http://schemas.openxmlformats.org/officeDocument/2006/relationships" xmlns:p="http://schemas.openxmlformats.org/presentationml/2006/main">
+  <p:cSld>
+    <p:spTree>
+      <p:nvGrpSpPr>
+        <p:cNvPr id="1" name=""/>
+        <p:cNvGrpSpPr/>
+        <p:nvPr/>
+      </p:nvGrpSpPr>
+      <p:grpSpPr>
+        <a:xfrm>
+          <a:off x="0" y="0"/>
+          <a:ext cx="0" cy="0"/>
+          <a:chOff x="0" y="0"/>
+          <a:chExt cx="0" cy="0"/>
+        </a:xfrm>
+      </p:grpSpPr>
+      <p:sp>
+        <p:nvSpPr>
+          <p:cNvPr id="2" name="Title 1">
+            <a:extLst>
+              <a:ext uri="{FF2B5EF4-FFF2-40B4-BE49-F238E27FC236}">
+                <a16:creationId xmlns:a16="http://schemas.microsoft.com/office/drawing/2014/main" id="{BF7A78C4-C4BE-99E7-0493-7FE5E6BC77A9}"/>
+              </a:ext>
+            </a:extLst>
+          </p:cNvPr>
+          <p:cNvSpPr>
+            <a:spLocks noGrp="1"/>
+          </p:cNvSpPr>
+          <p:nvPr>
+            <p:ph type="title"/>
+          </p:nvPr>
+        </p:nvSpPr>
+        <p:spPr/>
+        <p:txBody>
+          <a:bodyPr/>
+          <a:lstStyle/>
+          <a:p>
+            <a:r>
+              <a:rPr lang="en-US" noProof="0" dirty="0"/>
+              <a:t>Back to work!</a:t>
+            </a:r>
+          </a:p>
+        </p:txBody>
+      </p:sp>
+      <p:sp>
+        <p:nvSpPr>
+          <p:cNvPr id="3" name="Content Placeholder 2">
+            <a:extLst>
+              <a:ext uri="{FF2B5EF4-FFF2-40B4-BE49-F238E27FC236}">
+                <a16:creationId xmlns:a16="http://schemas.microsoft.com/office/drawing/2014/main" id="{8487C3BB-B905-041F-DA54-DFCBE1308979}"/>
+              </a:ext>
+            </a:extLst>
+          </p:cNvPr>
+          <p:cNvSpPr>
+            <a:spLocks noGrp="1"/>
+          </p:cNvSpPr>
+          <p:nvPr>
+            <p:ph idx="1"/>
+          </p:nvPr>
+        </p:nvSpPr>
+        <p:spPr/>
+        <p:txBody>
+          <a:bodyPr/>
+          <a:lstStyle/>
+          <a:p>
+            <a:r>
+              <a:rPr lang="en-US" noProof="0" dirty="0"/>
+              <a:t>As said before, this slide is available as a notebook.</a:t>
+            </a:r>
+            <a:endParaRPr lang="en-US" dirty="0"/>
+          </a:p>
+          <a:p>
+            <a:r>
+              <a:rPr lang="en-US" noProof="0" dirty="0"/>
+              <a:t>After that we’ll use </a:t>
+            </a:r>
+            <a:r>
+              <a:rPr lang="en-US" noProof="0" dirty="0" err="1"/>
+              <a:t>PyCaret</a:t>
+            </a:r>
+            <a:endParaRPr lang="en-US" noProof="0" dirty="0"/>
+          </a:p>
+          <a:p>
+            <a:pPr lvl="1"/>
+            <a:r>
+              <a:rPr lang="en-US" dirty="0"/>
+              <a:t>Give it some data</a:t>
+            </a:r>
+          </a:p>
+          <a:p>
+            <a:pPr lvl="1"/>
+            <a:r>
+              <a:rPr lang="en-US" dirty="0" err="1"/>
+              <a:t>PyCaret</a:t>
+            </a:r>
+            <a:r>
+              <a:rPr lang="en-US" dirty="0"/>
+              <a:t> creates a bunch of models for us</a:t>
+            </a:r>
+          </a:p>
+          <a:p>
+            <a:pPr lvl="1"/>
+            <a:r>
+              <a:rPr lang="en-US" noProof="0" dirty="0"/>
+              <a:t>We check the parameters an</a:t>
+            </a:r>
+            <a:r>
+              <a:rPr lang="en-US" dirty="0"/>
+              <a:t>d decide which we want to use</a:t>
+            </a:r>
+          </a:p>
+          <a:p>
+            <a:r>
+              <a:rPr lang="en-US" noProof="0" dirty="0"/>
+              <a:t>But first we need to install </a:t>
+            </a:r>
+            <a:r>
+              <a:rPr lang="en-US" dirty="0" err="1"/>
+              <a:t>PyCaret</a:t>
+            </a:r>
+            <a:r>
+              <a:rPr lang="en-US" dirty="0"/>
+              <a:t>, which </a:t>
+            </a:r>
+            <a:r>
+              <a:rPr lang="en-US"/>
+              <a:t>is tricky</a:t>
+            </a:r>
+            <a:endParaRPr lang="en-US" noProof="0" dirty="0"/>
+          </a:p>
+        </p:txBody>
+      </p:sp>
+      <p:sp>
+        <p:nvSpPr>
+          <p:cNvPr id="4" name="Slide Number Placeholder 3">
+            <a:extLst>
+              <a:ext uri="{FF2B5EF4-FFF2-40B4-BE49-F238E27FC236}">
+                <a16:creationId xmlns:a16="http://schemas.microsoft.com/office/drawing/2014/main" id="{A3571C44-5A20-711E-E4EE-D612FD858ED3}"/>
+              </a:ext>
+            </a:extLst>
+          </p:cNvPr>
+          <p:cNvSpPr>
+            <a:spLocks noGrp="1"/>
+          </p:cNvSpPr>
+          <p:nvPr>
+            <p:ph type="sldNum" sz="quarter" idx="12"/>
+          </p:nvPr>
+        </p:nvSpPr>
+        <p:spPr/>
+        <p:txBody>
+          <a:bodyPr/>
+          <a:lstStyle/>
+          <a:p>
+            <a:fld id="{FE1B3154-47D9-4402-8EDB-E791933DC0B9}" type="slidenum">
+              <a:rPr lang="nl-BE" smtClean="0"/>
+              <a:pPr/>
+              <a:t>25</a:t>
+            </a:fld>
+            <a:endParaRPr lang="nl-BE"/>
+          </a:p>
+        </p:txBody>
+      </p:sp>
+    </p:spTree>
+    <p:extLst>
+      <p:ext uri="{BB962C8B-B14F-4D97-AF65-F5344CB8AC3E}">
+        <p14:creationId xmlns:p14="http://schemas.microsoft.com/office/powerpoint/2010/main" val="659858190"/>
       </p:ext>
     </p:extLst>
   </p:cSld>
@@ -6030,7 +7452,7 @@
           <p:cNvPr id="2" name="Title 1">
             <a:extLst>
               <a:ext uri="{FF2B5EF4-FFF2-40B4-BE49-F238E27FC236}">
-                <a16:creationId xmlns:a16="http://schemas.microsoft.com/office/drawing/2014/main" id="{3E6AE161-0EF9-E5F1-E908-771D168C2E2C}"/>
+                <a16:creationId xmlns:a16="http://schemas.microsoft.com/office/drawing/2014/main" id="{5382553E-25E0-200B-3B54-19FE0B4A8D82}"/>
               </a:ext>
             </a:extLst>
           </p:cNvPr>
@@ -6047,8 +7469,8 @@
           <a:lstStyle/>
           <a:p>
             <a:r>
-              <a:rPr lang="en-US" noProof="0" dirty="0"/>
-              <a:t>Cat or not cat?</a:t>
+              <a:rPr lang="en-US" dirty="0"/>
+              <a:t>Model quality</a:t>
             </a:r>
           </a:p>
         </p:txBody>
@@ -6058,7 +7480,7 @@
           <p:cNvPr id="3" name="Content Placeholder 2">
             <a:extLst>
               <a:ext uri="{FF2B5EF4-FFF2-40B4-BE49-F238E27FC236}">
-                <a16:creationId xmlns:a16="http://schemas.microsoft.com/office/drawing/2014/main" id="{5205A53C-AE87-FDA2-9FBA-953FB79DD4BC}"/>
+                <a16:creationId xmlns:a16="http://schemas.microsoft.com/office/drawing/2014/main" id="{2E83F126-68A0-1D97-94B6-86CAB4CDA456}"/>
               </a:ext>
             </a:extLst>
           </p:cNvPr>
@@ -6071,50 +7493,74 @@
         </p:nvSpPr>
         <p:spPr/>
         <p:txBody>
-          <a:bodyPr>
-            <a:normAutofit/>
-          </a:bodyPr>
-          <a:lstStyle/>
-          <a:p>
-            <a:r>
-              <a:rPr lang="en-US" noProof="0" dirty="0"/>
-              <a:t>This </a:t>
-            </a:r>
-            <a:r>
-              <a:rPr lang="en-US" noProof="0" dirty="0" err="1"/>
-              <a:t>powerpoint</a:t>
-            </a:r>
-            <a:r>
-              <a:rPr lang="en-US" noProof="0" dirty="0"/>
-              <a:t> uses the very bad “is it a cat or not a cat”-model</a:t>
-            </a:r>
-          </a:p>
-          <a:p>
-            <a:r>
-              <a:rPr lang="en-US" noProof="0" dirty="0"/>
-              <a:t>This is a bad model for 2 reasons:</a:t>
+          <a:bodyPr/>
+          <a:lstStyle/>
+          <a:p>
+            <a:r>
+              <a:rPr lang="en-US" dirty="0"/>
+              <a:t>You’ve made a model, but now you need to test how good the model is</a:t>
+            </a:r>
+          </a:p>
+          <a:p>
+            <a:r>
+              <a:rPr lang="en-US" dirty="0"/>
+              <a:t>Before training, hold back some data that the model won’t get to ‘see’</a:t>
             </a:r>
           </a:p>
           <a:p>
             <a:pPr lvl="1"/>
             <a:r>
-              <a:rPr lang="en-US" noProof="0" dirty="0"/>
-              <a:t>Cat or not cat is a deep learning model, where we are working with machine learning. The results of a machine learning model are the same though, but less graphical (a fraudulent transaction is nowhere near as cute as a cat).</a:t>
+              <a:rPr lang="en-US" dirty="0"/>
+              <a:t>Train, test, </a:t>
+            </a:r>
+            <a:r>
+              <a:rPr lang="en-US" dirty="0">
+                <a:solidFill>
+                  <a:srgbClr val="FF0000"/>
+                </a:solidFill>
+              </a:rPr>
+              <a:t>validation </a:t>
+            </a:r>
+            <a:r>
+              <a:rPr lang="en-US" dirty="0"/>
+              <a:t>(see next slide)</a:t>
+            </a:r>
+            <a:endParaRPr lang="en-US" dirty="0">
+              <a:solidFill>
+                <a:srgbClr val="FF0000"/>
+              </a:solidFill>
+            </a:endParaRPr>
+          </a:p>
+          <a:p>
+            <a:r>
+              <a:rPr lang="en-US" dirty="0"/>
+              <a:t>Let the model predict this data and compare the results with what you know should be the outcome</a:t>
+            </a:r>
+          </a:p>
+          <a:p>
+            <a:r>
+              <a:rPr lang="en-US" dirty="0"/>
+              <a:t>Regression:</a:t>
             </a:r>
           </a:p>
           <a:p>
             <a:pPr lvl="1"/>
             <a:r>
-              <a:rPr lang="en-US" noProof="0" dirty="0"/>
-              <a:t>The model is awful. Any script-kiddy copying from </a:t>
-            </a:r>
-            <a:r>
-              <a:rPr lang="en-US" noProof="0" dirty="0" err="1"/>
-              <a:t>youtube</a:t>
-            </a:r>
-            <a:r>
-              <a:rPr lang="en-US" noProof="0" dirty="0"/>
-              <a:t> can make a better cat-dog model. The reason we work with such a bad model is because that makes it easier to align the results with the model. (0,9987 is less than 0,99978, but it easier to see the difference between 0,18 and 0,64)</a:t>
+              <a:rPr lang="en-US" dirty="0"/>
+              <a:t>RMSE</a:t>
+            </a:r>
+          </a:p>
+          <a:p>
+            <a:r>
+              <a:rPr lang="en-US" dirty="0"/>
+              <a:t>Classification:</a:t>
+            </a:r>
+          </a:p>
+          <a:p>
+            <a:pPr lvl="1"/>
+            <a:r>
+              <a:rPr lang="en-US" dirty="0"/>
+              <a:t>Confusion matrix</a:t>
             </a:r>
           </a:p>
         </p:txBody>
@@ -6124,7 +7570,7 @@
           <p:cNvPr id="4" name="Slide Number Placeholder 3">
             <a:extLst>
               <a:ext uri="{FF2B5EF4-FFF2-40B4-BE49-F238E27FC236}">
-                <a16:creationId xmlns:a16="http://schemas.microsoft.com/office/drawing/2014/main" id="{FDC7B83A-4819-767D-8FF8-F3DF8B61C60A}"/>
+                <a16:creationId xmlns:a16="http://schemas.microsoft.com/office/drawing/2014/main" id="{4E4CE38A-544C-0F23-E035-37B7EE711E54}"/>
               </a:ext>
             </a:extLst>
           </p:cNvPr>
@@ -6152,7 +7598,7 @@
     </p:spTree>
     <p:extLst>
       <p:ext uri="{BB962C8B-B14F-4D97-AF65-F5344CB8AC3E}">
-        <p14:creationId xmlns:p14="http://schemas.microsoft.com/office/powerpoint/2010/main" val="3155842634"/>
+        <p14:creationId xmlns:p14="http://schemas.microsoft.com/office/powerpoint/2010/main" val="1052984537"/>
       </p:ext>
     </p:extLst>
   </p:cSld>
@@ -6340,6 +7786,583 @@
           <p:cNvPr id="2" name="Title 1">
             <a:extLst>
               <a:ext uri="{FF2B5EF4-FFF2-40B4-BE49-F238E27FC236}">
+                <a16:creationId xmlns:a16="http://schemas.microsoft.com/office/drawing/2014/main" id="{1E189DA2-61F0-0865-309C-F949363CA525}"/>
+              </a:ext>
+            </a:extLst>
+          </p:cNvPr>
+          <p:cNvSpPr>
+            <a:spLocks noGrp="1"/>
+          </p:cNvSpPr>
+          <p:nvPr>
+            <p:ph type="title"/>
+          </p:nvPr>
+        </p:nvSpPr>
+        <p:spPr/>
+        <p:txBody>
+          <a:bodyPr/>
+          <a:lstStyle/>
+          <a:p>
+            <a:r>
+              <a:rPr lang="en-US" dirty="0"/>
+              <a:t>Regression model quality</a:t>
+            </a:r>
+          </a:p>
+        </p:txBody>
+      </p:sp>
+      <p:sp>
+        <p:nvSpPr>
+          <p:cNvPr id="3" name="Content Placeholder 2">
+            <a:extLst>
+              <a:ext uri="{FF2B5EF4-FFF2-40B4-BE49-F238E27FC236}">
+                <a16:creationId xmlns:a16="http://schemas.microsoft.com/office/drawing/2014/main" id="{2A05AB38-A5E9-6C8D-6D73-E554A70AF088}"/>
+              </a:ext>
+            </a:extLst>
+          </p:cNvPr>
+          <p:cNvSpPr>
+            <a:spLocks noGrp="1"/>
+          </p:cNvSpPr>
+          <p:nvPr>
+            <p:ph idx="1"/>
+          </p:nvPr>
+        </p:nvSpPr>
+        <p:spPr>
+          <a:xfrm>
+            <a:off x="582705" y="1550894"/>
+            <a:ext cx="11396962" cy="4626069"/>
+          </a:xfrm>
+        </p:spPr>
+        <p:txBody>
+          <a:bodyPr>
+            <a:normAutofit/>
+          </a:bodyPr>
+          <a:lstStyle/>
+          <a:p>
+            <a:r>
+              <a:rPr lang="en-US" dirty="0"/>
+              <a:t>When doing regression, assessing model quality is quite easy with the RMSE</a:t>
+            </a:r>
+          </a:p>
+          <a:p>
+            <a:r>
+              <a:rPr lang="en-US" dirty="0"/>
+              <a:t>It’s a measure for how far the predicted values where from the actual value</a:t>
+            </a:r>
+          </a:p>
+          <a:p>
+            <a:pPr lvl="1"/>
+            <a:r>
+              <a:rPr lang="en-US" dirty="0"/>
+              <a:t>Lower is better</a:t>
+            </a:r>
+          </a:p>
+          <a:p>
+            <a:r>
+              <a:rPr lang="en-US" dirty="0"/>
+              <a:t>RMSE already penalizes large errors and the unit is the same as the actual data</a:t>
+            </a:r>
+          </a:p>
+          <a:p>
+            <a:pPr lvl="1"/>
+            <a:r>
+              <a:rPr lang="en-US" dirty="0"/>
+              <a:t>When predicting temperature the unit of the RMSE will also be “degrees”, not “degrees</a:t>
+            </a:r>
+            <a:r>
+              <a:rPr lang="en-US" dirty="0">
+                <a:solidFill>
+                  <a:srgbClr val="FF0000"/>
+                </a:solidFill>
+              </a:rPr>
+              <a:t>²</a:t>
+            </a:r>
+            <a:r>
+              <a:rPr lang="en-US" dirty="0"/>
+              <a:t>”</a:t>
+            </a:r>
+          </a:p>
+          <a:p>
+            <a:r>
+              <a:rPr lang="en-US" dirty="0"/>
+              <a:t>There are alternatives</a:t>
+            </a:r>
+          </a:p>
+          <a:p>
+            <a:pPr lvl="1"/>
+            <a:r>
+              <a:rPr lang="en-US" dirty="0"/>
+              <a:t>MAE (Mean Absolute Error) – more robust to outliers</a:t>
+            </a:r>
+          </a:p>
+          <a:p>
+            <a:pPr lvl="1"/>
+            <a:r>
+              <a:rPr lang="en-US" dirty="0"/>
+              <a:t>R² (Coefficient of Determination) – measures proportion of variance explained</a:t>
+            </a:r>
+          </a:p>
+          <a:p>
+            <a:endParaRPr lang="en-US" dirty="0"/>
+          </a:p>
+        </p:txBody>
+      </p:sp>
+      <p:sp>
+        <p:nvSpPr>
+          <p:cNvPr id="4" name="Slide Number Placeholder 3">
+            <a:extLst>
+              <a:ext uri="{FF2B5EF4-FFF2-40B4-BE49-F238E27FC236}">
+                <a16:creationId xmlns:a16="http://schemas.microsoft.com/office/drawing/2014/main" id="{49F575B1-C1A6-F5DB-5204-436C1B3F3E8C}"/>
+              </a:ext>
+            </a:extLst>
+          </p:cNvPr>
+          <p:cNvSpPr>
+            <a:spLocks noGrp="1"/>
+          </p:cNvSpPr>
+          <p:nvPr>
+            <p:ph type="sldNum" sz="quarter" idx="12"/>
+          </p:nvPr>
+        </p:nvSpPr>
+        <p:spPr/>
+        <p:txBody>
+          <a:bodyPr/>
+          <a:lstStyle/>
+          <a:p>
+            <a:fld id="{FE1B3154-47D9-4402-8EDB-E791933DC0B9}" type="slidenum">
+              <a:rPr lang="nl-BE" smtClean="0"/>
+              <a:pPr/>
+              <a:t>5</a:t>
+            </a:fld>
+            <a:endParaRPr lang="nl-BE"/>
+          </a:p>
+        </p:txBody>
+      </p:sp>
+    </p:spTree>
+    <p:extLst>
+      <p:ext uri="{BB962C8B-B14F-4D97-AF65-F5344CB8AC3E}">
+        <p14:creationId xmlns:p14="http://schemas.microsoft.com/office/powerpoint/2010/main" val="751942942"/>
+      </p:ext>
+    </p:extLst>
+  </p:cSld>
+  <p:clrMapOvr>
+    <a:masterClrMapping/>
+  </p:clrMapOvr>
+</p:sld>
+</file>
+
+<file path=ppt/slides/slide6.xml><?xml version="1.0" encoding="utf-8"?>
+<p:sld xmlns:a="http://schemas.openxmlformats.org/drawingml/2006/main" xmlns:r="http://schemas.openxmlformats.org/officeDocument/2006/relationships" xmlns:p="http://schemas.openxmlformats.org/presentationml/2006/main">
+  <p:cSld>
+    <p:spTree>
+      <p:nvGrpSpPr>
+        <p:cNvPr id="1" name=""/>
+        <p:cNvGrpSpPr/>
+        <p:nvPr/>
+      </p:nvGrpSpPr>
+      <p:grpSpPr>
+        <a:xfrm>
+          <a:off x="0" y="0"/>
+          <a:ext cx="0" cy="0"/>
+          <a:chOff x="0" y="0"/>
+          <a:chExt cx="0" cy="0"/>
+        </a:xfrm>
+      </p:grpSpPr>
+      <p:sp>
+        <p:nvSpPr>
+          <p:cNvPr id="2" name="Title 1">
+            <a:extLst>
+              <a:ext uri="{FF2B5EF4-FFF2-40B4-BE49-F238E27FC236}">
+                <a16:creationId xmlns:a16="http://schemas.microsoft.com/office/drawing/2014/main" id="{3E6AE161-0EF9-E5F1-E908-771D168C2E2C}"/>
+              </a:ext>
+            </a:extLst>
+          </p:cNvPr>
+          <p:cNvSpPr>
+            <a:spLocks noGrp="1"/>
+          </p:cNvSpPr>
+          <p:nvPr>
+            <p:ph type="title"/>
+          </p:nvPr>
+        </p:nvSpPr>
+        <p:spPr/>
+        <p:txBody>
+          <a:bodyPr/>
+          <a:lstStyle/>
+          <a:p>
+            <a:r>
+              <a:rPr lang="en-US" noProof="0" dirty="0"/>
+              <a:t>Classification model: Cat or not cat?</a:t>
+            </a:r>
+          </a:p>
+        </p:txBody>
+      </p:sp>
+      <p:sp>
+        <p:nvSpPr>
+          <p:cNvPr id="3" name="Content Placeholder 2">
+            <a:extLst>
+              <a:ext uri="{FF2B5EF4-FFF2-40B4-BE49-F238E27FC236}">
+                <a16:creationId xmlns:a16="http://schemas.microsoft.com/office/drawing/2014/main" id="{5205A53C-AE87-FDA2-9FBA-953FB79DD4BC}"/>
+              </a:ext>
+            </a:extLst>
+          </p:cNvPr>
+          <p:cNvSpPr>
+            <a:spLocks noGrp="1"/>
+          </p:cNvSpPr>
+          <p:nvPr>
+            <p:ph idx="1"/>
+          </p:nvPr>
+        </p:nvSpPr>
+        <p:spPr/>
+        <p:txBody>
+          <a:bodyPr>
+            <a:normAutofit/>
+          </a:bodyPr>
+          <a:lstStyle/>
+          <a:p>
+            <a:r>
+              <a:rPr lang="en-US" noProof="0" dirty="0"/>
+              <a:t>This </a:t>
+            </a:r>
+            <a:r>
+              <a:rPr lang="en-US" noProof="0" dirty="0" err="1"/>
+              <a:t>powerpoint</a:t>
+            </a:r>
+            <a:r>
+              <a:rPr lang="en-US" noProof="0" dirty="0"/>
+              <a:t> uses the very bad “is it a cat or not a cat”-model</a:t>
+            </a:r>
+          </a:p>
+          <a:p>
+            <a:r>
+              <a:rPr lang="en-US" noProof="0" dirty="0"/>
+              <a:t>This is a bad model for 2 reasons:</a:t>
+            </a:r>
+          </a:p>
+          <a:p>
+            <a:pPr lvl="1"/>
+            <a:r>
+              <a:rPr lang="en-US" noProof="0" dirty="0"/>
+              <a:t>Cat or not cat is a deep learning model, where we are working with machine learning. The results of a machine learning model are the same though, but less graphical (a fraudulent transaction is nowhere near as cute as a cat).</a:t>
+            </a:r>
+          </a:p>
+          <a:p>
+            <a:pPr lvl="1"/>
+            <a:r>
+              <a:rPr lang="en-US" noProof="0" dirty="0"/>
+              <a:t>The model is awful. Any script-kiddy copying from </a:t>
+            </a:r>
+            <a:r>
+              <a:rPr lang="en-US" noProof="0" dirty="0" err="1"/>
+              <a:t>youtube</a:t>
+            </a:r>
+            <a:r>
+              <a:rPr lang="en-US" noProof="0" dirty="0"/>
+              <a:t> can make a better cat-dog model. The reason we work with such a bad model is because that makes it easier to align the results with the model. (0,9987 is less than 0,99978, but it easier to see the difference between 0,18 and 0,64)</a:t>
+            </a:r>
+          </a:p>
+        </p:txBody>
+      </p:sp>
+      <p:sp>
+        <p:nvSpPr>
+          <p:cNvPr id="4" name="Slide Number Placeholder 3">
+            <a:extLst>
+              <a:ext uri="{FF2B5EF4-FFF2-40B4-BE49-F238E27FC236}">
+                <a16:creationId xmlns:a16="http://schemas.microsoft.com/office/drawing/2014/main" id="{FDC7B83A-4819-767D-8FF8-F3DF8B61C60A}"/>
+              </a:ext>
+            </a:extLst>
+          </p:cNvPr>
+          <p:cNvSpPr>
+            <a:spLocks noGrp="1"/>
+          </p:cNvSpPr>
+          <p:nvPr>
+            <p:ph type="sldNum" sz="quarter" idx="12"/>
+          </p:nvPr>
+        </p:nvSpPr>
+        <p:spPr/>
+        <p:txBody>
+          <a:bodyPr/>
+          <a:lstStyle/>
+          <a:p>
+            <a:fld id="{FE1B3154-47D9-4402-8EDB-E791933DC0B9}" type="slidenum">
+              <a:rPr lang="nl-BE" smtClean="0"/>
+              <a:pPr/>
+              <a:t>6</a:t>
+            </a:fld>
+            <a:endParaRPr lang="nl-BE"/>
+          </a:p>
+        </p:txBody>
+      </p:sp>
+    </p:spTree>
+    <p:extLst>
+      <p:ext uri="{BB962C8B-B14F-4D97-AF65-F5344CB8AC3E}">
+        <p14:creationId xmlns:p14="http://schemas.microsoft.com/office/powerpoint/2010/main" val="3155842634"/>
+      </p:ext>
+    </p:extLst>
+  </p:cSld>
+  <p:clrMapOvr>
+    <a:masterClrMapping/>
+  </p:clrMapOvr>
+</p:sld>
+</file>
+
+<file path=ppt/slides/slide7.xml><?xml version="1.0" encoding="utf-8"?>
+<p:sld xmlns:a="http://schemas.openxmlformats.org/drawingml/2006/main" xmlns:r="http://schemas.openxmlformats.org/officeDocument/2006/relationships" xmlns:p="http://schemas.openxmlformats.org/presentationml/2006/main">
+  <p:cSld>
+    <p:spTree>
+      <p:nvGrpSpPr>
+        <p:cNvPr id="1" name=""/>
+        <p:cNvGrpSpPr/>
+        <p:nvPr/>
+      </p:nvGrpSpPr>
+      <p:grpSpPr>
+        <a:xfrm>
+          <a:off x="0" y="0"/>
+          <a:ext cx="0" cy="0"/>
+          <a:chOff x="0" y="0"/>
+          <a:chExt cx="0" cy="0"/>
+        </a:xfrm>
+      </p:grpSpPr>
+      <p:sp>
+        <p:nvSpPr>
+          <p:cNvPr id="2" name="Title 1">
+            <a:extLst>
+              <a:ext uri="{FF2B5EF4-FFF2-40B4-BE49-F238E27FC236}">
+                <a16:creationId xmlns:a16="http://schemas.microsoft.com/office/drawing/2014/main" id="{F1817124-A6ED-6A05-A263-3524E0DCE970}"/>
+              </a:ext>
+            </a:extLst>
+          </p:cNvPr>
+          <p:cNvSpPr>
+            <a:spLocks noGrp="1"/>
+          </p:cNvSpPr>
+          <p:nvPr>
+            <p:ph type="title"/>
+          </p:nvPr>
+        </p:nvSpPr>
+        <p:spPr/>
+        <p:txBody>
+          <a:bodyPr/>
+          <a:lstStyle/>
+          <a:p>
+            <a:r>
+              <a:rPr lang="en-US" dirty="0"/>
+              <a:t>Classification model quality</a:t>
+            </a:r>
+          </a:p>
+        </p:txBody>
+      </p:sp>
+      <p:sp>
+        <p:nvSpPr>
+          <p:cNvPr id="3" name="Content Placeholder 2">
+            <a:extLst>
+              <a:ext uri="{FF2B5EF4-FFF2-40B4-BE49-F238E27FC236}">
+                <a16:creationId xmlns:a16="http://schemas.microsoft.com/office/drawing/2014/main" id="{A6D6382F-845E-241B-C743-0567851C0932}"/>
+              </a:ext>
+            </a:extLst>
+          </p:cNvPr>
+          <p:cNvSpPr>
+            <a:spLocks noGrp="1"/>
+          </p:cNvSpPr>
+          <p:nvPr>
+            <p:ph idx="1"/>
+          </p:nvPr>
+        </p:nvSpPr>
+        <p:spPr>
+          <a:xfrm>
+            <a:off x="582704" y="1550894"/>
+            <a:ext cx="6187965" cy="4626069"/>
+          </a:xfrm>
+        </p:spPr>
+        <p:txBody>
+          <a:bodyPr>
+            <a:normAutofit/>
+          </a:bodyPr>
+          <a:lstStyle/>
+          <a:p>
+            <a:r>
+              <a:rPr lang="en-US" dirty="0"/>
+              <a:t>A confusion matrix shows the number…</a:t>
+            </a:r>
+          </a:p>
+          <a:p>
+            <a:pPr lvl="1"/>
+            <a:r>
+              <a:rPr lang="en-US" dirty="0">
+                <a:solidFill>
+                  <a:schemeClr val="accent6"/>
+                </a:solidFill>
+              </a:rPr>
+              <a:t>Of predicted cats that where cats</a:t>
+            </a:r>
+          </a:p>
+          <a:p>
+            <a:pPr lvl="1"/>
+            <a:r>
+              <a:rPr lang="en-US" dirty="0">
+                <a:solidFill>
+                  <a:srgbClr val="C00000"/>
+                </a:solidFill>
+              </a:rPr>
+              <a:t>Of predicted cats that where not cats</a:t>
+            </a:r>
+          </a:p>
+          <a:p>
+            <a:pPr lvl="1"/>
+            <a:r>
+              <a:rPr lang="en-US" dirty="0">
+                <a:solidFill>
+                  <a:srgbClr val="C00000"/>
+                </a:solidFill>
+              </a:rPr>
+              <a:t>Of predicted not cats that where cats</a:t>
+            </a:r>
+          </a:p>
+          <a:p>
+            <a:pPr lvl="1"/>
+            <a:r>
+              <a:rPr lang="en-US" dirty="0">
+                <a:solidFill>
+                  <a:schemeClr val="accent6"/>
+                </a:solidFill>
+              </a:rPr>
+              <a:t>Of predicted not cats that where not cats</a:t>
+            </a:r>
+          </a:p>
+          <a:p>
+            <a:r>
+              <a:rPr lang="en-US" dirty="0"/>
+              <a:t>Which gives you a lot of information, but what is better?</a:t>
+            </a:r>
+          </a:p>
+          <a:p>
+            <a:pPr lvl="1"/>
+            <a:r>
+              <a:rPr lang="en-US" dirty="0"/>
+              <a:t>A model that predicts to many cats</a:t>
+            </a:r>
+          </a:p>
+          <a:p>
+            <a:pPr lvl="1"/>
+            <a:r>
+              <a:rPr lang="en-US" dirty="0"/>
+              <a:t>A model that predicts to many not cats</a:t>
+            </a:r>
+          </a:p>
+          <a:p>
+            <a:pPr lvl="1"/>
+            <a:endParaRPr lang="en-US" dirty="0"/>
+          </a:p>
+          <a:p>
+            <a:pPr lvl="1"/>
+            <a:endParaRPr lang="en-US" dirty="0"/>
+          </a:p>
+          <a:p>
+            <a:pPr lvl="1"/>
+            <a:endParaRPr lang="en-US" dirty="0"/>
+          </a:p>
+          <a:p>
+            <a:pPr lvl="1"/>
+            <a:endParaRPr lang="en-US" dirty="0"/>
+          </a:p>
+        </p:txBody>
+      </p:sp>
+      <p:sp>
+        <p:nvSpPr>
+          <p:cNvPr id="4" name="Slide Number Placeholder 3">
+            <a:extLst>
+              <a:ext uri="{FF2B5EF4-FFF2-40B4-BE49-F238E27FC236}">
+                <a16:creationId xmlns:a16="http://schemas.microsoft.com/office/drawing/2014/main" id="{F4AC9B76-AF1B-EFDA-B66F-F6660C39CC8D}"/>
+              </a:ext>
+            </a:extLst>
+          </p:cNvPr>
+          <p:cNvSpPr>
+            <a:spLocks noGrp="1"/>
+          </p:cNvSpPr>
+          <p:nvPr>
+            <p:ph type="sldNum" sz="quarter" idx="12"/>
+          </p:nvPr>
+        </p:nvSpPr>
+        <p:spPr/>
+        <p:txBody>
+          <a:bodyPr/>
+          <a:lstStyle/>
+          <a:p>
+            <a:fld id="{FE1B3154-47D9-4402-8EDB-E791933DC0B9}" type="slidenum">
+              <a:rPr lang="nl-BE" smtClean="0"/>
+              <a:pPr/>
+              <a:t>7</a:t>
+            </a:fld>
+            <a:endParaRPr lang="nl-BE" dirty="0"/>
+          </a:p>
+        </p:txBody>
+      </p:sp>
+      <p:pic>
+        <p:nvPicPr>
+          <p:cNvPr id="7" name="Picture 6" descr="A chart with a purple arrow and text&#10;&#10;Description automatically generated">
+            <a:extLst>
+              <a:ext uri="{FF2B5EF4-FFF2-40B4-BE49-F238E27FC236}">
+                <a16:creationId xmlns:a16="http://schemas.microsoft.com/office/drawing/2014/main" id="{08E81624-25F0-C127-A4A6-3BD31D0AEA9E}"/>
+              </a:ext>
+            </a:extLst>
+          </p:cNvPr>
+          <p:cNvPicPr>
+            <a:picLocks noChangeAspect="1"/>
+          </p:cNvPicPr>
+          <p:nvPr/>
+        </p:nvPicPr>
+        <p:blipFill>
+          <a:blip r:embed="rId2">
+            <a:extLst>
+              <a:ext uri="{28A0092B-C50C-407E-A947-70E740481C1C}">
+                <a14:useLocalDpi xmlns:a14="http://schemas.microsoft.com/office/drawing/2010/main" val="0"/>
+              </a:ext>
+            </a:extLst>
+          </a:blip>
+          <a:stretch>
+            <a:fillRect/>
+          </a:stretch>
+        </p:blipFill>
+        <p:spPr>
+          <a:xfrm>
+            <a:off x="6723887" y="2677900"/>
+            <a:ext cx="5468113" cy="2372056"/>
+          </a:xfrm>
+          <a:prstGeom prst="rect">
+            <a:avLst/>
+          </a:prstGeom>
+        </p:spPr>
+      </p:pic>
+    </p:spTree>
+    <p:extLst>
+      <p:ext uri="{BB962C8B-B14F-4D97-AF65-F5344CB8AC3E}">
+        <p14:creationId xmlns:p14="http://schemas.microsoft.com/office/powerpoint/2010/main" val="3887446594"/>
+      </p:ext>
+    </p:extLst>
+  </p:cSld>
+  <p:clrMapOvr>
+    <a:masterClrMapping/>
+  </p:clrMapOvr>
+</p:sld>
+</file>
+
+<file path=ppt/slides/slide8.xml><?xml version="1.0" encoding="utf-8"?>
+<p:sld xmlns:a="http://schemas.openxmlformats.org/drawingml/2006/main" xmlns:r="http://schemas.openxmlformats.org/officeDocument/2006/relationships" xmlns:p="http://schemas.openxmlformats.org/presentationml/2006/main">
+  <p:cSld>
+    <p:spTree>
+      <p:nvGrpSpPr>
+        <p:cNvPr id="1" name=""/>
+        <p:cNvGrpSpPr/>
+        <p:nvPr/>
+      </p:nvGrpSpPr>
+      <p:grpSpPr>
+        <a:xfrm>
+          <a:off x="0" y="0"/>
+          <a:ext cx="0" cy="0"/>
+          <a:chOff x="0" y="0"/>
+          <a:chExt cx="0" cy="0"/>
+        </a:xfrm>
+      </p:grpSpPr>
+      <p:sp>
+        <p:nvSpPr>
+          <p:cNvPr id="2" name="Title 1">
+            <a:extLst>
+              <a:ext uri="{FF2B5EF4-FFF2-40B4-BE49-F238E27FC236}">
                 <a16:creationId xmlns:a16="http://schemas.microsoft.com/office/drawing/2014/main" id="{452F3189-91EE-10FF-F766-80749044198B}"/>
               </a:ext>
             </a:extLst>
@@ -6426,7 +8449,7 @@
             <a:fld id="{FE1B3154-47D9-4402-8EDB-E791933DC0B9}" type="slidenum">
               <a:rPr lang="nl-BE" smtClean="0"/>
               <a:pPr/>
-              <a:t>5</a:t>
+              <a:t>8</a:t>
             </a:fld>
             <a:endParaRPr lang="nl-BE"/>
           </a:p>
@@ -6706,25 +8729,41 @@
           </a:lstStyle>
           <a:p>
             <a:r>
-              <a:rPr lang="en-US" dirty="0"/>
+              <a:rPr lang="en-US" dirty="0">
+                <a:solidFill>
+                  <a:schemeClr val="accent6"/>
+                </a:solidFill>
+              </a:rPr>
               <a:t>True positive (TP) Predicted a cat and it was a cat</a:t>
             </a:r>
           </a:p>
           <a:p>
             <a:r>
-              <a:rPr lang="en-US" dirty="0"/>
+              <a:rPr lang="en-US" dirty="0">
+                <a:solidFill>
+                  <a:srgbClr val="C00000"/>
+                </a:solidFill>
+              </a:rPr>
               <a:t>False positive (FP) Predicted not a cat and it was a cat</a:t>
             </a:r>
           </a:p>
           <a:p>
             <a:r>
-              <a:rPr lang="en-US" dirty="0"/>
+              <a:rPr lang="en-US" dirty="0">
+                <a:solidFill>
+                  <a:srgbClr val="C00000"/>
+                </a:solidFill>
+              </a:rPr>
               <a:t>False negative (FN) Predicted a cat and it was not a cat</a:t>
             </a:r>
           </a:p>
           <a:p>
             <a:r>
-              <a:rPr lang="en-US" dirty="0"/>
+              <a:rPr lang="en-US" dirty="0">
+                <a:solidFill>
+                  <a:schemeClr val="accent6"/>
+                </a:solidFill>
+              </a:rPr>
               <a:t>True negative (TN) Predicted not a cat and it was not a cat</a:t>
             </a:r>
           </a:p>
@@ -6734,452 +8773,6 @@
     <p:extLst>
       <p:ext uri="{BB962C8B-B14F-4D97-AF65-F5344CB8AC3E}">
         <p14:creationId xmlns:p14="http://schemas.microsoft.com/office/powerpoint/2010/main" val="3332624057"/>
-      </p:ext>
-    </p:extLst>
-  </p:cSld>
-  <p:clrMapOvr>
-    <a:masterClrMapping/>
-  </p:clrMapOvr>
-</p:sld>
-</file>
-
-<file path=ppt/slides/slide6.xml><?xml version="1.0" encoding="utf-8"?>
-<p:sld xmlns:a="http://schemas.openxmlformats.org/drawingml/2006/main" xmlns:r="http://schemas.openxmlformats.org/officeDocument/2006/relationships" xmlns:p="http://schemas.openxmlformats.org/presentationml/2006/main">
-  <p:cSld>
-    <p:spTree>
-      <p:nvGrpSpPr>
-        <p:cNvPr id="1" name=""/>
-        <p:cNvGrpSpPr/>
-        <p:nvPr/>
-      </p:nvGrpSpPr>
-      <p:grpSpPr>
-        <a:xfrm>
-          <a:off x="0" y="0"/>
-          <a:ext cx="0" cy="0"/>
-          <a:chOff x="0" y="0"/>
-          <a:chExt cx="0" cy="0"/>
-        </a:xfrm>
-      </p:grpSpPr>
-      <p:sp>
-        <p:nvSpPr>
-          <p:cNvPr id="2" name="Title 1">
-            <a:extLst>
-              <a:ext uri="{FF2B5EF4-FFF2-40B4-BE49-F238E27FC236}">
-                <a16:creationId xmlns:a16="http://schemas.microsoft.com/office/drawing/2014/main" id="{DB2C110E-BE16-E4C0-7044-17874B0AFFB1}"/>
-              </a:ext>
-            </a:extLst>
-          </p:cNvPr>
-          <p:cNvSpPr>
-            <a:spLocks noGrp="1"/>
-          </p:cNvSpPr>
-          <p:nvPr>
-            <p:ph type="title"/>
-          </p:nvPr>
-        </p:nvSpPr>
-        <p:spPr/>
-        <p:txBody>
-          <a:bodyPr/>
-          <a:lstStyle/>
-          <a:p>
-            <a:r>
-              <a:rPr lang="en-US" noProof="0" dirty="0"/>
-              <a:t>Confusion matrix</a:t>
-            </a:r>
-          </a:p>
-        </p:txBody>
-      </p:sp>
-      <p:sp>
-        <p:nvSpPr>
-          <p:cNvPr id="3" name="Content Placeholder 2">
-            <a:extLst>
-              <a:ext uri="{FF2B5EF4-FFF2-40B4-BE49-F238E27FC236}">
-                <a16:creationId xmlns:a16="http://schemas.microsoft.com/office/drawing/2014/main" id="{A6F7B8F9-6E11-3686-9A5A-8E083AEE4449}"/>
-              </a:ext>
-            </a:extLst>
-          </p:cNvPr>
-          <p:cNvSpPr>
-            <a:spLocks noGrp="1"/>
-          </p:cNvSpPr>
-          <p:nvPr>
-            <p:ph idx="1"/>
-          </p:nvPr>
-        </p:nvSpPr>
-        <p:spPr>
-          <a:xfrm>
-            <a:off x="582705" y="3428999"/>
-            <a:ext cx="11291048" cy="2747963"/>
-          </a:xfrm>
-        </p:spPr>
-        <p:txBody>
-          <a:bodyPr/>
-          <a:lstStyle/>
-          <a:p>
-            <a:r>
-              <a:rPr lang="en-US" noProof="0" dirty="0"/>
-              <a:t>A confusion matrix sounds easy, but which of the above is the better model?</a:t>
-            </a:r>
-          </a:p>
-          <a:p>
-            <a:r>
-              <a:rPr lang="en-US" noProof="0" dirty="0"/>
-              <a:t>Left model got 92 images wrong, the one on the right only 81.</a:t>
-            </a:r>
-          </a:p>
-          <a:p>
-            <a:r>
-              <a:rPr lang="en-US" noProof="0" dirty="0"/>
-              <a:t>The one on the right also labels a lot of images as cats. Is that a problem?</a:t>
-            </a:r>
-          </a:p>
-        </p:txBody>
-      </p:sp>
-      <p:sp>
-        <p:nvSpPr>
-          <p:cNvPr id="4" name="Slide Number Placeholder 3">
-            <a:extLst>
-              <a:ext uri="{FF2B5EF4-FFF2-40B4-BE49-F238E27FC236}">
-                <a16:creationId xmlns:a16="http://schemas.microsoft.com/office/drawing/2014/main" id="{83DE08EF-DD06-D994-1AE8-C70BB3AC5DF0}"/>
-              </a:ext>
-            </a:extLst>
-          </p:cNvPr>
-          <p:cNvSpPr>
-            <a:spLocks noGrp="1"/>
-          </p:cNvSpPr>
-          <p:nvPr>
-            <p:ph type="sldNum" sz="quarter" idx="12"/>
-          </p:nvPr>
-        </p:nvSpPr>
-        <p:spPr/>
-        <p:txBody>
-          <a:bodyPr/>
-          <a:lstStyle/>
-          <a:p>
-            <a:fld id="{FE1B3154-47D9-4402-8EDB-E791933DC0B9}" type="slidenum">
-              <a:rPr lang="nl-BE" smtClean="0"/>
-              <a:pPr/>
-              <a:t>6</a:t>
-            </a:fld>
-            <a:endParaRPr lang="nl-BE"/>
-          </a:p>
-        </p:txBody>
-      </p:sp>
-      <p:pic>
-        <p:nvPicPr>
-          <p:cNvPr id="6" name="Picture 5" descr="A close-up of a chart&#10;&#10;Description automatically generated">
-            <a:extLst>
-              <a:ext uri="{FF2B5EF4-FFF2-40B4-BE49-F238E27FC236}">
-                <a16:creationId xmlns:a16="http://schemas.microsoft.com/office/drawing/2014/main" id="{8E3901E6-4FEF-1460-976D-EC78473C03F9}"/>
-              </a:ext>
-            </a:extLst>
-          </p:cNvPr>
-          <p:cNvPicPr>
-            <a:picLocks noChangeAspect="1"/>
-          </p:cNvPicPr>
-          <p:nvPr/>
-        </p:nvPicPr>
-        <p:blipFill>
-          <a:blip r:embed="rId2">
-            <a:extLst>
-              <a:ext uri="{28A0092B-C50C-407E-A947-70E740481C1C}">
-                <a14:useLocalDpi xmlns:a14="http://schemas.microsoft.com/office/drawing/2010/main" val="0"/>
-              </a:ext>
-            </a:extLst>
-          </a:blip>
-          <a:stretch>
-            <a:fillRect/>
-          </a:stretch>
-        </p:blipFill>
-        <p:spPr>
-          <a:xfrm>
-            <a:off x="2571258" y="1579525"/>
-            <a:ext cx="7049484" cy="1667108"/>
-          </a:xfrm>
-          <a:prstGeom prst="rect">
-            <a:avLst/>
-          </a:prstGeom>
-        </p:spPr>
-      </p:pic>
-    </p:spTree>
-    <p:extLst>
-      <p:ext uri="{BB962C8B-B14F-4D97-AF65-F5344CB8AC3E}">
-        <p14:creationId xmlns:p14="http://schemas.microsoft.com/office/powerpoint/2010/main" val="963663426"/>
-      </p:ext>
-    </p:extLst>
-  </p:cSld>
-  <p:clrMapOvr>
-    <a:masterClrMapping/>
-  </p:clrMapOvr>
-</p:sld>
-</file>
-
-<file path=ppt/slides/slide7.xml><?xml version="1.0" encoding="utf-8"?>
-<p:sld xmlns:a="http://schemas.openxmlformats.org/drawingml/2006/main" xmlns:r="http://schemas.openxmlformats.org/officeDocument/2006/relationships" xmlns:p="http://schemas.openxmlformats.org/presentationml/2006/main">
-  <p:cSld>
-    <p:spTree>
-      <p:nvGrpSpPr>
-        <p:cNvPr id="1" name=""/>
-        <p:cNvGrpSpPr/>
-        <p:nvPr/>
-      </p:nvGrpSpPr>
-      <p:grpSpPr>
-        <a:xfrm>
-          <a:off x="0" y="0"/>
-          <a:ext cx="0" cy="0"/>
-          <a:chOff x="0" y="0"/>
-          <a:chExt cx="0" cy="0"/>
-        </a:xfrm>
-      </p:grpSpPr>
-      <p:sp>
-        <p:nvSpPr>
-          <p:cNvPr id="2" name="Title 1">
-            <a:extLst>
-              <a:ext uri="{FF2B5EF4-FFF2-40B4-BE49-F238E27FC236}">
-                <a16:creationId xmlns:a16="http://schemas.microsoft.com/office/drawing/2014/main" id="{57D9A6A8-1450-E971-CF1C-5DD0BE928E1F}"/>
-              </a:ext>
-            </a:extLst>
-          </p:cNvPr>
-          <p:cNvSpPr>
-            <a:spLocks noGrp="1"/>
-          </p:cNvSpPr>
-          <p:nvPr>
-            <p:ph type="title"/>
-          </p:nvPr>
-        </p:nvSpPr>
-        <p:spPr/>
-        <p:txBody>
-          <a:bodyPr/>
-          <a:lstStyle/>
-          <a:p>
-            <a:r>
-              <a:rPr lang="en-US" noProof="0" dirty="0"/>
-              <a:t>Sensitivity</a:t>
-            </a:r>
-          </a:p>
-        </p:txBody>
-      </p:sp>
-      <p:sp>
-        <p:nvSpPr>
-          <p:cNvPr id="3" name="Content Placeholder 2">
-            <a:extLst>
-              <a:ext uri="{FF2B5EF4-FFF2-40B4-BE49-F238E27FC236}">
-                <a16:creationId xmlns:a16="http://schemas.microsoft.com/office/drawing/2014/main" id="{F536E007-F9B3-D41D-9EC6-BE2CC7312B53}"/>
-              </a:ext>
-            </a:extLst>
-          </p:cNvPr>
-          <p:cNvSpPr>
-            <a:spLocks noGrp="1"/>
-          </p:cNvSpPr>
-          <p:nvPr>
-            <p:ph idx="1"/>
-          </p:nvPr>
-        </p:nvSpPr>
-        <p:spPr/>
-        <p:txBody>
-          <a:bodyPr/>
-          <a:lstStyle/>
-          <a:p>
-            <a:r>
-              <a:rPr lang="en-US" noProof="0" dirty="0"/>
-              <a:t>Sensitivity measures the proportion of actual positive instances that are correctly identified by the model.</a:t>
-            </a:r>
-          </a:p>
-          <a:p>
-            <a:r>
-              <a:rPr lang="en-US" noProof="0" dirty="0"/>
-              <a:t>Sensitivity = TP / (TP + FN)</a:t>
-            </a:r>
-          </a:p>
-          <a:p>
-            <a:r>
-              <a:rPr lang="en-US" noProof="0" dirty="0"/>
-              <a:t>High sensitivity: model is good at identifying positive instances</a:t>
-            </a:r>
-          </a:p>
-          <a:p>
-            <a:r>
-              <a:rPr lang="en-US" noProof="0" dirty="0"/>
-              <a:t>Example: in a medical setting low FN is important as it’s better to have received treatment for an illness you don’t have that to not have treatment for an illness you do have.</a:t>
-            </a:r>
-          </a:p>
-        </p:txBody>
-      </p:sp>
-      <p:sp>
-        <p:nvSpPr>
-          <p:cNvPr id="4" name="Slide Number Placeholder 3">
-            <a:extLst>
-              <a:ext uri="{FF2B5EF4-FFF2-40B4-BE49-F238E27FC236}">
-                <a16:creationId xmlns:a16="http://schemas.microsoft.com/office/drawing/2014/main" id="{74C4632F-B7AA-558D-BEE3-E4FA2CBBCF3A}"/>
-              </a:ext>
-            </a:extLst>
-          </p:cNvPr>
-          <p:cNvSpPr>
-            <a:spLocks noGrp="1"/>
-          </p:cNvSpPr>
-          <p:nvPr>
-            <p:ph type="sldNum" sz="quarter" idx="12"/>
-          </p:nvPr>
-        </p:nvSpPr>
-        <p:spPr/>
-        <p:txBody>
-          <a:bodyPr/>
-          <a:lstStyle/>
-          <a:p>
-            <a:fld id="{FE1B3154-47D9-4402-8EDB-E791933DC0B9}" type="slidenum">
-              <a:rPr lang="nl-BE" smtClean="0"/>
-              <a:pPr/>
-              <a:t>7</a:t>
-            </a:fld>
-            <a:endParaRPr lang="nl-BE"/>
-          </a:p>
-        </p:txBody>
-      </p:sp>
-    </p:spTree>
-    <p:extLst>
-      <p:ext uri="{BB962C8B-B14F-4D97-AF65-F5344CB8AC3E}">
-        <p14:creationId xmlns:p14="http://schemas.microsoft.com/office/powerpoint/2010/main" val="3436903314"/>
-      </p:ext>
-    </p:extLst>
-  </p:cSld>
-  <p:clrMapOvr>
-    <a:masterClrMapping/>
-  </p:clrMapOvr>
-</p:sld>
-</file>
-
-<file path=ppt/slides/slide8.xml><?xml version="1.0" encoding="utf-8"?>
-<p:sld xmlns:a="http://schemas.openxmlformats.org/drawingml/2006/main" xmlns:r="http://schemas.openxmlformats.org/officeDocument/2006/relationships" xmlns:p="http://schemas.openxmlformats.org/presentationml/2006/main">
-  <p:cSld>
-    <p:spTree>
-      <p:nvGrpSpPr>
-        <p:cNvPr id="1" name=""/>
-        <p:cNvGrpSpPr/>
-        <p:nvPr/>
-      </p:nvGrpSpPr>
-      <p:grpSpPr>
-        <a:xfrm>
-          <a:off x="0" y="0"/>
-          <a:ext cx="0" cy="0"/>
-          <a:chOff x="0" y="0"/>
-          <a:chExt cx="0" cy="0"/>
-        </a:xfrm>
-      </p:grpSpPr>
-      <p:sp>
-        <p:nvSpPr>
-          <p:cNvPr id="2" name="Title 1">
-            <a:extLst>
-              <a:ext uri="{FF2B5EF4-FFF2-40B4-BE49-F238E27FC236}">
-                <a16:creationId xmlns:a16="http://schemas.microsoft.com/office/drawing/2014/main" id="{E6A1CEE7-7579-5228-6F1A-E4B7EA08E11D}"/>
-              </a:ext>
-            </a:extLst>
-          </p:cNvPr>
-          <p:cNvSpPr>
-            <a:spLocks noGrp="1"/>
-          </p:cNvSpPr>
-          <p:nvPr>
-            <p:ph type="title"/>
-          </p:nvPr>
-        </p:nvSpPr>
-        <p:spPr/>
-        <p:txBody>
-          <a:bodyPr/>
-          <a:lstStyle/>
-          <a:p>
-            <a:r>
-              <a:rPr lang="en-US" dirty="0"/>
-              <a:t>Specificity</a:t>
-            </a:r>
-            <a:endParaRPr lang="en-BE" dirty="0"/>
-          </a:p>
-        </p:txBody>
-      </p:sp>
-      <p:sp>
-        <p:nvSpPr>
-          <p:cNvPr id="3" name="Content Placeholder 2">
-            <a:extLst>
-              <a:ext uri="{FF2B5EF4-FFF2-40B4-BE49-F238E27FC236}">
-                <a16:creationId xmlns:a16="http://schemas.microsoft.com/office/drawing/2014/main" id="{A5D15E2F-55A9-F791-482E-6A1C20F26E23}"/>
-              </a:ext>
-            </a:extLst>
-          </p:cNvPr>
-          <p:cNvSpPr>
-            <a:spLocks noGrp="1"/>
-          </p:cNvSpPr>
-          <p:nvPr>
-            <p:ph idx="1"/>
-          </p:nvPr>
-        </p:nvSpPr>
-        <p:spPr/>
-        <p:txBody>
-          <a:bodyPr/>
-          <a:lstStyle/>
-          <a:p>
-            <a:r>
-              <a:rPr lang="en-US" dirty="0"/>
-              <a:t>True negative rate, the opposite of sensitivity</a:t>
-            </a:r>
-          </a:p>
-          <a:p>
-            <a:r>
-              <a:rPr lang="en-US" dirty="0"/>
-              <a:t>Specificity = TN / (TN + FP)</a:t>
-            </a:r>
-          </a:p>
-          <a:p>
-            <a:r>
-              <a:rPr lang="en-US" dirty="0"/>
-              <a:t>High specificity: model is good at finding negative instances</a:t>
-            </a:r>
-          </a:p>
-          <a:p>
-            <a:r>
-              <a:rPr lang="en-US" dirty="0"/>
-              <a:t>Example: In a security-system high </a:t>
-            </a:r>
-            <a:r>
-              <a:rPr lang="en-US" dirty="0" err="1"/>
-              <a:t>specifity</a:t>
-            </a:r>
-            <a:r>
-              <a:rPr lang="en-US" dirty="0"/>
-              <a:t> will keep down the false alarms</a:t>
-            </a:r>
-          </a:p>
-        </p:txBody>
-      </p:sp>
-      <p:sp>
-        <p:nvSpPr>
-          <p:cNvPr id="4" name="Slide Number Placeholder 3">
-            <a:extLst>
-              <a:ext uri="{FF2B5EF4-FFF2-40B4-BE49-F238E27FC236}">
-                <a16:creationId xmlns:a16="http://schemas.microsoft.com/office/drawing/2014/main" id="{FF700763-7816-8F01-2008-F770026678E7}"/>
-              </a:ext>
-            </a:extLst>
-          </p:cNvPr>
-          <p:cNvSpPr>
-            <a:spLocks noGrp="1"/>
-          </p:cNvSpPr>
-          <p:nvPr>
-            <p:ph type="sldNum" sz="quarter" idx="12"/>
-          </p:nvPr>
-        </p:nvSpPr>
-        <p:spPr/>
-        <p:txBody>
-          <a:bodyPr/>
-          <a:lstStyle/>
-          <a:p>
-            <a:fld id="{FE1B3154-47D9-4402-8EDB-E791933DC0B9}" type="slidenum">
-              <a:rPr lang="nl-BE" smtClean="0"/>
-              <a:pPr/>
-              <a:t>8</a:t>
-            </a:fld>
-            <a:endParaRPr lang="nl-BE"/>
-          </a:p>
-        </p:txBody>
-      </p:sp>
-    </p:spTree>
-    <p:extLst>
-      <p:ext uri="{BB962C8B-B14F-4D97-AF65-F5344CB8AC3E}">
-        <p14:creationId xmlns:p14="http://schemas.microsoft.com/office/powerpoint/2010/main" val="618549634"/>
       </p:ext>
     </p:extLst>
   </p:cSld>
@@ -7211,7 +8804,7 @@
           <p:cNvPr id="2" name="Title 1">
             <a:extLst>
               <a:ext uri="{FF2B5EF4-FFF2-40B4-BE49-F238E27FC236}">
-                <a16:creationId xmlns:a16="http://schemas.microsoft.com/office/drawing/2014/main" id="{308769E7-FCD7-C9A8-280C-E9A3FF039CB5}"/>
+                <a16:creationId xmlns:a16="http://schemas.microsoft.com/office/drawing/2014/main" id="{DB2C110E-BE16-E4C0-7044-17874B0AFFB1}"/>
               </a:ext>
             </a:extLst>
           </p:cNvPr>
@@ -7228,10 +8821,9 @@
           <a:lstStyle/>
           <a:p>
             <a:r>
-              <a:rPr lang="en-US" dirty="0"/>
-              <a:t>Thresholds</a:t>
-            </a:r>
-            <a:endParaRPr lang="en-BE" dirty="0"/>
+              <a:rPr lang="en-US" noProof="0" dirty="0"/>
+              <a:t>Confusion matrix</a:t>
+            </a:r>
           </a:p>
         </p:txBody>
       </p:sp>
@@ -7240,7 +8832,7 @@
           <p:cNvPr id="3" name="Content Placeholder 2">
             <a:extLst>
               <a:ext uri="{FF2B5EF4-FFF2-40B4-BE49-F238E27FC236}">
-                <a16:creationId xmlns:a16="http://schemas.microsoft.com/office/drawing/2014/main" id="{5C8A3F3C-4A29-49F1-8308-A030F6FA249F}"/>
+                <a16:creationId xmlns:a16="http://schemas.microsoft.com/office/drawing/2014/main" id="{A6F7B8F9-6E11-3686-9A5A-8E083AEE4449}"/>
               </a:ext>
             </a:extLst>
           </p:cNvPr>
@@ -7251,48 +8843,39 @@
             <p:ph idx="1"/>
           </p:nvPr>
         </p:nvSpPr>
-        <p:spPr/>
+        <p:spPr>
+          <a:xfrm>
+            <a:off x="582705" y="3428999"/>
+            <a:ext cx="11291048" cy="2747963"/>
+          </a:xfrm>
+        </p:spPr>
         <p:txBody>
           <a:bodyPr>
-            <a:normAutofit fontScale="92500"/>
+            <a:normAutofit lnSpcReduction="10000"/>
           </a:bodyPr>
           <a:lstStyle/>
           <a:p>
             <a:r>
-              <a:rPr lang="en-US" dirty="0"/>
-              <a:t>Basic models (decision trees, random forests, …) return a binary classifier. More advanced models (</a:t>
-            </a:r>
-            <a:r>
-              <a:rPr lang="en-US" dirty="0" err="1"/>
-              <a:t>XGBoost</a:t>
-            </a:r>
-            <a:r>
-              <a:rPr lang="en-US" dirty="0"/>
-              <a:t>, linear learner, …) tend to give a probability</a:t>
-            </a:r>
-          </a:p>
-          <a:p>
-            <a:r>
-              <a:rPr lang="en-US" dirty="0"/>
-              <a:t>Example:</a:t>
-            </a:r>
-          </a:p>
-          <a:p>
-            <a:endParaRPr lang="en-US" dirty="0"/>
-          </a:p>
-          <a:p>
-            <a:endParaRPr lang="en-US" dirty="0"/>
-          </a:p>
-          <a:p>
-            <a:r>
-              <a:rPr lang="en-US" dirty="0"/>
-              <a:t>You may state an animal is a cat if the probability of “cat” is higher than all other animals. But what if we upload a bus an cat is 0,00021% and dog is 0,00018%?</a:t>
-            </a:r>
-          </a:p>
-          <a:p>
-            <a:r>
-              <a:rPr lang="en-US" dirty="0"/>
-              <a:t>Changing the thresholds is an easy way of changing sensitivity and specificity. Could we make a graph of the different settings to choose the best one?</a:t>
+              <a:rPr lang="en-US" noProof="0" dirty="0"/>
+              <a:t>A confusion matrix sounds easy, but which of the above is the better model?</a:t>
+            </a:r>
+          </a:p>
+          <a:p>
+            <a:r>
+              <a:rPr lang="en-US" noProof="0" dirty="0"/>
+              <a:t>Left model got 92 images wrong, the one on the right only 81.</a:t>
+            </a:r>
+          </a:p>
+          <a:p>
+            <a:r>
+              <a:rPr lang="en-US" noProof="0" dirty="0"/>
+              <a:t>The one on the right also labels a lot of images as cats. Is that a problem?</a:t>
+            </a:r>
+          </a:p>
+          <a:p>
+            <a:r>
+              <a:rPr lang="en-US" dirty="0"/>
+              <a:t>The solution: you do calculations using TP, TN, FP and FN and compare these numbers</a:t>
             </a:r>
           </a:p>
         </p:txBody>
@@ -7302,7 +8885,7 @@
           <p:cNvPr id="4" name="Slide Number Placeholder 3">
             <a:extLst>
               <a:ext uri="{FF2B5EF4-FFF2-40B4-BE49-F238E27FC236}">
-                <a16:creationId xmlns:a16="http://schemas.microsoft.com/office/drawing/2014/main" id="{9AFE9974-BE59-F426-4022-D9C39B2F268F}"/>
+                <a16:creationId xmlns:a16="http://schemas.microsoft.com/office/drawing/2014/main" id="{83DE08EF-DD06-D994-1AE8-C70BB3AC5DF0}"/>
               </a:ext>
             </a:extLst>
           </p:cNvPr>
@@ -7329,10 +8912,10 @@
       </p:sp>
       <p:pic>
         <p:nvPicPr>
-          <p:cNvPr id="6" name="Picture 5">
+          <p:cNvPr id="6" name="Picture 5" descr="A close-up of a chart&#10;&#10;Description automatically generated">
             <a:extLst>
               <a:ext uri="{FF2B5EF4-FFF2-40B4-BE49-F238E27FC236}">
-                <a16:creationId xmlns:a16="http://schemas.microsoft.com/office/drawing/2014/main" id="{926ECD8F-7F12-0022-B089-FA1F911A26D9}"/>
+                <a16:creationId xmlns:a16="http://schemas.microsoft.com/office/drawing/2014/main" id="{8E3901E6-4FEF-1460-976D-EC78473C03F9}"/>
               </a:ext>
             </a:extLst>
           </p:cNvPr>
@@ -7342,15 +8925,21 @@
           <p:nvPr/>
         </p:nvPicPr>
         <p:blipFill>
-          <a:blip r:embed="rId2"/>
+          <a:blip r:embed="rId2">
+            <a:extLst>
+              <a:ext uri="{28A0092B-C50C-407E-A947-70E740481C1C}">
+                <a14:useLocalDpi xmlns:a14="http://schemas.microsoft.com/office/drawing/2010/main" val="0"/>
+              </a:ext>
+            </a:extLst>
+          </a:blip>
           <a:stretch>
             <a:fillRect/>
           </a:stretch>
         </p:blipFill>
         <p:spPr>
           <a:xfrm>
-            <a:off x="2484133" y="2480187"/>
-            <a:ext cx="1481636" cy="1310977"/>
+            <a:off x="2571258" y="1579525"/>
+            <a:ext cx="7049484" cy="1667108"/>
           </a:xfrm>
           <a:prstGeom prst="rect">
             <a:avLst/>
@@ -7360,7 +8949,7 @@
     </p:spTree>
     <p:extLst>
       <p:ext uri="{BB962C8B-B14F-4D97-AF65-F5344CB8AC3E}">
-        <p14:creationId xmlns:p14="http://schemas.microsoft.com/office/powerpoint/2010/main" val="704414762"/>
+        <p14:creationId xmlns:p14="http://schemas.microsoft.com/office/powerpoint/2010/main" val="963663426"/>
       </p:ext>
     </p:extLst>
   </p:cSld>

--- a/ppts/5 - Model quality.pptx
+++ b/ppts/5 - Model quality.pptx
@@ -4185,7 +4185,7 @@
           <a:p>
             <a:fld id="{15E4F5CE-CB34-4A0C-9595-867A2C0DB20E}" type="datetimeFigureOut">
               <a:rPr lang="nl-BE" smtClean="0"/>
-              <a:t>8/05/2025</a:t>
+              <a:t>15/05/2025</a:t>
             </a:fld>
             <a:endParaRPr lang="nl-BE"/>
           </a:p>
@@ -4362,7 +4362,7 @@
           <a:p>
             <a:fld id="{4D53584B-980D-4F7D-BA36-682FCDF648BB}" type="datetimeFigureOut">
               <a:rPr lang="nl-BE" smtClean="0"/>
-              <a:t>8/05/2025</a:t>
+              <a:t>15/05/2025</a:t>
             </a:fld>
             <a:endParaRPr lang="nl-BE"/>
           </a:p>
@@ -4986,7 +4986,7 @@
           <a:p>
             <a:fld id="{F456E141-11F1-487F-A892-18B8A63336C7}" type="datetime1">
               <a:rPr lang="nl-BE" smtClean="0"/>
-              <a:t>8/05/2025</a:t>
+              <a:t>15/05/2025</a:t>
             </a:fld>
             <a:endParaRPr lang="nl-BE"/>
           </a:p>
@@ -5302,7 +5302,7 @@
           <a:p>
             <a:fld id="{85CAFD92-94F2-4CD0-8A1D-AA3295115CEC}" type="datetime1">
               <a:rPr lang="nl-BE" smtClean="0"/>
-              <a:t>8/05/2025</a:t>
+              <a:t>15/05/2025</a:t>
             </a:fld>
             <a:endParaRPr lang="nl-BE"/>
           </a:p>
@@ -5482,7 +5482,7 @@
           <a:p>
             <a:fld id="{02B84EFA-B363-4043-A12E-44B39EC7D05B}" type="datetime1">
               <a:rPr lang="nl-BE" smtClean="0"/>
-              <a:t>8/05/2025</a:t>
+              <a:t>15/05/2025</a:t>
             </a:fld>
             <a:endParaRPr lang="nl-BE"/>
           </a:p>
@@ -5681,7 +5681,7 @@
           <a:p>
             <a:fld id="{B7AA89A6-C9B9-4556-BC9E-5E3CF3322A33}" type="datetime1">
               <a:rPr lang="nl-BE" smtClean="0"/>
-              <a:t>8/05/2025</a:t>
+              <a:t>15/05/2025</a:t>
             </a:fld>
             <a:endParaRPr lang="nl-BE"/>
           </a:p>
@@ -5932,7 +5932,7 @@
           <a:p>
             <a:fld id="{6CEB42D4-4FBB-465F-AE58-8ADBDBF671C8}" type="datetime1">
               <a:rPr lang="nl-BE" smtClean="0"/>
-              <a:t>8/05/2025</a:t>
+              <a:t>15/05/2025</a:t>
             </a:fld>
             <a:endParaRPr lang="nl-BE"/>
           </a:p>
@@ -6164,7 +6164,7 @@
           <a:p>
             <a:fld id="{64B405D5-C0FD-42E0-9EB1-2670F471B7BB}" type="datetime1">
               <a:rPr lang="nl-BE" smtClean="0"/>
-              <a:t>8/05/2025</a:t>
+              <a:t>15/05/2025</a:t>
             </a:fld>
             <a:endParaRPr lang="nl-BE"/>
           </a:p>
@@ -6531,7 +6531,7 @@
           <a:p>
             <a:fld id="{4CB55C39-C031-448F-A58F-CA88F7B6F786}" type="datetime1">
               <a:rPr lang="nl-BE" smtClean="0"/>
-              <a:t>8/05/2025</a:t>
+              <a:t>15/05/2025</a:t>
             </a:fld>
             <a:endParaRPr lang="nl-BE"/>
           </a:p>
@@ -6649,7 +6649,7 @@
           <a:p>
             <a:fld id="{E29307F5-1DF0-4FFF-91A4-1E1A6A26A94A}" type="datetime1">
               <a:rPr lang="nl-BE" smtClean="0"/>
-              <a:t>8/05/2025</a:t>
+              <a:t>15/05/2025</a:t>
             </a:fld>
             <a:endParaRPr lang="nl-BE"/>
           </a:p>
@@ -6744,7 +6744,7 @@
           <a:p>
             <a:fld id="{00A9168B-A159-4E9D-A6C6-C6786C6AB2EB}" type="datetime1">
               <a:rPr lang="nl-BE" smtClean="0"/>
-              <a:t>8/05/2025</a:t>
+              <a:t>15/05/2025</a:t>
             </a:fld>
             <a:endParaRPr lang="nl-BE"/>
           </a:p>
@@ -7021,7 +7021,7 @@
           <a:p>
             <a:fld id="{E9D22159-AF82-4D23-BC06-D4277BDD9BAD}" type="datetime1">
               <a:rPr lang="nl-BE" smtClean="0"/>
-              <a:t>8/05/2025</a:t>
+              <a:t>15/05/2025</a:t>
             </a:fld>
             <a:endParaRPr lang="nl-BE"/>
           </a:p>
@@ -7274,7 +7274,7 @@
           <a:p>
             <a:fld id="{D08A7014-C292-4E4F-926C-1A31F538B52A}" type="datetime1">
               <a:rPr lang="nl-BE" smtClean="0"/>
-              <a:t>8/05/2025</a:t>
+              <a:t>15/05/2025</a:t>
             </a:fld>
             <a:endParaRPr lang="nl-BE"/>
           </a:p>
@@ -7487,7 +7487,7 @@
           <a:p>
             <a:fld id="{E9CC7161-F687-474C-905A-3CCBBA535086}" type="datetime1">
               <a:rPr lang="nl-BE" smtClean="0"/>
-              <a:t>8/05/2025</a:t>
+              <a:t>15/05/2025</a:t>
             </a:fld>
             <a:endParaRPr lang="nl-BE"/>
           </a:p>
@@ -8820,9 +8820,9 @@
               <a:rPr lang="en-US" dirty="0"/>
               <a:t>FN: It’s a cat but it’s exterminated</a:t>
             </a:r>
-          </a:p>
-          <a:p>
-            <a:pPr lvl="1"/>
+            <a:br>
+              <a:rPr lang="en-US" dirty="0"/>
+            </a:br>
             <a:r>
               <a:rPr lang="en-US" dirty="0"/>
               <a:t>(can’t be undone, should be avoided)</a:t>
@@ -9400,9 +9400,9 @@
               <a:rPr lang="en-US" dirty="0"/>
               <a:t>FN: It’s safe but it’s exterminated</a:t>
             </a:r>
-          </a:p>
-          <a:p>
-            <a:pPr lvl="1"/>
+            <a:br>
+              <a:rPr lang="en-US" dirty="0"/>
+            </a:br>
             <a:r>
               <a:rPr lang="en-US" dirty="0"/>
               <a:t>(a pity, but you live to see another day)</a:t>
@@ -11730,7 +11730,7 @@
         </p:blipFill>
         <p:spPr>
           <a:xfrm>
-            <a:off x="582705" y="3101526"/>
+            <a:off x="582705" y="3183822"/>
             <a:ext cx="7246382" cy="3437386"/>
           </a:xfrm>
           <a:prstGeom prst="rect">

--- a/ppts/5 - Model quality.pptx
+++ b/ppts/5 - Model quality.pptx
@@ -5,10 +5,10 @@
     <p:sldMasterId id="2147483648" r:id="rId1"/>
   </p:sldMasterIdLst>
   <p:notesMasterIdLst>
-    <p:notesMasterId r:id="rId35"/>
+    <p:notesMasterId r:id="rId37"/>
   </p:notesMasterIdLst>
   <p:handoutMasterIdLst>
-    <p:handoutMasterId r:id="rId36"/>
+    <p:handoutMasterId r:id="rId38"/>
   </p:handoutMasterIdLst>
   <p:sldIdLst>
     <p:sldId id="256" r:id="rId2"/>
@@ -37,18 +37,20 @@
     <p:sldId id="277" r:id="rId25"/>
     <p:sldId id="292" r:id="rId26"/>
     <p:sldId id="278" r:id="rId27"/>
-    <p:sldId id="299" r:id="rId28"/>
-    <p:sldId id="279" r:id="rId29"/>
-    <p:sldId id="300" r:id="rId30"/>
-    <p:sldId id="280" r:id="rId31"/>
-    <p:sldId id="301" r:id="rId32"/>
-    <p:sldId id="282" r:id="rId33"/>
-    <p:sldId id="264" r:id="rId34"/>
+    <p:sldId id="303" r:id="rId28"/>
+    <p:sldId id="302" r:id="rId29"/>
+    <p:sldId id="299" r:id="rId30"/>
+    <p:sldId id="279" r:id="rId31"/>
+    <p:sldId id="300" r:id="rId32"/>
+    <p:sldId id="280" r:id="rId33"/>
+    <p:sldId id="301" r:id="rId34"/>
+    <p:sldId id="282" r:id="rId35"/>
+    <p:sldId id="264" r:id="rId36"/>
   </p:sldIdLst>
   <p:sldSz cx="12192000" cy="6858000"/>
   <p:notesSz cx="6858000" cy="9144000"/>
   <p:custDataLst>
-    <p:tags r:id="rId37"/>
+    <p:tags r:id="rId39"/>
   </p:custDataLst>
   <p:defaultTextStyle>
     <a:defPPr>
@@ -4185,7 +4187,7 @@
           <a:p>
             <a:fld id="{15E4F5CE-CB34-4A0C-9595-867A2C0DB20E}" type="datetimeFigureOut">
               <a:rPr lang="nl-BE" smtClean="0"/>
-              <a:t>15/05/2025</a:t>
+              <a:t>19/05/2025</a:t>
             </a:fld>
             <a:endParaRPr lang="nl-BE"/>
           </a:p>
@@ -4362,7 +4364,7 @@
           <a:p>
             <a:fld id="{4D53584B-980D-4F7D-BA36-682FCDF648BB}" type="datetimeFigureOut">
               <a:rPr lang="nl-BE" smtClean="0"/>
-              <a:t>15/05/2025</a:t>
+              <a:t>19/05/2025</a:t>
             </a:fld>
             <a:endParaRPr lang="nl-BE"/>
           </a:p>
@@ -4986,7 +4988,7 @@
           <a:p>
             <a:fld id="{F456E141-11F1-487F-A892-18B8A63336C7}" type="datetime1">
               <a:rPr lang="nl-BE" smtClean="0"/>
-              <a:t>15/05/2025</a:t>
+              <a:t>19/05/2025</a:t>
             </a:fld>
             <a:endParaRPr lang="nl-BE"/>
           </a:p>
@@ -5302,7 +5304,7 @@
           <a:p>
             <a:fld id="{85CAFD92-94F2-4CD0-8A1D-AA3295115CEC}" type="datetime1">
               <a:rPr lang="nl-BE" smtClean="0"/>
-              <a:t>15/05/2025</a:t>
+              <a:t>19/05/2025</a:t>
             </a:fld>
             <a:endParaRPr lang="nl-BE"/>
           </a:p>
@@ -5482,7 +5484,7 @@
           <a:p>
             <a:fld id="{02B84EFA-B363-4043-A12E-44B39EC7D05B}" type="datetime1">
               <a:rPr lang="nl-BE" smtClean="0"/>
-              <a:t>15/05/2025</a:t>
+              <a:t>19/05/2025</a:t>
             </a:fld>
             <a:endParaRPr lang="nl-BE"/>
           </a:p>
@@ -5681,7 +5683,7 @@
           <a:p>
             <a:fld id="{B7AA89A6-C9B9-4556-BC9E-5E3CF3322A33}" type="datetime1">
               <a:rPr lang="nl-BE" smtClean="0"/>
-              <a:t>15/05/2025</a:t>
+              <a:t>19/05/2025</a:t>
             </a:fld>
             <a:endParaRPr lang="nl-BE"/>
           </a:p>
@@ -5932,7 +5934,7 @@
           <a:p>
             <a:fld id="{6CEB42D4-4FBB-465F-AE58-8ADBDBF671C8}" type="datetime1">
               <a:rPr lang="nl-BE" smtClean="0"/>
-              <a:t>15/05/2025</a:t>
+              <a:t>19/05/2025</a:t>
             </a:fld>
             <a:endParaRPr lang="nl-BE"/>
           </a:p>
@@ -6164,7 +6166,7 @@
           <a:p>
             <a:fld id="{64B405D5-C0FD-42E0-9EB1-2670F471B7BB}" type="datetime1">
               <a:rPr lang="nl-BE" smtClean="0"/>
-              <a:t>15/05/2025</a:t>
+              <a:t>19/05/2025</a:t>
             </a:fld>
             <a:endParaRPr lang="nl-BE"/>
           </a:p>
@@ -6531,7 +6533,7 @@
           <a:p>
             <a:fld id="{4CB55C39-C031-448F-A58F-CA88F7B6F786}" type="datetime1">
               <a:rPr lang="nl-BE" smtClean="0"/>
-              <a:t>15/05/2025</a:t>
+              <a:t>19/05/2025</a:t>
             </a:fld>
             <a:endParaRPr lang="nl-BE"/>
           </a:p>
@@ -6649,7 +6651,7 @@
           <a:p>
             <a:fld id="{E29307F5-1DF0-4FFF-91A4-1E1A6A26A94A}" type="datetime1">
               <a:rPr lang="nl-BE" smtClean="0"/>
-              <a:t>15/05/2025</a:t>
+              <a:t>19/05/2025</a:t>
             </a:fld>
             <a:endParaRPr lang="nl-BE"/>
           </a:p>
@@ -6744,7 +6746,7 @@
           <a:p>
             <a:fld id="{00A9168B-A159-4E9D-A6C6-C6786C6AB2EB}" type="datetime1">
               <a:rPr lang="nl-BE" smtClean="0"/>
-              <a:t>15/05/2025</a:t>
+              <a:t>19/05/2025</a:t>
             </a:fld>
             <a:endParaRPr lang="nl-BE"/>
           </a:p>
@@ -7021,7 +7023,7 @@
           <a:p>
             <a:fld id="{E9D22159-AF82-4D23-BC06-D4277BDD9BAD}" type="datetime1">
               <a:rPr lang="nl-BE" smtClean="0"/>
-              <a:t>15/05/2025</a:t>
+              <a:t>19/05/2025</a:t>
             </a:fld>
             <a:endParaRPr lang="nl-BE"/>
           </a:p>
@@ -7274,7 +7276,7 @@
           <a:p>
             <a:fld id="{D08A7014-C292-4E4F-926C-1A31F538B52A}" type="datetime1">
               <a:rPr lang="nl-BE" smtClean="0"/>
-              <a:t>15/05/2025</a:t>
+              <a:t>19/05/2025</a:t>
             </a:fld>
             <a:endParaRPr lang="nl-BE"/>
           </a:p>
@@ -7487,7 +7489,7 @@
           <a:p>
             <a:fld id="{E9CC7161-F687-474C-905A-3CCBBA535086}" type="datetime1">
               <a:rPr lang="nl-BE" smtClean="0"/>
-              <a:t>15/05/2025</a:t>
+              <a:t>19/05/2025</a:t>
             </a:fld>
             <a:endParaRPr lang="nl-BE"/>
           </a:p>
@@ -10847,42 +10849,6 @@
           </a:p>
         </p:txBody>
       </p:sp>
-      <p:pic>
-        <p:nvPicPr>
-          <p:cNvPr id="6" name="Picture 5" descr="A graph with blue dots and a line&#10;&#10;Description automatically generated">
-            <a:extLst>
-              <a:ext uri="{FF2B5EF4-FFF2-40B4-BE49-F238E27FC236}">
-                <a16:creationId xmlns:a16="http://schemas.microsoft.com/office/drawing/2014/main" id="{60CD9673-88E2-6F3C-37A2-DAED97E86789}"/>
-              </a:ext>
-            </a:extLst>
-          </p:cNvPr>
-          <p:cNvPicPr>
-            <a:picLocks noChangeAspect="1"/>
-          </p:cNvPicPr>
-          <p:nvPr/>
-        </p:nvPicPr>
-        <p:blipFill>
-          <a:blip r:embed="rId2">
-            <a:extLst>
-              <a:ext uri="{28A0092B-C50C-407E-A947-70E740481C1C}">
-                <a14:useLocalDpi xmlns:a14="http://schemas.microsoft.com/office/drawing/2010/main" val="0"/>
-              </a:ext>
-            </a:extLst>
-          </a:blip>
-          <a:stretch>
-            <a:fillRect/>
-          </a:stretch>
-        </p:blipFill>
-        <p:spPr>
-          <a:xfrm>
-            <a:off x="7211318" y="3299960"/>
-            <a:ext cx="4572638" cy="3238952"/>
-          </a:xfrm>
-          <a:prstGeom prst="rect">
-            <a:avLst/>
-          </a:prstGeom>
-        </p:spPr>
-      </p:pic>
       <p:sp>
         <p:nvSpPr>
           <p:cNvPr id="7" name="TextBox 6">
@@ -10936,6 +10902,36 @@
           </a:p>
         </p:txBody>
       </p:sp>
+      <p:pic>
+        <p:nvPicPr>
+          <p:cNvPr id="8" name="Picture 7">
+            <a:extLst>
+              <a:ext uri="{FF2B5EF4-FFF2-40B4-BE49-F238E27FC236}">
+                <a16:creationId xmlns:a16="http://schemas.microsoft.com/office/drawing/2014/main" id="{ADB86756-52DF-3D0C-7BCF-BC38C00F26C6}"/>
+              </a:ext>
+            </a:extLst>
+          </p:cNvPr>
+          <p:cNvPicPr>
+            <a:picLocks noChangeAspect="1"/>
+          </p:cNvPicPr>
+          <p:nvPr/>
+        </p:nvPicPr>
+        <p:blipFill>
+          <a:blip r:embed="rId2"/>
+          <a:stretch>
+            <a:fillRect/>
+          </a:stretch>
+        </p:blipFill>
+        <p:spPr>
+          <a:xfrm>
+            <a:off x="7070373" y="2890247"/>
+            <a:ext cx="4120359" cy="3967753"/>
+          </a:xfrm>
+          <a:prstGeom prst="rect">
+            <a:avLst/>
+          </a:prstGeom>
+        </p:spPr>
+      </p:pic>
     </p:spTree>
     <p:extLst>
       <p:ext uri="{BB962C8B-B14F-4D97-AF65-F5344CB8AC3E}">
@@ -11121,6 +11117,89 @@
           <a:chExt cx="0" cy="0"/>
         </a:xfrm>
       </p:grpSpPr>
+      <p:pic>
+        <p:nvPicPr>
+          <p:cNvPr id="6" name="Picture 5" descr="A graph with blue dots and a line&#10;&#10;Description automatically generated">
+            <a:extLst>
+              <a:ext uri="{FF2B5EF4-FFF2-40B4-BE49-F238E27FC236}">
+                <a16:creationId xmlns:a16="http://schemas.microsoft.com/office/drawing/2014/main" id="{60CD9673-88E2-6F3C-37A2-DAED97E86789}"/>
+              </a:ext>
+            </a:extLst>
+          </p:cNvPr>
+          <p:cNvPicPr>
+            <a:picLocks noChangeAspect="1"/>
+          </p:cNvPicPr>
+          <p:nvPr/>
+        </p:nvPicPr>
+        <p:blipFill>
+          <a:blip r:embed="rId2">
+            <a:extLst>
+              <a:ext uri="{28A0092B-C50C-407E-A947-70E740481C1C}">
+                <a14:useLocalDpi xmlns:a14="http://schemas.microsoft.com/office/drawing/2010/main" val="0"/>
+              </a:ext>
+            </a:extLst>
+          </a:blip>
+          <a:stretch>
+            <a:fillRect/>
+          </a:stretch>
+        </p:blipFill>
+        <p:spPr>
+          <a:xfrm>
+            <a:off x="6172200" y="2168303"/>
+            <a:ext cx="5181600" cy="3665981"/>
+          </a:xfrm>
+          <a:prstGeom prst="rect">
+            <a:avLst/>
+          </a:prstGeom>
+          <a:noFill/>
+        </p:spPr>
+      </p:pic>
+      <p:sp>
+        <p:nvSpPr>
+          <p:cNvPr id="4" name="Slide Number Placeholder 3">
+            <a:extLst>
+              <a:ext uri="{FF2B5EF4-FFF2-40B4-BE49-F238E27FC236}">
+                <a16:creationId xmlns:a16="http://schemas.microsoft.com/office/drawing/2014/main" id="{41F66F51-C444-79D6-A627-CA3BC62474FB}"/>
+              </a:ext>
+            </a:extLst>
+          </p:cNvPr>
+          <p:cNvSpPr>
+            <a:spLocks noGrp="1"/>
+          </p:cNvSpPr>
+          <p:nvPr>
+            <p:ph type="sldNum" sz="quarter" idx="12"/>
+          </p:nvPr>
+        </p:nvSpPr>
+        <p:spPr>
+          <a:xfrm>
+            <a:off x="9130553" y="6356350"/>
+            <a:ext cx="2743200" cy="365125"/>
+          </a:xfrm>
+        </p:spPr>
+        <p:txBody>
+          <a:bodyPr anchor="ctr">
+            <a:normAutofit/>
+          </a:bodyPr>
+          <a:lstStyle/>
+          <a:p>
+            <a:pPr>
+              <a:spcAft>
+                <a:spcPts val="600"/>
+              </a:spcAft>
+            </a:pPr>
+            <a:fld id="{FE1B3154-47D9-4402-8EDB-E791933DC0B9}" type="slidenum">
+              <a:rPr lang="nl-BE" smtClean="0"/>
+              <a:pPr>
+                <a:spcAft>
+                  <a:spcPts val="600"/>
+                </a:spcAft>
+              </a:pPr>
+              <a:t>24</a:t>
+            </a:fld>
+            <a:endParaRPr lang="nl-BE"/>
+          </a:p>
+        </p:txBody>
+      </p:sp>
       <p:sp>
         <p:nvSpPr>
           <p:cNvPr id="2" name="Title 1">
@@ -11137,9 +11216,16 @@
             <p:ph type="title"/>
           </p:nvPr>
         </p:nvSpPr>
-        <p:spPr/>
-        <p:txBody>
-          <a:bodyPr/>
+        <p:spPr>
+          <a:xfrm>
+            <a:off x="582706" y="365125"/>
+            <a:ext cx="10771094" cy="920015"/>
+          </a:xfrm>
+        </p:spPr>
+        <p:txBody>
+          <a:bodyPr anchor="ctr">
+            <a:normAutofit/>
+          </a:bodyPr>
           <a:lstStyle/>
           <a:p>
             <a:r>
@@ -11163,95 +11249,72 @@
             <a:spLocks noGrp="1"/>
           </p:cNvSpPr>
           <p:nvPr>
-            <p:ph idx="1"/>
-          </p:nvPr>
-        </p:nvSpPr>
-        <p:spPr/>
-        <p:txBody>
-          <a:bodyPr/>
+            <p:ph sz="half" idx="1"/>
+          </p:nvPr>
+        </p:nvSpPr>
+        <p:spPr>
+          <a:xfrm>
+            <a:off x="838200" y="1825625"/>
+            <a:ext cx="5181600" cy="4351338"/>
+          </a:xfrm>
+        </p:spPr>
+        <p:txBody>
+          <a:bodyPr>
+            <a:normAutofit/>
+          </a:bodyPr>
           <a:lstStyle/>
           <a:p>
             <a:r>
-              <a:rPr lang="en-US" dirty="0"/>
+              <a:rPr lang="en-US" sz="2200"/>
               <a:t>The ROC helps tuning the model to the use case</a:t>
             </a:r>
           </a:p>
           <a:p>
             <a:pPr lvl="1"/>
             <a:r>
-              <a:rPr lang="en-US" dirty="0"/>
+              <a:rPr lang="en-US" sz="2200"/>
               <a:t>False positives are a major issue?</a:t>
             </a:r>
           </a:p>
           <a:p>
             <a:pPr lvl="1"/>
             <a:r>
-              <a:rPr lang="en-US" dirty="0"/>
+              <a:rPr lang="en-US" sz="2200"/>
               <a:t>False negatives are a major issue?</a:t>
             </a:r>
           </a:p>
           <a:p>
             <a:pPr lvl="1"/>
             <a:r>
-              <a:rPr lang="en-US" dirty="0"/>
+              <a:rPr lang="en-US" sz="2200"/>
               <a:t>You need a well balanced model?</a:t>
             </a:r>
           </a:p>
           <a:p>
             <a:r>
-              <a:rPr lang="en-US" dirty="0"/>
+              <a:rPr lang="en-US" sz="2200"/>
               <a:t>An ROC does show if a model is better if it’s further away from the diagonal</a:t>
             </a:r>
           </a:p>
           <a:p>
             <a:pPr lvl="1"/>
             <a:r>
-              <a:rPr lang="en-US" dirty="0"/>
+              <a:rPr lang="en-US" sz="2200"/>
               <a:t>The diagonal is a random classifier: wrong as much as it is right</a:t>
             </a:r>
           </a:p>
           <a:p>
-            <a:endParaRPr lang="en-US" dirty="0"/>
-          </a:p>
-          <a:p>
-            <a:r>
-              <a:rPr lang="en-US" dirty="0"/>
+            <a:endParaRPr lang="en-US" sz="2200"/>
+          </a:p>
+          <a:p>
+            <a:r>
+              <a:rPr lang="en-US" sz="2200"/>
               <a:t>The ROC does not help tuning the model, as it doesn’t require retraining!</a:t>
             </a:r>
           </a:p>
           <a:p>
             <a:pPr lvl="1"/>
-            <a:endParaRPr lang="en-BE" dirty="0"/>
-          </a:p>
-        </p:txBody>
-      </p:sp>
-      <p:sp>
-        <p:nvSpPr>
-          <p:cNvPr id="4" name="Slide Number Placeholder 3">
-            <a:extLst>
-              <a:ext uri="{FF2B5EF4-FFF2-40B4-BE49-F238E27FC236}">
-                <a16:creationId xmlns:a16="http://schemas.microsoft.com/office/drawing/2014/main" id="{41F66F51-C444-79D6-A627-CA3BC62474FB}"/>
-              </a:ext>
-            </a:extLst>
-          </p:cNvPr>
-          <p:cNvSpPr>
-            <a:spLocks noGrp="1"/>
-          </p:cNvSpPr>
-          <p:nvPr>
-            <p:ph type="sldNum" sz="quarter" idx="12"/>
-          </p:nvPr>
-        </p:nvSpPr>
-        <p:spPr/>
-        <p:txBody>
-          <a:bodyPr/>
-          <a:lstStyle/>
-          <a:p>
-            <a:fld id="{FE1B3154-47D9-4402-8EDB-E791933DC0B9}" type="slidenum">
-              <a:rPr lang="nl-BE" smtClean="0"/>
-              <a:pPr/>
-              <a:t>24</a:t>
-            </a:fld>
-            <a:endParaRPr lang="nl-BE"/>
+            <a:endParaRPr lang="en-BE" sz="2200"/>
           </a:p>
         </p:txBody>
       </p:sp>
@@ -11600,6 +11663,335 @@
           <p:cNvPr id="2" name="Title 1">
             <a:extLst>
               <a:ext uri="{FF2B5EF4-FFF2-40B4-BE49-F238E27FC236}">
+                <a16:creationId xmlns:a16="http://schemas.microsoft.com/office/drawing/2014/main" id="{EDC33860-75E8-91C2-C0CA-49A133C6D061}"/>
+              </a:ext>
+            </a:extLst>
+          </p:cNvPr>
+          <p:cNvSpPr>
+            <a:spLocks noGrp="1"/>
+          </p:cNvSpPr>
+          <p:nvPr>
+            <p:ph type="title"/>
+          </p:nvPr>
+        </p:nvSpPr>
+        <p:spPr/>
+        <p:txBody>
+          <a:bodyPr/>
+          <a:lstStyle/>
+          <a:p>
+            <a:r>
+              <a:rPr lang="en-US" dirty="0"/>
+              <a:t>AUC-ROC</a:t>
+            </a:r>
+          </a:p>
+        </p:txBody>
+      </p:sp>
+      <p:sp>
+        <p:nvSpPr>
+          <p:cNvPr id="3" name="Content Placeholder 2">
+            <a:extLst>
+              <a:ext uri="{FF2B5EF4-FFF2-40B4-BE49-F238E27FC236}">
+                <a16:creationId xmlns:a16="http://schemas.microsoft.com/office/drawing/2014/main" id="{17E3E6D0-E6D6-9B2D-F81B-C2B612DFBEE3}"/>
+              </a:ext>
+            </a:extLst>
+          </p:cNvPr>
+          <p:cNvSpPr>
+            <a:spLocks noGrp="1"/>
+          </p:cNvSpPr>
+          <p:nvPr>
+            <p:ph idx="1"/>
+          </p:nvPr>
+        </p:nvSpPr>
+        <p:spPr/>
+        <p:txBody>
+          <a:bodyPr/>
+          <a:lstStyle/>
+          <a:p>
+            <a:r>
+              <a:rPr lang="en-US" dirty="0"/>
+              <a:t>ROC-AUC is particularly useful in:</a:t>
+            </a:r>
+          </a:p>
+          <a:p>
+            <a:pPr lvl="1"/>
+            <a:r>
+              <a:rPr lang="en-US" dirty="0"/>
+              <a:t>Comparing different models without having to select a specific threshold</a:t>
+            </a:r>
+          </a:p>
+          <a:p>
+            <a:pPr lvl="1"/>
+            <a:r>
+              <a:rPr lang="en-US" dirty="0"/>
+              <a:t>Applications where the optimal threshold might change over time</a:t>
+            </a:r>
+          </a:p>
+          <a:p>
+            <a:pPr lvl="1"/>
+            <a:r>
+              <a:rPr lang="en-US" dirty="0"/>
+              <a:t>Scenarios where different operating conditions might require different precision-recall trade-offs</a:t>
+            </a:r>
+          </a:p>
+          <a:p>
+            <a:r>
+              <a:rPr lang="en-US" dirty="0"/>
+              <a:t>However, ROC curves can be overly optimistic with highly imbalanced datasets, where the precision-recall curve often provides a more informative view</a:t>
+            </a:r>
+          </a:p>
+          <a:p>
+            <a:endParaRPr lang="en-US" dirty="0"/>
+          </a:p>
+        </p:txBody>
+      </p:sp>
+      <p:sp>
+        <p:nvSpPr>
+          <p:cNvPr id="4" name="Slide Number Placeholder 3">
+            <a:extLst>
+              <a:ext uri="{FF2B5EF4-FFF2-40B4-BE49-F238E27FC236}">
+                <a16:creationId xmlns:a16="http://schemas.microsoft.com/office/drawing/2014/main" id="{4181EA3D-2FBD-3B9B-11D1-981130321489}"/>
+              </a:ext>
+            </a:extLst>
+          </p:cNvPr>
+          <p:cNvSpPr>
+            <a:spLocks noGrp="1"/>
+          </p:cNvSpPr>
+          <p:nvPr>
+            <p:ph type="sldNum" sz="quarter" idx="12"/>
+          </p:nvPr>
+        </p:nvSpPr>
+        <p:spPr/>
+        <p:txBody>
+          <a:bodyPr/>
+          <a:lstStyle/>
+          <a:p>
+            <a:fld id="{FE1B3154-47D9-4402-8EDB-E791933DC0B9}" type="slidenum">
+              <a:rPr lang="nl-BE" smtClean="0"/>
+              <a:pPr/>
+              <a:t>27</a:t>
+            </a:fld>
+            <a:endParaRPr lang="nl-BE"/>
+          </a:p>
+        </p:txBody>
+      </p:sp>
+    </p:spTree>
+    <p:extLst>
+      <p:ext uri="{BB962C8B-B14F-4D97-AF65-F5344CB8AC3E}">
+        <p14:creationId xmlns:p14="http://schemas.microsoft.com/office/powerpoint/2010/main" val="451682275"/>
+      </p:ext>
+    </p:extLst>
+  </p:cSld>
+  <p:clrMapOvr>
+    <a:masterClrMapping/>
+  </p:clrMapOvr>
+</p:sld>
+</file>
+
+<file path=ppt/slides/slide28.xml><?xml version="1.0" encoding="utf-8"?>
+<p:sld xmlns:a="http://schemas.openxmlformats.org/drawingml/2006/main" xmlns:r="http://schemas.openxmlformats.org/officeDocument/2006/relationships" xmlns:p="http://schemas.openxmlformats.org/presentationml/2006/main">
+  <p:cSld>
+    <p:spTree>
+      <p:nvGrpSpPr>
+        <p:cNvPr id="1" name=""/>
+        <p:cNvGrpSpPr/>
+        <p:nvPr/>
+      </p:nvGrpSpPr>
+      <p:grpSpPr>
+        <a:xfrm>
+          <a:off x="0" y="0"/>
+          <a:ext cx="0" cy="0"/>
+          <a:chOff x="0" y="0"/>
+          <a:chExt cx="0" cy="0"/>
+        </a:xfrm>
+      </p:grpSpPr>
+      <p:sp>
+        <p:nvSpPr>
+          <p:cNvPr id="2" name="Title 1">
+            <a:extLst>
+              <a:ext uri="{FF2B5EF4-FFF2-40B4-BE49-F238E27FC236}">
+                <a16:creationId xmlns:a16="http://schemas.microsoft.com/office/drawing/2014/main" id="{6E1C9386-2DA0-C9EF-F1A8-CB0D500077B7}"/>
+              </a:ext>
+            </a:extLst>
+          </p:cNvPr>
+          <p:cNvSpPr>
+            <a:spLocks noGrp="1"/>
+          </p:cNvSpPr>
+          <p:nvPr>
+            <p:ph type="title"/>
+          </p:nvPr>
+        </p:nvSpPr>
+        <p:spPr/>
+        <p:txBody>
+          <a:bodyPr/>
+          <a:lstStyle/>
+          <a:p>
+            <a:r>
+              <a:rPr lang="en-US" dirty="0"/>
+              <a:t>Precision-Recall Curve</a:t>
+            </a:r>
+          </a:p>
+        </p:txBody>
+      </p:sp>
+      <p:sp>
+        <p:nvSpPr>
+          <p:cNvPr id="3" name="Content Placeholder 2">
+            <a:extLst>
+              <a:ext uri="{FF2B5EF4-FFF2-40B4-BE49-F238E27FC236}">
+                <a16:creationId xmlns:a16="http://schemas.microsoft.com/office/drawing/2014/main" id="{BCF67B46-3D13-EEE6-411C-21A2980268F5}"/>
+              </a:ext>
+            </a:extLst>
+          </p:cNvPr>
+          <p:cNvSpPr>
+            <a:spLocks noGrp="1"/>
+          </p:cNvSpPr>
+          <p:nvPr>
+            <p:ph idx="1"/>
+          </p:nvPr>
+        </p:nvSpPr>
+        <p:spPr>
+          <a:xfrm>
+            <a:off x="582705" y="1550894"/>
+            <a:ext cx="6613623" cy="4626069"/>
+          </a:xfrm>
+        </p:spPr>
+        <p:txBody>
+          <a:bodyPr>
+            <a:normAutofit fontScale="92500"/>
+          </a:bodyPr>
+          <a:lstStyle/>
+          <a:p>
+            <a:r>
+              <a:rPr lang="en-US" dirty="0"/>
+              <a:t>the Precision-Recall curve plots precision against recall at various classification thresholds</a:t>
+            </a:r>
+          </a:p>
+          <a:p>
+            <a:r>
+              <a:rPr lang="en-US" dirty="0"/>
+              <a:t>The area under the precision-recall curve provides a summary of model performance focused on the positive class</a:t>
+            </a:r>
+          </a:p>
+          <a:p>
+            <a:pPr lvl="1"/>
+            <a:r>
+              <a:rPr lang="en-US" dirty="0"/>
+              <a:t>Working with highly imbalanced datasets where the positive class is rare but important</a:t>
+            </a:r>
+          </a:p>
+          <a:p>
+            <a:pPr lvl="1"/>
+            <a:r>
+              <a:rPr lang="en-US" dirty="0"/>
+              <a:t>The negative class is large and less interesting than the positive class</a:t>
+            </a:r>
+          </a:p>
+          <a:p>
+            <a:pPr lvl="1"/>
+            <a:r>
+              <a:rPr lang="en-US" dirty="0"/>
+              <a:t>You want to focus on the trade-off between precision and recall specifically</a:t>
+            </a:r>
+          </a:p>
+          <a:p>
+            <a:endParaRPr lang="en-US" dirty="0"/>
+          </a:p>
+        </p:txBody>
+      </p:sp>
+      <p:sp>
+        <p:nvSpPr>
+          <p:cNvPr id="4" name="Slide Number Placeholder 3">
+            <a:extLst>
+              <a:ext uri="{FF2B5EF4-FFF2-40B4-BE49-F238E27FC236}">
+                <a16:creationId xmlns:a16="http://schemas.microsoft.com/office/drawing/2014/main" id="{039B7F8F-4D3E-1E52-940E-55CB3D1081E9}"/>
+              </a:ext>
+            </a:extLst>
+          </p:cNvPr>
+          <p:cNvSpPr>
+            <a:spLocks noGrp="1"/>
+          </p:cNvSpPr>
+          <p:nvPr>
+            <p:ph type="sldNum" sz="quarter" idx="12"/>
+          </p:nvPr>
+        </p:nvSpPr>
+        <p:spPr/>
+        <p:txBody>
+          <a:bodyPr/>
+          <a:lstStyle/>
+          <a:p>
+            <a:fld id="{FE1B3154-47D9-4402-8EDB-E791933DC0B9}" type="slidenum">
+              <a:rPr lang="nl-BE" smtClean="0"/>
+              <a:pPr/>
+              <a:t>28</a:t>
+            </a:fld>
+            <a:endParaRPr lang="nl-BE"/>
+          </a:p>
+        </p:txBody>
+      </p:sp>
+      <p:pic>
+        <p:nvPicPr>
+          <p:cNvPr id="6" name="Picture 5">
+            <a:extLst>
+              <a:ext uri="{FF2B5EF4-FFF2-40B4-BE49-F238E27FC236}">
+                <a16:creationId xmlns:a16="http://schemas.microsoft.com/office/drawing/2014/main" id="{7297F4A9-60C0-9E46-51C1-CE8E0A4146C5}"/>
+              </a:ext>
+            </a:extLst>
+          </p:cNvPr>
+          <p:cNvPicPr>
+            <a:picLocks noChangeAspect="1"/>
+          </p:cNvPicPr>
+          <p:nvPr/>
+        </p:nvPicPr>
+        <p:blipFill>
+          <a:blip r:embed="rId2"/>
+          <a:stretch>
+            <a:fillRect/>
+          </a:stretch>
+        </p:blipFill>
+        <p:spPr>
+          <a:xfrm>
+            <a:off x="7000150" y="1596342"/>
+            <a:ext cx="5191850" cy="4896533"/>
+          </a:xfrm>
+          <a:prstGeom prst="rect">
+            <a:avLst/>
+          </a:prstGeom>
+        </p:spPr>
+      </p:pic>
+    </p:spTree>
+    <p:extLst>
+      <p:ext uri="{BB962C8B-B14F-4D97-AF65-F5344CB8AC3E}">
+        <p14:creationId xmlns:p14="http://schemas.microsoft.com/office/powerpoint/2010/main" val="3444685967"/>
+      </p:ext>
+    </p:extLst>
+  </p:cSld>
+  <p:clrMapOvr>
+    <a:masterClrMapping/>
+  </p:clrMapOvr>
+</p:sld>
+</file>
+
+<file path=ppt/slides/slide29.xml><?xml version="1.0" encoding="utf-8"?>
+<p:sld xmlns:a="http://schemas.openxmlformats.org/drawingml/2006/main" xmlns:r="http://schemas.openxmlformats.org/officeDocument/2006/relationships" xmlns:p="http://schemas.openxmlformats.org/presentationml/2006/main">
+  <p:cSld>
+    <p:spTree>
+      <p:nvGrpSpPr>
+        <p:cNvPr id="1" name=""/>
+        <p:cNvGrpSpPr/>
+        <p:nvPr/>
+      </p:nvGrpSpPr>
+      <p:grpSpPr>
+        <a:xfrm>
+          <a:off x="0" y="0"/>
+          <a:ext cx="0" cy="0"/>
+          <a:chOff x="0" y="0"/>
+          <a:chExt cx="0" cy="0"/>
+        </a:xfrm>
+      </p:grpSpPr>
+      <p:sp>
+        <p:nvSpPr>
+          <p:cNvPr id="2" name="Title 1">
+            <a:extLst>
+              <a:ext uri="{FF2B5EF4-FFF2-40B4-BE49-F238E27FC236}">
                 <a16:creationId xmlns:a16="http://schemas.microsoft.com/office/drawing/2014/main" id="{9C020F99-5BDF-6204-08C1-0859DC584285}"/>
               </a:ext>
             </a:extLst>
@@ -11696,7 +12088,7 @@
             <a:fld id="{FE1B3154-47D9-4402-8EDB-E791933DC0B9}" type="slidenum">
               <a:rPr lang="nl-BE" smtClean="0"/>
               <a:pPr/>
-              <a:t>27</a:t>
+              <a:t>29</a:t>
             </a:fld>
             <a:endParaRPr lang="nl-BE"/>
           </a:p>
@@ -11872,7 +12264,7 @@
 </p:sld>
 </file>
 
-<file path=ppt/slides/slide28.xml><?xml version="1.0" encoding="utf-8"?>
+<file path=ppt/slides/slide3.xml><?xml version="1.0" encoding="utf-8"?>
 <p:sld xmlns:a="http://schemas.openxmlformats.org/drawingml/2006/main" xmlns:r="http://schemas.openxmlformats.org/officeDocument/2006/relationships" xmlns:p="http://schemas.openxmlformats.org/presentationml/2006/main">
   <p:cSld>
     <p:spTree>
@@ -11894,6 +12286,125 @@
           <p:cNvPr id="2" name="Title 1">
             <a:extLst>
               <a:ext uri="{FF2B5EF4-FFF2-40B4-BE49-F238E27FC236}">
+                <a16:creationId xmlns:a16="http://schemas.microsoft.com/office/drawing/2014/main" id="{9F333E80-1857-E09B-DF11-2A754498BA85}"/>
+              </a:ext>
+            </a:extLst>
+          </p:cNvPr>
+          <p:cNvSpPr>
+            <a:spLocks noGrp="1"/>
+          </p:cNvSpPr>
+          <p:nvPr>
+            <p:ph type="title"/>
+          </p:nvPr>
+        </p:nvSpPr>
+        <p:spPr/>
+        <p:txBody>
+          <a:bodyPr/>
+          <a:lstStyle/>
+          <a:p>
+            <a:r>
+              <a:rPr lang="en-US" dirty="0"/>
+              <a:t>Types of machine learning</a:t>
+            </a:r>
+          </a:p>
+        </p:txBody>
+      </p:sp>
+      <p:graphicFrame>
+        <p:nvGraphicFramePr>
+          <p:cNvPr id="5" name="Content Placeholder 4">
+            <a:extLst>
+              <a:ext uri="{FF2B5EF4-FFF2-40B4-BE49-F238E27FC236}">
+                <a16:creationId xmlns:a16="http://schemas.microsoft.com/office/drawing/2014/main" id="{9E260D4C-DE40-3E87-47EF-EA4DBF68BD8A}"/>
+              </a:ext>
+            </a:extLst>
+          </p:cNvPr>
+          <p:cNvGraphicFramePr>
+            <a:graphicFrameLocks noGrp="1"/>
+          </p:cNvGraphicFramePr>
+          <p:nvPr>
+            <p:ph idx="1"/>
+            <p:extLst>
+              <p:ext uri="{D42A27DB-BD31-4B8C-83A1-F6EECF244321}">
+                <p14:modId xmlns:p14="http://schemas.microsoft.com/office/powerpoint/2010/main" val="1293828737"/>
+              </p:ext>
+            </p:extLst>
+          </p:nvPr>
+        </p:nvGraphicFramePr>
+        <p:xfrm>
+          <a:off x="582613" y="1550988"/>
+          <a:ext cx="11291887" cy="4625975"/>
+        </p:xfrm>
+        <a:graphic>
+          <a:graphicData uri="http://schemas.openxmlformats.org/drawingml/2006/diagram">
+            <dgm:relIds xmlns:dgm="http://schemas.openxmlformats.org/drawingml/2006/diagram" xmlns:r="http://schemas.openxmlformats.org/officeDocument/2006/relationships" r:dm="rId2" r:lo="rId3" r:qs="rId4" r:cs="rId5"/>
+          </a:graphicData>
+        </a:graphic>
+      </p:graphicFrame>
+      <p:sp>
+        <p:nvSpPr>
+          <p:cNvPr id="4" name="Slide Number Placeholder 3">
+            <a:extLst>
+              <a:ext uri="{FF2B5EF4-FFF2-40B4-BE49-F238E27FC236}">
+                <a16:creationId xmlns:a16="http://schemas.microsoft.com/office/drawing/2014/main" id="{66190FE9-9BB5-6CFD-BC6A-F672B925B1A6}"/>
+              </a:ext>
+            </a:extLst>
+          </p:cNvPr>
+          <p:cNvSpPr>
+            <a:spLocks noGrp="1"/>
+          </p:cNvSpPr>
+          <p:nvPr>
+            <p:ph type="sldNum" sz="quarter" idx="12"/>
+          </p:nvPr>
+        </p:nvSpPr>
+        <p:spPr/>
+        <p:txBody>
+          <a:bodyPr/>
+          <a:lstStyle/>
+          <a:p>
+            <a:fld id="{FE1B3154-47D9-4402-8EDB-E791933DC0B9}" type="slidenum">
+              <a:rPr lang="nl-BE" smtClean="0"/>
+              <a:pPr/>
+              <a:t>3</a:t>
+            </a:fld>
+            <a:endParaRPr lang="nl-BE"/>
+          </a:p>
+        </p:txBody>
+      </p:sp>
+    </p:spTree>
+    <p:extLst>
+      <p:ext uri="{BB962C8B-B14F-4D97-AF65-F5344CB8AC3E}">
+        <p14:creationId xmlns:p14="http://schemas.microsoft.com/office/powerpoint/2010/main" val="1746461877"/>
+      </p:ext>
+    </p:extLst>
+  </p:cSld>
+  <p:clrMapOvr>
+    <a:masterClrMapping/>
+  </p:clrMapOvr>
+</p:sld>
+</file>
+
+<file path=ppt/slides/slide30.xml><?xml version="1.0" encoding="utf-8"?>
+<p:sld xmlns:a="http://schemas.openxmlformats.org/drawingml/2006/main" xmlns:r="http://schemas.openxmlformats.org/officeDocument/2006/relationships" xmlns:p="http://schemas.openxmlformats.org/presentationml/2006/main">
+  <p:cSld>
+    <p:spTree>
+      <p:nvGrpSpPr>
+        <p:cNvPr id="1" name=""/>
+        <p:cNvGrpSpPr/>
+        <p:nvPr/>
+      </p:nvGrpSpPr>
+      <p:grpSpPr>
+        <a:xfrm>
+          <a:off x="0" y="0"/>
+          <a:ext cx="0" cy="0"/>
+          <a:chOff x="0" y="0"/>
+          <a:chExt cx="0" cy="0"/>
+        </a:xfrm>
+      </p:grpSpPr>
+      <p:sp>
+        <p:nvSpPr>
+          <p:cNvPr id="2" name="Title 1">
+            <a:extLst>
+              <a:ext uri="{FF2B5EF4-FFF2-40B4-BE49-F238E27FC236}">
                 <a16:creationId xmlns:a16="http://schemas.microsoft.com/office/drawing/2014/main" id="{93E08A30-A807-D1FC-12E3-6E1CE6C8E8AA}"/>
               </a:ext>
             </a:extLst>
@@ -12003,7 +12514,7 @@
             <a:fld id="{FE1B3154-47D9-4402-8EDB-E791933DC0B9}" type="slidenum">
               <a:rPr lang="nl-BE" smtClean="0"/>
               <a:pPr/>
-              <a:t>28</a:t>
+              <a:t>30</a:t>
             </a:fld>
             <a:endParaRPr lang="nl-BE"/>
           </a:p>
@@ -12052,7 +12563,7 @@
 </p:sld>
 </file>
 
-<file path=ppt/slides/slide29.xml><?xml version="1.0" encoding="utf-8"?>
+<file path=ppt/slides/slide31.xml><?xml version="1.0" encoding="utf-8"?>
 <p:sld xmlns:a="http://schemas.openxmlformats.org/drawingml/2006/main" xmlns:r="http://schemas.openxmlformats.org/officeDocument/2006/relationships" xmlns:p="http://schemas.openxmlformats.org/presentationml/2006/main">
   <p:cSld>
     <p:spTree>
@@ -12191,7 +12702,7 @@
             <a:fld id="{FE1B3154-47D9-4402-8EDB-E791933DC0B9}" type="slidenum">
               <a:rPr lang="nl-BE" smtClean="0"/>
               <a:pPr/>
-              <a:t>29</a:t>
+              <a:t>31</a:t>
             </a:fld>
             <a:endParaRPr lang="nl-BE"/>
           </a:p>
@@ -12270,7 +12781,7 @@
 </p:sld>
 </file>
 
-<file path=ppt/slides/slide3.xml><?xml version="1.0" encoding="utf-8"?>
+<file path=ppt/slides/slide32.xml><?xml version="1.0" encoding="utf-8"?>
 <p:sld xmlns:a="http://schemas.openxmlformats.org/drawingml/2006/main" xmlns:r="http://schemas.openxmlformats.org/officeDocument/2006/relationships" xmlns:p="http://schemas.openxmlformats.org/presentationml/2006/main">
   <p:cSld>
     <p:spTree>
@@ -12292,125 +12803,6 @@
           <p:cNvPr id="2" name="Title 1">
             <a:extLst>
               <a:ext uri="{FF2B5EF4-FFF2-40B4-BE49-F238E27FC236}">
-                <a16:creationId xmlns:a16="http://schemas.microsoft.com/office/drawing/2014/main" id="{9F333E80-1857-E09B-DF11-2A754498BA85}"/>
-              </a:ext>
-            </a:extLst>
-          </p:cNvPr>
-          <p:cNvSpPr>
-            <a:spLocks noGrp="1"/>
-          </p:cNvSpPr>
-          <p:nvPr>
-            <p:ph type="title"/>
-          </p:nvPr>
-        </p:nvSpPr>
-        <p:spPr/>
-        <p:txBody>
-          <a:bodyPr/>
-          <a:lstStyle/>
-          <a:p>
-            <a:r>
-              <a:rPr lang="en-US" dirty="0"/>
-              <a:t>Types of machine learning</a:t>
-            </a:r>
-          </a:p>
-        </p:txBody>
-      </p:sp>
-      <p:graphicFrame>
-        <p:nvGraphicFramePr>
-          <p:cNvPr id="5" name="Content Placeholder 4">
-            <a:extLst>
-              <a:ext uri="{FF2B5EF4-FFF2-40B4-BE49-F238E27FC236}">
-                <a16:creationId xmlns:a16="http://schemas.microsoft.com/office/drawing/2014/main" id="{9E260D4C-DE40-3E87-47EF-EA4DBF68BD8A}"/>
-              </a:ext>
-            </a:extLst>
-          </p:cNvPr>
-          <p:cNvGraphicFramePr>
-            <a:graphicFrameLocks noGrp="1"/>
-          </p:cNvGraphicFramePr>
-          <p:nvPr>
-            <p:ph idx="1"/>
-            <p:extLst>
-              <p:ext uri="{D42A27DB-BD31-4B8C-83A1-F6EECF244321}">
-                <p14:modId xmlns:p14="http://schemas.microsoft.com/office/powerpoint/2010/main" val="1293828737"/>
-              </p:ext>
-            </p:extLst>
-          </p:nvPr>
-        </p:nvGraphicFramePr>
-        <p:xfrm>
-          <a:off x="582613" y="1550988"/>
-          <a:ext cx="11291887" cy="4625975"/>
-        </p:xfrm>
-        <a:graphic>
-          <a:graphicData uri="http://schemas.openxmlformats.org/drawingml/2006/diagram">
-            <dgm:relIds xmlns:dgm="http://schemas.openxmlformats.org/drawingml/2006/diagram" xmlns:r="http://schemas.openxmlformats.org/officeDocument/2006/relationships" r:dm="rId2" r:lo="rId3" r:qs="rId4" r:cs="rId5"/>
-          </a:graphicData>
-        </a:graphic>
-      </p:graphicFrame>
-      <p:sp>
-        <p:nvSpPr>
-          <p:cNvPr id="4" name="Slide Number Placeholder 3">
-            <a:extLst>
-              <a:ext uri="{FF2B5EF4-FFF2-40B4-BE49-F238E27FC236}">
-                <a16:creationId xmlns:a16="http://schemas.microsoft.com/office/drawing/2014/main" id="{66190FE9-9BB5-6CFD-BC6A-F672B925B1A6}"/>
-              </a:ext>
-            </a:extLst>
-          </p:cNvPr>
-          <p:cNvSpPr>
-            <a:spLocks noGrp="1"/>
-          </p:cNvSpPr>
-          <p:nvPr>
-            <p:ph type="sldNum" sz="quarter" idx="12"/>
-          </p:nvPr>
-        </p:nvSpPr>
-        <p:spPr/>
-        <p:txBody>
-          <a:bodyPr/>
-          <a:lstStyle/>
-          <a:p>
-            <a:fld id="{FE1B3154-47D9-4402-8EDB-E791933DC0B9}" type="slidenum">
-              <a:rPr lang="nl-BE" smtClean="0"/>
-              <a:pPr/>
-              <a:t>3</a:t>
-            </a:fld>
-            <a:endParaRPr lang="nl-BE"/>
-          </a:p>
-        </p:txBody>
-      </p:sp>
-    </p:spTree>
-    <p:extLst>
-      <p:ext uri="{BB962C8B-B14F-4D97-AF65-F5344CB8AC3E}">
-        <p14:creationId xmlns:p14="http://schemas.microsoft.com/office/powerpoint/2010/main" val="1746461877"/>
-      </p:ext>
-    </p:extLst>
-  </p:cSld>
-  <p:clrMapOvr>
-    <a:masterClrMapping/>
-  </p:clrMapOvr>
-</p:sld>
-</file>
-
-<file path=ppt/slides/slide30.xml><?xml version="1.0" encoding="utf-8"?>
-<p:sld xmlns:a="http://schemas.openxmlformats.org/drawingml/2006/main" xmlns:r="http://schemas.openxmlformats.org/officeDocument/2006/relationships" xmlns:p="http://schemas.openxmlformats.org/presentationml/2006/main">
-  <p:cSld>
-    <p:spTree>
-      <p:nvGrpSpPr>
-        <p:cNvPr id="1" name=""/>
-        <p:cNvGrpSpPr/>
-        <p:nvPr/>
-      </p:nvGrpSpPr>
-      <p:grpSpPr>
-        <a:xfrm>
-          <a:off x="0" y="0"/>
-          <a:ext cx="0" cy="0"/>
-          <a:chOff x="0" y="0"/>
-          <a:chExt cx="0" cy="0"/>
-        </a:xfrm>
-      </p:grpSpPr>
-      <p:sp>
-        <p:nvSpPr>
-          <p:cNvPr id="2" name="Title 1">
-            <a:extLst>
-              <a:ext uri="{FF2B5EF4-FFF2-40B4-BE49-F238E27FC236}">
                 <a16:creationId xmlns:a16="http://schemas.microsoft.com/office/drawing/2014/main" id="{C08C960F-6265-49ED-B530-DC5EA94EB175}"/>
               </a:ext>
             </a:extLst>
@@ -12531,7 +12923,7 @@
             <a:fld id="{FE1B3154-47D9-4402-8EDB-E791933DC0B9}" type="slidenum">
               <a:rPr lang="nl-BE" smtClean="0"/>
               <a:pPr/>
-              <a:t>30</a:t>
+              <a:t>32</a:t>
             </a:fld>
             <a:endParaRPr lang="nl-BE"/>
           </a:p>
@@ -12580,7 +12972,7 @@
 </p:sld>
 </file>
 
-<file path=ppt/slides/slide31.xml><?xml version="1.0" encoding="utf-8"?>
+<file path=ppt/slides/slide33.xml><?xml version="1.0" encoding="utf-8"?>
 <p:sld xmlns:a="http://schemas.openxmlformats.org/drawingml/2006/main" xmlns:r="http://schemas.openxmlformats.org/officeDocument/2006/relationships" xmlns:p="http://schemas.openxmlformats.org/presentationml/2006/main">
   <p:cSld>
     <p:spTree>
@@ -13415,7 +13807,7 @@
             <a:fld id="{FE1B3154-47D9-4402-8EDB-E791933DC0B9}" type="slidenum">
               <a:rPr lang="nl-BE" smtClean="0"/>
               <a:pPr/>
-              <a:t>31</a:t>
+              <a:t>33</a:t>
             </a:fld>
             <a:endParaRPr lang="nl-BE"/>
           </a:p>
@@ -13434,7 +13826,7 @@
 </p:sld>
 </file>
 
-<file path=ppt/slides/slide32.xml><?xml version="1.0" encoding="utf-8"?>
+<file path=ppt/slides/slide34.xml><?xml version="1.0" encoding="utf-8"?>
 <p:sld xmlns:a="http://schemas.openxmlformats.org/drawingml/2006/main" xmlns:r="http://schemas.openxmlformats.org/officeDocument/2006/relationships" xmlns:p="http://schemas.openxmlformats.org/presentationml/2006/main">
   <p:cSld>
     <p:spTree>
@@ -13598,7 +13990,7 @@
             <a:fld id="{FE1B3154-47D9-4402-8EDB-E791933DC0B9}" type="slidenum">
               <a:rPr lang="nl-BE" smtClean="0"/>
               <a:pPr/>
-              <a:t>32</a:t>
+              <a:t>34</a:t>
             </a:fld>
             <a:endParaRPr lang="nl-BE"/>
           </a:p>
@@ -13617,7 +14009,7 @@
 </p:sld>
 </file>
 
-<file path=ppt/slides/slide33.xml><?xml version="1.0" encoding="utf-8"?>
+<file path=ppt/slides/slide35.xml><?xml version="1.0" encoding="utf-8"?>
 <p:sld xmlns:a="http://schemas.openxmlformats.org/drawingml/2006/main" xmlns:r="http://schemas.openxmlformats.org/officeDocument/2006/relationships" xmlns:p="http://schemas.openxmlformats.org/presentationml/2006/main">
   <p:cSld>
     <p:spTree>
@@ -13762,7 +14154,7 @@
             <a:fld id="{FE1B3154-47D9-4402-8EDB-E791933DC0B9}" type="slidenum">
               <a:rPr lang="nl-BE" smtClean="0"/>
               <a:pPr/>
-              <a:t>33</a:t>
+              <a:t>35</a:t>
             </a:fld>
             <a:endParaRPr lang="nl-BE"/>
           </a:p>
